--- a/spring13/slides13/stable-optimal.pptx
+++ b/spring13/slides13/stable-optimal.pptx
@@ -3409,28 +3409,35 @@
                 <a:latin typeface="Comic Sans MS" pitchFamily="66" charset="0"/>
                 <a:ea typeface="宋体" pitchFamily="2" charset="-122"/>
               </a:rPr>
-              <a:t>Albert R Meyer.     </a:t>
+              <a:t>Albert R Meyer.     April</a:t>
+            </a:r>
+            <a:r>
+              <a:rPr lang="en-US" altLang="zh-CN" sz="1000" baseline="0" dirty="0" smtClean="0">
+                <a:latin typeface="Comic Sans MS" pitchFamily="66" charset="0"/>
+                <a:ea typeface="宋体" pitchFamily="2" charset="-122"/>
+              </a:rPr>
+              <a:t> </a:t>
+            </a:r>
+            <a:r>
+              <a:rPr lang="en-US" altLang="zh-CN" sz="1000" baseline="0" dirty="0" smtClean="0">
+                <a:latin typeface="Comic Sans MS" pitchFamily="66" charset="0"/>
+                <a:ea typeface="宋体" pitchFamily="2" charset="-122"/>
+              </a:rPr>
+              <a:t>3</a:t>
             </a:r>
             <a:r>
               <a:rPr lang="en-US" altLang="zh-CN" sz="1000" dirty="0" smtClean="0">
                 <a:latin typeface="Comic Sans MS" pitchFamily="66" charset="0"/>
                 <a:ea typeface="宋体" pitchFamily="2" charset="-122"/>
               </a:rPr>
-              <a:t>April</a:t>
-            </a:r>
-            <a:r>
-              <a:rPr lang="en-US" altLang="zh-CN" sz="1000" baseline="0" dirty="0" smtClean="0">
+              <a:t>, </a:t>
+            </a:r>
+            <a:r>
+              <a:rPr lang="en-US" altLang="zh-CN" sz="1000" dirty="0" smtClean="0">
                 <a:latin typeface="Comic Sans MS" pitchFamily="66" charset="0"/>
                 <a:ea typeface="宋体" pitchFamily="2" charset="-122"/>
               </a:rPr>
-              <a:t> 5</a:t>
-            </a:r>
-            <a:r>
-              <a:rPr lang="en-US" altLang="zh-CN" sz="1000" dirty="0" smtClean="0">
-                <a:latin typeface="Comic Sans MS" pitchFamily="66" charset="0"/>
-                <a:ea typeface="宋体" pitchFamily="2" charset="-122"/>
-              </a:rPr>
-              <a:t>, 2013</a:t>
+              <a:t>2013</a:t>
             </a:r>
             <a:endParaRPr lang="en-US" altLang="zh-CN" sz="1000" dirty="0">
               <a:latin typeface="Comic Sans MS" pitchFamily="66" charset="0"/>
@@ -6408,13 +6415,13 @@
   <p:clrMapOvr>
     <a:masterClrMapping/>
   </p:clrMapOvr>
-  <mc:AlternateContent xmlns:mc="http://schemas.openxmlformats.org/markup-compatibility/2006">
-    <mc:Choice xmlns:p14="http://schemas.microsoft.com/office/powerpoint/2010/main" Requires="p14">
+  <mc:AlternateContent xmlns:mc="http://schemas.openxmlformats.org/markup-compatibility/2006" xmlns:p14="http://schemas.microsoft.com/office/powerpoint/2010/main">
+    <mc:Choice Requires="p14">
       <p:transition spd="med" p14:dur="600">
         <p:fade/>
       </p:transition>
     </mc:Choice>
-    <mc:Fallback>
+    <mc:Fallback xmlns="">
       <p:transition xmlns:p14="http://schemas.microsoft.com/office/powerpoint/2010/main" spd="med">
         <p:fade/>
       </p:transition>

--- a/spring13/slides13/stable-optimal.pptx
+++ b/spring13/slides13/stable-optimal.pptx
@@ -5,33 +5,36 @@
     <p:sldMasterId id="2147483662" r:id="rId1"/>
   </p:sldMasterIdLst>
   <p:notesMasterIdLst>
-    <p:notesMasterId r:id="rId18"/>
+    <p:notesMasterId r:id="rId21"/>
   </p:notesMasterIdLst>
   <p:handoutMasterIdLst>
-    <p:handoutMasterId r:id="rId19"/>
+    <p:handoutMasterId r:id="rId22"/>
   </p:handoutMasterIdLst>
   <p:sldIdLst>
     <p:sldId id="786" r:id="rId2"/>
     <p:sldId id="849" r:id="rId3"/>
-    <p:sldId id="850" r:id="rId4"/>
+    <p:sldId id="870" r:id="rId4"/>
     <p:sldId id="857" r:id="rId5"/>
-    <p:sldId id="859" r:id="rId6"/>
-    <p:sldId id="861" r:id="rId7"/>
-    <p:sldId id="860" r:id="rId8"/>
-    <p:sldId id="852" r:id="rId9"/>
-    <p:sldId id="863" r:id="rId10"/>
-    <p:sldId id="862" r:id="rId11"/>
-    <p:sldId id="853" r:id="rId12"/>
-    <p:sldId id="864" r:id="rId13"/>
-    <p:sldId id="854" r:id="rId14"/>
-    <p:sldId id="865" r:id="rId15"/>
-    <p:sldId id="855" r:id="rId16"/>
-    <p:sldId id="856" r:id="rId17"/>
+    <p:sldId id="850" r:id="rId6"/>
+    <p:sldId id="867" r:id="rId7"/>
+    <p:sldId id="861" r:id="rId8"/>
+    <p:sldId id="860" r:id="rId9"/>
+    <p:sldId id="852" r:id="rId10"/>
+    <p:sldId id="863" r:id="rId11"/>
+    <p:sldId id="862" r:id="rId12"/>
+    <p:sldId id="853" r:id="rId13"/>
+    <p:sldId id="864" r:id="rId14"/>
+    <p:sldId id="854" r:id="rId15"/>
+    <p:sldId id="868" r:id="rId16"/>
+    <p:sldId id="869" r:id="rId17"/>
+    <p:sldId id="866" r:id="rId18"/>
+    <p:sldId id="855" r:id="rId19"/>
+    <p:sldId id="856" r:id="rId20"/>
   </p:sldIdLst>
   <p:sldSz cx="9144000" cy="6858000" type="screen4x3"/>
   <p:notesSz cx="9601200" cy="7315200"/>
   <p:custDataLst>
-    <p:tags r:id="rId21"/>
+    <p:tags r:id="rId24"/>
   </p:custDataLst>
   <p:defaultTextStyle>
     <a:defPPr>
@@ -1034,7 +1037,7 @@
     </p:spTree>
     <p:extLst>
       <p:ext uri="{BB962C8B-B14F-4D97-AF65-F5344CB8AC3E}">
-        <p14:creationId xmlns:p14="http://schemas.microsoft.com/office/powerpoint/2010/main" val="3435062817"/>
+        <p14:creationId xmlns:p14="http://schemas.microsoft.com/office/powerpoint/2010/main" val="3250931582"/>
       </p:ext>
     </p:extLst>
   </p:cSld>
@@ -1119,7 +1122,7 @@
     </p:spTree>
     <p:extLst>
       <p:ext uri="{BB962C8B-B14F-4D97-AF65-F5344CB8AC3E}">
-        <p14:creationId xmlns:p14="http://schemas.microsoft.com/office/powerpoint/2010/main" val="2487904231"/>
+        <p14:creationId xmlns:p14="http://schemas.microsoft.com/office/powerpoint/2010/main" val="3435062817"/>
       </p:ext>
     </p:extLst>
   </p:cSld>
@@ -1289,7 +1292,7 @@
     </p:spTree>
     <p:extLst>
       <p:ext uri="{BB962C8B-B14F-4D97-AF65-F5344CB8AC3E}">
-        <p14:creationId xmlns:p14="http://schemas.microsoft.com/office/powerpoint/2010/main" val="2171668210"/>
+        <p14:creationId xmlns:p14="http://schemas.microsoft.com/office/powerpoint/2010/main" val="2487904231"/>
       </p:ext>
     </p:extLst>
   </p:cSld>
@@ -1459,7 +1462,7 @@
     </p:spTree>
     <p:extLst>
       <p:ext uri="{BB962C8B-B14F-4D97-AF65-F5344CB8AC3E}">
-        <p14:creationId xmlns:p14="http://schemas.microsoft.com/office/powerpoint/2010/main" val="2393628993"/>
+        <p14:creationId xmlns:p14="http://schemas.microsoft.com/office/powerpoint/2010/main" val="2171668210"/>
       </p:ext>
     </p:extLst>
   </p:cSld>
@@ -1488,6 +1491,261 @@
       </p:grpSpPr>
       <p:sp>
         <p:nvSpPr>
+          <p:cNvPr id="2" name="Slide Image Placeholder 1"/>
+          <p:cNvSpPr>
+            <a:spLocks noGrp="1" noRot="1" noChangeAspect="1"/>
+          </p:cNvSpPr>
+          <p:nvPr>
+            <p:ph type="sldImg"/>
+          </p:nvPr>
+        </p:nvSpPr>
+        <p:spPr/>
+      </p:sp>
+      <p:sp>
+        <p:nvSpPr>
+          <p:cNvPr id="3" name="Notes Placeholder 2"/>
+          <p:cNvSpPr>
+            <a:spLocks noGrp="1"/>
+          </p:cNvSpPr>
+          <p:nvPr>
+            <p:ph type="body" idx="1"/>
+          </p:nvPr>
+        </p:nvSpPr>
+        <p:spPr/>
+        <p:txBody>
+          <a:bodyPr/>
+          <a:lstStyle/>
+          <a:p>
+            <a:endParaRPr lang="en-US"/>
+          </a:p>
+        </p:txBody>
+      </p:sp>
+      <p:sp>
+        <p:nvSpPr>
+          <p:cNvPr id="4" name="Slide Number Placeholder 3"/>
+          <p:cNvSpPr>
+            <a:spLocks noGrp="1"/>
+          </p:cNvSpPr>
+          <p:nvPr>
+            <p:ph type="sldNum" sz="quarter" idx="10"/>
+          </p:nvPr>
+        </p:nvSpPr>
+        <p:spPr/>
+        <p:txBody>
+          <a:bodyPr/>
+          <a:lstStyle/>
+          <a:p>
+            <a:fld id="{2EFF8EEE-4460-471C-A98C-381116B839B2}" type="slidenum">
+              <a:rPr lang="en-US" smtClean="0"/>
+              <a:pPr/>
+              <a:t>16</a:t>
+            </a:fld>
+            <a:endParaRPr lang="en-US"/>
+          </a:p>
+        </p:txBody>
+      </p:sp>
+    </p:spTree>
+    <p:extLst>
+      <p:ext uri="{BB962C8B-B14F-4D97-AF65-F5344CB8AC3E}">
+        <p14:creationId xmlns:p14="http://schemas.microsoft.com/office/powerpoint/2010/main" val="2171668210"/>
+      </p:ext>
+    </p:extLst>
+  </p:cSld>
+  <p:clrMapOvr>
+    <a:masterClrMapping/>
+  </p:clrMapOvr>
+</p:notes>
+</file>
+
+<file path=ppt/notesSlides/notesSlide17.xml><?xml version="1.0" encoding="utf-8"?>
+<p:notes xmlns:a="http://schemas.openxmlformats.org/drawingml/2006/main" xmlns:r="http://schemas.openxmlformats.org/officeDocument/2006/relationships" xmlns:p="http://schemas.openxmlformats.org/presentationml/2006/main">
+  <p:cSld>
+    <p:spTree>
+      <p:nvGrpSpPr>
+        <p:cNvPr id="1" name=""/>
+        <p:cNvGrpSpPr/>
+        <p:nvPr/>
+      </p:nvGrpSpPr>
+      <p:grpSpPr>
+        <a:xfrm>
+          <a:off x="0" y="0"/>
+          <a:ext cx="0" cy="0"/>
+          <a:chOff x="0" y="0"/>
+          <a:chExt cx="0" cy="0"/>
+        </a:xfrm>
+      </p:grpSpPr>
+      <p:sp>
+        <p:nvSpPr>
+          <p:cNvPr id="2" name="Slide Image Placeholder 1"/>
+          <p:cNvSpPr>
+            <a:spLocks noGrp="1" noRot="1" noChangeAspect="1"/>
+          </p:cNvSpPr>
+          <p:nvPr>
+            <p:ph type="sldImg"/>
+          </p:nvPr>
+        </p:nvSpPr>
+        <p:spPr/>
+      </p:sp>
+      <p:sp>
+        <p:nvSpPr>
+          <p:cNvPr id="3" name="Notes Placeholder 2"/>
+          <p:cNvSpPr>
+            <a:spLocks noGrp="1"/>
+          </p:cNvSpPr>
+          <p:nvPr>
+            <p:ph type="body" idx="1"/>
+          </p:nvPr>
+        </p:nvSpPr>
+        <p:spPr/>
+        <p:txBody>
+          <a:bodyPr/>
+          <a:lstStyle/>
+          <a:p>
+            <a:endParaRPr lang="en-US"/>
+          </a:p>
+        </p:txBody>
+      </p:sp>
+      <p:sp>
+        <p:nvSpPr>
+          <p:cNvPr id="4" name="Slide Number Placeholder 3"/>
+          <p:cNvSpPr>
+            <a:spLocks noGrp="1"/>
+          </p:cNvSpPr>
+          <p:nvPr>
+            <p:ph type="sldNum" sz="quarter" idx="10"/>
+          </p:nvPr>
+        </p:nvSpPr>
+        <p:spPr/>
+        <p:txBody>
+          <a:bodyPr/>
+          <a:lstStyle/>
+          <a:p>
+            <a:fld id="{2EFF8EEE-4460-471C-A98C-381116B839B2}" type="slidenum">
+              <a:rPr lang="en-US" smtClean="0"/>
+              <a:pPr/>
+              <a:t>17</a:t>
+            </a:fld>
+            <a:endParaRPr lang="en-US"/>
+          </a:p>
+        </p:txBody>
+      </p:sp>
+    </p:spTree>
+    <p:extLst>
+      <p:ext uri="{BB962C8B-B14F-4D97-AF65-F5344CB8AC3E}">
+        <p14:creationId xmlns:p14="http://schemas.microsoft.com/office/powerpoint/2010/main" val="2171668210"/>
+      </p:ext>
+    </p:extLst>
+  </p:cSld>
+  <p:clrMapOvr>
+    <a:masterClrMapping/>
+  </p:clrMapOvr>
+</p:notes>
+</file>
+
+<file path=ppt/notesSlides/notesSlide18.xml><?xml version="1.0" encoding="utf-8"?>
+<p:notes xmlns:a="http://schemas.openxmlformats.org/drawingml/2006/main" xmlns:r="http://schemas.openxmlformats.org/officeDocument/2006/relationships" xmlns:p="http://schemas.openxmlformats.org/presentationml/2006/main">
+  <p:cSld>
+    <p:spTree>
+      <p:nvGrpSpPr>
+        <p:cNvPr id="1" name=""/>
+        <p:cNvGrpSpPr/>
+        <p:nvPr/>
+      </p:nvGrpSpPr>
+      <p:grpSpPr>
+        <a:xfrm>
+          <a:off x="0" y="0"/>
+          <a:ext cx="0" cy="0"/>
+          <a:chOff x="0" y="0"/>
+          <a:chExt cx="0" cy="0"/>
+        </a:xfrm>
+      </p:grpSpPr>
+      <p:sp>
+        <p:nvSpPr>
+          <p:cNvPr id="2" name="Slide Image Placeholder 1"/>
+          <p:cNvSpPr>
+            <a:spLocks noGrp="1" noRot="1" noChangeAspect="1"/>
+          </p:cNvSpPr>
+          <p:nvPr>
+            <p:ph type="sldImg"/>
+          </p:nvPr>
+        </p:nvSpPr>
+        <p:spPr/>
+      </p:sp>
+      <p:sp>
+        <p:nvSpPr>
+          <p:cNvPr id="3" name="Notes Placeholder 2"/>
+          <p:cNvSpPr>
+            <a:spLocks noGrp="1"/>
+          </p:cNvSpPr>
+          <p:nvPr>
+            <p:ph type="body" idx="1"/>
+          </p:nvPr>
+        </p:nvSpPr>
+        <p:spPr/>
+        <p:txBody>
+          <a:bodyPr/>
+          <a:lstStyle/>
+          <a:p>
+            <a:endParaRPr lang="en-US"/>
+          </a:p>
+        </p:txBody>
+      </p:sp>
+      <p:sp>
+        <p:nvSpPr>
+          <p:cNvPr id="4" name="Slide Number Placeholder 3"/>
+          <p:cNvSpPr>
+            <a:spLocks noGrp="1"/>
+          </p:cNvSpPr>
+          <p:nvPr>
+            <p:ph type="sldNum" sz="quarter" idx="10"/>
+          </p:nvPr>
+        </p:nvSpPr>
+        <p:spPr/>
+        <p:txBody>
+          <a:bodyPr/>
+          <a:lstStyle/>
+          <a:p>
+            <a:fld id="{2EFF8EEE-4460-471C-A98C-381116B839B2}" type="slidenum">
+              <a:rPr lang="en-US" smtClean="0"/>
+              <a:pPr/>
+              <a:t>18</a:t>
+            </a:fld>
+            <a:endParaRPr lang="en-US"/>
+          </a:p>
+        </p:txBody>
+      </p:sp>
+    </p:spTree>
+    <p:extLst>
+      <p:ext uri="{BB962C8B-B14F-4D97-AF65-F5344CB8AC3E}">
+        <p14:creationId xmlns:p14="http://schemas.microsoft.com/office/powerpoint/2010/main" val="2393628993"/>
+      </p:ext>
+    </p:extLst>
+  </p:cSld>
+  <p:clrMapOvr>
+    <a:masterClrMapping/>
+  </p:clrMapOvr>
+</p:notes>
+</file>
+
+<file path=ppt/notesSlides/notesSlide19.xml><?xml version="1.0" encoding="utf-8"?>
+<p:notes xmlns:a="http://schemas.openxmlformats.org/drawingml/2006/main" xmlns:r="http://schemas.openxmlformats.org/officeDocument/2006/relationships" xmlns:p="http://schemas.openxmlformats.org/presentationml/2006/main">
+  <p:cSld>
+    <p:spTree>
+      <p:nvGrpSpPr>
+        <p:cNvPr id="1" name=""/>
+        <p:cNvGrpSpPr/>
+        <p:nvPr/>
+      </p:nvGrpSpPr>
+      <p:grpSpPr>
+        <a:xfrm>
+          <a:off x="0" y="0"/>
+          <a:ext cx="0" cy="0"/>
+          <a:chOff x="0" y="0"/>
+          <a:chExt cx="0" cy="0"/>
+        </a:xfrm>
+      </p:grpSpPr>
+      <p:sp>
+        <p:nvSpPr>
           <p:cNvPr id="101378" name="Rectangle 7"/>
           <p:cNvSpPr>
             <a:spLocks noGrp="1" noChangeArrowheads="1"/>
@@ -1506,7 +1764,7 @@
             <a:fld id="{40D7D54F-A45B-482A-96A3-B4504B1F05F9}" type="slidenum">
               <a:rPr lang="en-US" smtClean="0"/>
               <a:pPr/>
-              <a:t>16</a:t>
+              <a:t>19</a:t>
             </a:fld>
             <a:endParaRPr lang="en-US" smtClean="0"/>
           </a:p>
@@ -1664,7 +1922,7 @@
       </p:grpSpPr>
       <p:sp>
         <p:nvSpPr>
-          <p:cNvPr id="100354" name="Rectangle 7"/>
+          <p:cNvPr id="99330" name="Rectangle 7"/>
           <p:cNvSpPr>
             <a:spLocks noGrp="1" noChangeArrowheads="1"/>
           </p:cNvSpPr>
@@ -1679,7 +1937,7 @@
           <a:bodyPr/>
           <a:lstStyle/>
           <a:p>
-            <a:fld id="{CDC4A5C8-A722-4B55-89C0-59F22F87EB85}" type="slidenum">
+            <a:fld id="{88A11719-1F06-4989-8094-48B523FFE46D}" type="slidenum">
               <a:rPr lang="en-US" smtClean="0"/>
               <a:pPr/>
               <a:t>3</a:t>
@@ -1690,7 +1948,7 @@
       </p:sp>
       <p:sp>
         <p:nvSpPr>
-          <p:cNvPr id="100355" name="Rectangle 2"/>
+          <p:cNvPr id="99331" name="Rectangle 2"/>
           <p:cNvSpPr>
             <a:spLocks noGrp="1" noRot="1" noChangeAspect="1" noChangeArrowheads="1" noTextEdit="1"/>
           </p:cNvSpPr>
@@ -1704,7 +1962,7 @@
       </p:sp>
       <p:sp>
         <p:nvSpPr>
-          <p:cNvPr id="100356" name="Rectangle 3"/>
+          <p:cNvPr id="99332" name="Rectangle 3"/>
           <p:cNvSpPr>
             <a:spLocks noGrp="1" noChangeArrowheads="1"/>
           </p:cNvSpPr>
@@ -1840,65 +2098,68 @@
       </p:grpSpPr>
       <p:sp>
         <p:nvSpPr>
-          <p:cNvPr id="2" name="Slide Image Placeholder 1"/>
-          <p:cNvSpPr>
-            <a:spLocks noGrp="1" noRot="1" noChangeAspect="1"/>
-          </p:cNvSpPr>
-          <p:nvPr>
-            <p:ph type="sldImg"/>
-          </p:nvPr>
-        </p:nvSpPr>
-        <p:spPr/>
-      </p:sp>
-      <p:sp>
-        <p:nvSpPr>
-          <p:cNvPr id="3" name="Notes Placeholder 2"/>
-          <p:cNvSpPr>
-            <a:spLocks noGrp="1"/>
-          </p:cNvSpPr>
-          <p:nvPr>
-            <p:ph type="body" idx="1"/>
-          </p:nvPr>
-        </p:nvSpPr>
-        <p:spPr/>
+          <p:cNvPr id="100354" name="Rectangle 7"/>
+          <p:cNvSpPr>
+            <a:spLocks noGrp="1" noChangeArrowheads="1"/>
+          </p:cNvSpPr>
+          <p:nvPr>
+            <p:ph type="sldNum" sz="quarter" idx="5"/>
+          </p:nvPr>
+        </p:nvSpPr>
+        <p:spPr>
+          <a:noFill/>
+        </p:spPr>
         <p:txBody>
           <a:bodyPr/>
           <a:lstStyle/>
           <a:p>
-            <a:endParaRPr lang="en-US"/>
-          </a:p>
-        </p:txBody>
-      </p:sp>
-      <p:sp>
-        <p:nvSpPr>
-          <p:cNvPr id="4" name="Slide Number Placeholder 3"/>
-          <p:cNvSpPr>
-            <a:spLocks noGrp="1"/>
-          </p:cNvSpPr>
-          <p:nvPr>
-            <p:ph type="sldNum" sz="quarter" idx="10"/>
-          </p:nvPr>
-        </p:nvSpPr>
-        <p:spPr/>
-        <p:txBody>
-          <a:bodyPr/>
-          <a:lstStyle/>
-          <a:p>
-            <a:fld id="{2EFF8EEE-4460-471C-A98C-381116B839B2}" type="slidenum">
+            <a:fld id="{CDC4A5C8-A722-4B55-89C0-59F22F87EB85}" type="slidenum">
               <a:rPr lang="en-US" smtClean="0"/>
               <a:pPr/>
               <a:t>5</a:t>
             </a:fld>
-            <a:endParaRPr lang="en-US"/>
+            <a:endParaRPr lang="en-US" smtClean="0"/>
+          </a:p>
+        </p:txBody>
+      </p:sp>
+      <p:sp>
+        <p:nvSpPr>
+          <p:cNvPr id="100355" name="Rectangle 2"/>
+          <p:cNvSpPr>
+            <a:spLocks noGrp="1" noRot="1" noChangeAspect="1" noChangeArrowheads="1" noTextEdit="1"/>
+          </p:cNvSpPr>
+          <p:nvPr>
+            <p:ph type="sldImg"/>
+          </p:nvPr>
+        </p:nvSpPr>
+        <p:spPr>
+          <a:ln/>
+        </p:spPr>
+      </p:sp>
+      <p:sp>
+        <p:nvSpPr>
+          <p:cNvPr id="100356" name="Rectangle 3"/>
+          <p:cNvSpPr>
+            <a:spLocks noGrp="1" noChangeArrowheads="1"/>
+          </p:cNvSpPr>
+          <p:nvPr>
+            <p:ph type="body" idx="1"/>
+          </p:nvPr>
+        </p:nvSpPr>
+        <p:spPr>
+          <a:noFill/>
+          <a:ln/>
+        </p:spPr>
+        <p:txBody>
+          <a:bodyPr/>
+          <a:lstStyle/>
+          <a:p>
+            <a:pPr eaLnBrk="1" hangingPunct="1"/>
+            <a:endParaRPr lang="en-US" smtClean="0"/>
           </a:p>
         </p:txBody>
       </p:sp>
     </p:spTree>
-    <p:extLst>
-      <p:ext uri="{BB962C8B-B14F-4D97-AF65-F5344CB8AC3E}">
-        <p14:creationId xmlns:p14="http://schemas.microsoft.com/office/powerpoint/2010/main" val="1613430545"/>
-      </p:ext>
-    </p:extLst>
   </p:cSld>
   <p:clrMapOvr>
     <a:masterClrMapping/>
@@ -1981,7 +2242,7 @@
     </p:spTree>
     <p:extLst>
       <p:ext uri="{BB962C8B-B14F-4D97-AF65-F5344CB8AC3E}">
-        <p14:creationId xmlns:p14="http://schemas.microsoft.com/office/powerpoint/2010/main" val="333096894"/>
+        <p14:creationId xmlns:p14="http://schemas.microsoft.com/office/powerpoint/2010/main" val="1613430545"/>
       </p:ext>
     </p:extLst>
   </p:cSld>
@@ -2066,7 +2327,7 @@
     </p:spTree>
     <p:extLst>
       <p:ext uri="{BB962C8B-B14F-4D97-AF65-F5344CB8AC3E}">
-        <p14:creationId xmlns:p14="http://schemas.microsoft.com/office/powerpoint/2010/main" val="285731"/>
+        <p14:creationId xmlns:p14="http://schemas.microsoft.com/office/powerpoint/2010/main" val="333096894"/>
       </p:ext>
     </p:extLst>
   </p:cSld>
@@ -2151,7 +2412,7 @@
     </p:spTree>
     <p:extLst>
       <p:ext uri="{BB962C8B-B14F-4D97-AF65-F5344CB8AC3E}">
-        <p14:creationId xmlns:p14="http://schemas.microsoft.com/office/powerpoint/2010/main" val="3478493614"/>
+        <p14:creationId xmlns:p14="http://schemas.microsoft.com/office/powerpoint/2010/main" val="285731"/>
       </p:ext>
     </p:extLst>
   </p:cSld>
@@ -2236,7 +2497,7 @@
     </p:spTree>
     <p:extLst>
       <p:ext uri="{BB962C8B-B14F-4D97-AF65-F5344CB8AC3E}">
-        <p14:creationId xmlns:p14="http://schemas.microsoft.com/office/powerpoint/2010/main" val="3250931582"/>
+        <p14:creationId xmlns:p14="http://schemas.microsoft.com/office/powerpoint/2010/main" val="3478493614"/>
       </p:ext>
     </p:extLst>
   </p:cSld>
@@ -3416,28 +3677,14 @@
                 <a:latin typeface="Comic Sans MS" pitchFamily="66" charset="0"/>
                 <a:ea typeface="宋体" pitchFamily="2" charset="-122"/>
               </a:rPr>
-              <a:t> </a:t>
-            </a:r>
-            <a:r>
-              <a:rPr lang="en-US" altLang="zh-CN" sz="1000" baseline="0" dirty="0" smtClean="0">
+              <a:t> 3</a:t>
+            </a:r>
+            <a:r>
+              <a:rPr lang="en-US" altLang="zh-CN" sz="1000" dirty="0" smtClean="0">
                 <a:latin typeface="Comic Sans MS" pitchFamily="66" charset="0"/>
                 <a:ea typeface="宋体" pitchFamily="2" charset="-122"/>
               </a:rPr>
-              <a:t>3</a:t>
-            </a:r>
-            <a:r>
-              <a:rPr lang="en-US" altLang="zh-CN" sz="1000" dirty="0" smtClean="0">
-                <a:latin typeface="Comic Sans MS" pitchFamily="66" charset="0"/>
-                <a:ea typeface="宋体" pitchFamily="2" charset="-122"/>
-              </a:rPr>
-              <a:t>, </a:t>
-            </a:r>
-            <a:r>
-              <a:rPr lang="en-US" altLang="zh-CN" sz="1000" dirty="0" smtClean="0">
-                <a:latin typeface="Comic Sans MS" pitchFamily="66" charset="0"/>
-                <a:ea typeface="宋体" pitchFamily="2" charset="-122"/>
-              </a:rPr>
-              <a:t>2013</a:t>
+              <a:t>, 2013</a:t>
             </a:r>
             <a:endParaRPr lang="en-US" altLang="zh-CN" sz="1000" dirty="0">
               <a:latin typeface="Comic Sans MS" pitchFamily="66" charset="0"/>
@@ -4089,9 +4336,14 @@
   <p:clrMapOvr>
     <a:masterClrMapping/>
   </p:clrMapOvr>
-  <p:transition xmlns:p14="http://schemas.microsoft.com/office/powerpoint/2010/main" spd="slow">
-    <p:fade thruBlk="1"/>
-  </p:transition>
+  <mc:AlternateContent xmlns:mc="http://schemas.openxmlformats.org/markup-compatibility/2006">
+    <mc:Choice xmlns:p14="http://schemas.microsoft.com/office/powerpoint/2010/main" Requires="p14">
+      <p:transition p14:dur="0" advClick="0"/>
+    </mc:Choice>
+    <mc:Fallback>
+      <p:transition xmlns:p14="http://schemas.microsoft.com/office/powerpoint/2010/main" advClick="0"/>
+    </mc:Fallback>
+  </mc:AlternateContent>
   <p:timing>
     <p:tnLst>
       <p:par>
@@ -4191,6 +4443,245 @@
       </p:sp>
       <p:sp>
         <p:nvSpPr>
+          <p:cNvPr id="3" name="Content Placeholder 2"/>
+          <p:cNvSpPr>
+            <a:spLocks noGrp="1"/>
+          </p:cNvSpPr>
+          <p:nvPr>
+            <p:ph idx="1"/>
+          </p:nvPr>
+        </p:nvSpPr>
+        <p:spPr>
+          <a:xfrm>
+            <a:off x="489504" y="999811"/>
+            <a:ext cx="8241191" cy="3269691"/>
+          </a:xfrm>
+        </p:spPr>
+        <p:txBody>
+          <a:bodyPr/>
+          <a:lstStyle/>
+          <a:p>
+            <a:pPr>
+              <a:buFontTx/>
+              <a:buNone/>
+            </a:pPr>
+            <a:r>
+              <a:rPr lang="en-US" sz="4000" dirty="0" smtClean="0"/>
+              <a:t>On his bad day </a:t>
+            </a:r>
+            <a:r>
+              <a:rPr lang="en-US" sz="4000" dirty="0" smtClean="0">
+                <a:solidFill>
+                  <a:srgbClr val="000000"/>
+                </a:solidFill>
+              </a:rPr>
+              <a:t>Keith crosses off </a:t>
+            </a:r>
+          </a:p>
+          <a:p>
+            <a:pPr>
+              <a:buFontTx/>
+              <a:buNone/>
+            </a:pPr>
+            <a:r>
+              <a:rPr lang="en-US" sz="4000" dirty="0" smtClean="0">
+                <a:solidFill>
+                  <a:srgbClr val="000000"/>
+                </a:solidFill>
+              </a:rPr>
+              <a:t>his optimal girl, Nicole,</a:t>
+            </a:r>
+            <a:r>
+              <a:rPr lang="en-US" sz="4000" dirty="0" smtClean="0"/>
+              <a:t> </a:t>
+            </a:r>
+            <a:r>
+              <a:rPr lang="en-US" sz="4000" dirty="0" smtClean="0">
+                <a:solidFill>
+                  <a:srgbClr val="000000"/>
+                </a:solidFill>
+                <a:latin typeface="Comic Sans MS" pitchFamily="66" charset="0"/>
+              </a:rPr>
+              <a:t>because a </a:t>
+            </a:r>
+          </a:p>
+          <a:p>
+            <a:pPr>
+              <a:buFontTx/>
+              <a:buNone/>
+            </a:pPr>
+            <a:r>
+              <a:rPr lang="en-US" sz="4000" dirty="0" smtClean="0">
+                <a:solidFill>
+                  <a:srgbClr val="000000"/>
+                </a:solidFill>
+                <a:latin typeface="Comic Sans MS" pitchFamily="66" charset="0"/>
+              </a:rPr>
+              <a:t>boy she </a:t>
+            </a:r>
+            <a:r>
+              <a:rPr lang="en-US" sz="4000" dirty="0" smtClean="0">
+                <a:solidFill>
+                  <a:srgbClr val="000000"/>
+                </a:solidFill>
+                <a:latin typeface="Comic Sans MS" pitchFamily="66" charset="0"/>
+              </a:rPr>
+              <a:t>likes </a:t>
+            </a:r>
+            <a:r>
+              <a:rPr lang="en-US" sz="4000" dirty="0" smtClean="0">
+                <a:solidFill>
+                  <a:srgbClr val="000000"/>
+                </a:solidFill>
+                <a:latin typeface="Comic Sans MS" pitchFamily="66" charset="0"/>
+              </a:rPr>
+              <a:t>better is serenading</a:t>
+            </a:r>
+          </a:p>
+          <a:p>
+            <a:pPr>
+              <a:buFontTx/>
+              <a:buNone/>
+            </a:pPr>
+            <a:r>
+              <a:rPr lang="en-US" sz="4000" dirty="0" smtClean="0">
+                <a:solidFill>
+                  <a:srgbClr val="000000"/>
+                </a:solidFill>
+                <a:latin typeface="Comic Sans MS" pitchFamily="66" charset="0"/>
+              </a:rPr>
+              <a:t>her.</a:t>
+            </a:r>
+            <a:endParaRPr lang="en-US" sz="4000" dirty="0">
+              <a:solidFill>
+                <a:srgbClr val="000000"/>
+              </a:solidFill>
+              <a:latin typeface="Comic Sans MS" pitchFamily="66" charset="0"/>
+            </a:endParaRPr>
+          </a:p>
+        </p:txBody>
+      </p:sp>
+    </p:spTree>
+    <p:extLst>
+      <p:ext uri="{BB962C8B-B14F-4D97-AF65-F5344CB8AC3E}">
+        <p14:creationId xmlns:p14="http://schemas.microsoft.com/office/powerpoint/2010/main" val="3356321106"/>
+      </p:ext>
+    </p:extLst>
+  </p:cSld>
+  <p:clrMapOvr>
+    <a:masterClrMapping/>
+  </p:clrMapOvr>
+  <mc:AlternateContent xmlns:mc="http://schemas.openxmlformats.org/markup-compatibility/2006">
+    <mc:Choice xmlns:p14="http://schemas.microsoft.com/office/powerpoint/2010/main" Requires="p14">
+      <p:transition spd="med" p14:dur="700" advClick="0">
+        <p:fade/>
+      </p:transition>
+    </mc:Choice>
+    <mc:Fallback>
+      <p:transition xmlns:p14="http://schemas.microsoft.com/office/powerpoint/2010/main" spd="med" advClick="0">
+        <p:fade/>
+      </p:transition>
+    </mc:Fallback>
+  </mc:AlternateContent>
+  <p:timing>
+    <p:tnLst>
+      <p:par>
+        <p:cTn xmlns:p14="http://schemas.microsoft.com/office/powerpoint/2010/main" id="1" dur="indefinite" restart="never" nodeType="tmRoot"/>
+      </p:par>
+    </p:tnLst>
+  </p:timing>
+</p:sld>
+</file>
+
+<file path=ppt/slides/slide11.xml><?xml version="1.0" encoding="utf-8"?>
+<p:sld xmlns:a="http://schemas.openxmlformats.org/drawingml/2006/main" xmlns:r="http://schemas.openxmlformats.org/officeDocument/2006/relationships" xmlns:p="http://schemas.openxmlformats.org/presentationml/2006/main">
+  <p:cSld>
+    <p:spTree>
+      <p:nvGrpSpPr>
+        <p:cNvPr id="1" name=""/>
+        <p:cNvGrpSpPr/>
+        <p:nvPr/>
+      </p:nvGrpSpPr>
+      <p:grpSpPr>
+        <a:xfrm>
+          <a:off x="0" y="0"/>
+          <a:ext cx="0" cy="0"/>
+          <a:chOff x="0" y="0"/>
+          <a:chExt cx="0" cy="0"/>
+        </a:xfrm>
+      </p:grpSpPr>
+      <p:sp>
+        <p:nvSpPr>
+          <p:cNvPr id="53251" name="Slide Number Placeholder 3"/>
+          <p:cNvSpPr>
+            <a:spLocks noGrp="1"/>
+          </p:cNvSpPr>
+          <p:nvPr>
+            <p:ph type="sldNum" sz="quarter" idx="10"/>
+          </p:nvPr>
+        </p:nvSpPr>
+        <p:spPr>
+          <a:noFill/>
+        </p:spPr>
+        <p:txBody>
+          <a:bodyPr/>
+          <a:lstStyle/>
+          <a:p>
+            <a:r>
+              <a:rPr lang="en-US" dirty="0" err="1" smtClean="0"/>
+              <a:t>lec</a:t>
+            </a:r>
+            <a:r>
+              <a:rPr lang="en-US" dirty="0" smtClean="0"/>
+              <a:t> 7F.</a:t>
+            </a:r>
+            <a:fld id="{7F2E48C5-A124-4D02-B5E8-431746CA306C}" type="slidenum">
+              <a:rPr lang="en-US" smtClean="0"/>
+              <a:pPr/>
+              <a:t>11</a:t>
+            </a:fld>
+            <a:endParaRPr lang="en-US" dirty="0" smtClean="0"/>
+          </a:p>
+        </p:txBody>
+      </p:sp>
+      <p:sp>
+        <p:nvSpPr>
+          <p:cNvPr id="53252" name="Rectangle 2"/>
+          <p:cNvSpPr>
+            <a:spLocks noGrp="1" noChangeArrowheads="1"/>
+          </p:cNvSpPr>
+          <p:nvPr>
+            <p:ph type="title"/>
+          </p:nvPr>
+        </p:nvSpPr>
+        <p:spPr>
+          <a:xfrm>
+            <a:off x="2617788" y="0"/>
+            <a:ext cx="3929062" cy="1047750"/>
+          </a:xfrm>
+        </p:spPr>
+        <p:txBody>
+          <a:bodyPr/>
+          <a:lstStyle/>
+          <a:p>
+            <a:pPr eaLnBrk="1" hangingPunct="1"/>
+            <a:r>
+              <a:rPr lang="en-US" sz="4400" smtClean="0"/>
+              <a:t>Boy</a:t>
+            </a:r>
+            <a:r>
+              <a:rPr lang="en-US" sz="4400" smtClean="0">
+                <a:solidFill>
+                  <a:srgbClr val="008000"/>
+                </a:solidFill>
+              </a:rPr>
+              <a:t> Optimal</a:t>
+            </a:r>
+          </a:p>
+        </p:txBody>
+      </p:sp>
+      <p:sp>
+        <p:nvSpPr>
           <p:cNvPr id="5" name="TextBox 4"/>
           <p:cNvSpPr txBox="1"/>
           <p:nvPr/>
@@ -4198,7 +4689,7 @@
         <p:spPr>
           <a:xfrm>
             <a:off x="626898" y="4076440"/>
-            <a:ext cx="7930376" cy="1581972"/>
+            <a:ext cx="7930376" cy="769441"/>
           </a:xfrm>
           <a:prstGeom prst="rect">
             <a:avLst/>
@@ -4221,11 +4712,11 @@
             <a:r>
               <a:rPr lang="en-US" sz="4400" kern="0" dirty="0" smtClean="0">
                 <a:solidFill>
-                  <a:srgbClr val="0000CC"/>
-                </a:solidFill>
-                <a:latin typeface="Comic Sans MS" pitchFamily="66" charset="0"/>
-              </a:rPr>
-              <a:t>Nicole</a:t>
+                  <a:srgbClr val="000000"/>
+                </a:solidFill>
+                <a:latin typeface="Comic Sans MS" pitchFamily="66" charset="0"/>
+              </a:rPr>
+              <a:t>Nicole </a:t>
             </a:r>
             <a:r>
               <a:rPr lang="en-US" sz="4400" kern="0" dirty="0" smtClean="0">
@@ -4234,70 +4725,25 @@
                 </a:solidFill>
                 <a:latin typeface="Comic Sans MS" pitchFamily="66" charset="0"/>
               </a:rPr>
-              <a:t> is optimal for </a:t>
+              <a:t>prefers </a:t>
             </a:r>
             <a:r>
               <a:rPr lang="en-US" sz="4400" kern="0" dirty="0" smtClean="0">
                 <a:solidFill>
-                  <a:srgbClr val="0000CC"/>
-                </a:solidFill>
-                <a:latin typeface="Comic Sans MS" pitchFamily="66" charset="0"/>
-              </a:rPr>
-              <a:t>Keith</a:t>
-            </a:r>
-          </a:p>
-          <a:p>
-            <a:pPr marL="342900" lvl="0" indent="-342900" eaLnBrk="0" hangingPunct="0">
-              <a:spcBef>
-                <a:spcPct val="20000"/>
-              </a:spcBef>
-              <a:buFont typeface="Arial" pitchFamily="34" charset="0"/>
-              <a:buChar char="•"/>
-            </a:pPr>
+                  <a:srgbClr val="9F009F"/>
+                </a:solidFill>
+                <a:latin typeface="Comic Sans MS" pitchFamily="66" charset="0"/>
+              </a:rPr>
+              <a:t>Tom</a:t>
+            </a:r>
             <a:r>
               <a:rPr lang="en-US" sz="4400" kern="0" dirty="0" smtClean="0">
                 <a:solidFill>
-                  <a:srgbClr val="0000CC"/>
-                </a:solidFill>
-                <a:latin typeface="Comic Sans MS" pitchFamily="66" charset="0"/>
-              </a:rPr>
-              <a:t>Nicole</a:t>
-            </a:r>
-            <a:r>
-              <a:rPr lang="en-US" sz="4400" kern="0" dirty="0" smtClean="0">
-                <a:solidFill>
                   <a:srgbClr val="000000"/>
                 </a:solidFill>
                 <a:latin typeface="Comic Sans MS" pitchFamily="66" charset="0"/>
               </a:rPr>
-              <a:t> prefers </a:t>
-            </a:r>
-            <a:r>
-              <a:rPr lang="en-US" sz="4400" kern="0" dirty="0" smtClean="0">
-                <a:solidFill>
-                  <a:srgbClr val="0000CC"/>
-                </a:solidFill>
-                <a:latin typeface="Comic Sans MS" pitchFamily="66" charset="0"/>
-              </a:rPr>
-              <a:t>Tom</a:t>
-            </a:r>
-            <a:r>
-              <a:rPr lang="en-US" sz="4400" kern="0" dirty="0" smtClean="0">
-                <a:solidFill>
-                  <a:srgbClr val="000000"/>
-                </a:solidFill>
-                <a:latin typeface="Comic Sans MS" pitchFamily="66" charset="0"/>
-              </a:rPr>
-              <a:t> to </a:t>
-            </a:r>
-            <a:r>
-              <a:rPr lang="en-US" sz="4400" kern="0" dirty="0" smtClean="0">
-                <a:solidFill>
-                  <a:srgbClr val="0000CC"/>
-                </a:solidFill>
-                <a:latin typeface="Comic Sans MS" pitchFamily="66" charset="0"/>
-              </a:rPr>
-              <a:t>Keith</a:t>
+              <a:t> to Keith</a:t>
             </a:r>
           </a:p>
         </p:txBody>
@@ -4386,7 +4832,25 @@
                 </a:solidFill>
                 <a:latin typeface="Comic Sans MS" pitchFamily="66" charset="0"/>
               </a:rPr>
-              <a:t>boy she like better is serenading</a:t>
+              <a:t>boy she </a:t>
+            </a:r>
+            <a:r>
+              <a:rPr lang="en-US" sz="4000" dirty="0" smtClean="0">
+                <a:solidFill>
+                  <a:srgbClr val="000000"/>
+                </a:solidFill>
+                <a:latin typeface="Comic Sans MS" pitchFamily="66" charset="0"/>
+              </a:rPr>
+              <a:t>likes </a:t>
+            </a:r>
+            <a:r>
+              <a:rPr lang="en-US" sz="4000" dirty="0" smtClean="0">
+                <a:solidFill>
+                  <a:srgbClr val="000000"/>
+                </a:solidFill>
+                <a:latin typeface="Comic Sans MS" pitchFamily="66" charset="0"/>
+              </a:rPr>
+              <a:t>better is serenading</a:t>
             </a:r>
           </a:p>
           <a:p>
@@ -4406,11 +4870,20 @@
             <a:r>
               <a:rPr lang="en-US" sz="4000" dirty="0" smtClean="0">
                 <a:solidFill>
+                  <a:srgbClr val="9F009F"/>
+                </a:solidFill>
+                <a:latin typeface="Comic Sans MS" pitchFamily="66" charset="0"/>
+              </a:rPr>
+              <a:t>Tom</a:t>
+            </a:r>
+            <a:r>
+              <a:rPr lang="en-US" sz="4000" dirty="0" smtClean="0">
+                <a:solidFill>
                   <a:srgbClr val="0000CC"/>
                 </a:solidFill>
                 <a:latin typeface="Comic Sans MS" pitchFamily="66" charset="0"/>
               </a:rPr>
-              <a:t>Tom.</a:t>
+              <a:t>.</a:t>
             </a:r>
             <a:endParaRPr lang="en-US" sz="4000" dirty="0">
               <a:solidFill>
@@ -4431,14 +4904,14 @@
   <p:clrMapOvr>
     <a:masterClrMapping/>
   </p:clrMapOvr>
-  <mc:AlternateContent xmlns:mc="http://schemas.openxmlformats.org/markup-compatibility/2006" xmlns:p14="http://schemas.microsoft.com/office/powerpoint/2010/main">
-    <mc:Choice Requires="p14">
-      <p:transition spd="med" p14:dur="700">
+  <mc:AlternateContent xmlns:mc="http://schemas.openxmlformats.org/markup-compatibility/2006">
+    <mc:Choice xmlns:p14="http://schemas.microsoft.com/office/powerpoint/2010/main" Requires="p14">
+      <p:transition spd="med" p14:dur="700" advClick="0">
         <p:fade/>
       </p:transition>
     </mc:Choice>
-    <mc:Fallback xmlns="">
-      <p:transition xmlns:p14="http://schemas.microsoft.com/office/powerpoint/2010/main" spd="med">
+    <mc:Fallback>
+      <p:transition xmlns:p14="http://schemas.microsoft.com/office/powerpoint/2010/main" spd="med" advClick="0">
         <p:fade/>
       </p:transition>
     </mc:Fallback>
@@ -4512,67 +4985,6 @@
                       </p:childTnLst>
                     </p:cTn>
                   </p:par>
-                  <p:par>
-                    <p:cTn id="8" fill="hold">
-                      <p:stCondLst>
-                        <p:cond delay="indefinite"/>
-                      </p:stCondLst>
-                      <p:childTnLst>
-                        <p:par>
-                          <p:cTn id="9" fill="hold">
-                            <p:stCondLst>
-                              <p:cond delay="0"/>
-                            </p:stCondLst>
-                            <p:childTnLst>
-                              <p:par>
-                                <p:cTn id="10" presetID="9" presetClass="entr" presetSubtype="0" fill="hold" grpId="1" nodeType="clickEffect">
-                                  <p:stCondLst>
-                                    <p:cond delay="0"/>
-                                  </p:stCondLst>
-                                  <p:childTnLst>
-                                    <p:set>
-                                      <p:cBhvr>
-                                        <p:cTn id="11" dur="1" fill="hold">
-                                          <p:stCondLst>
-                                            <p:cond delay="0"/>
-                                          </p:stCondLst>
-                                        </p:cTn>
-                                        <p:tgtEl>
-                                          <p:spTgt spid="5">
-                                            <p:txEl>
-                                              <p:pRg st="1" end="1"/>
-                                            </p:txEl>
-                                          </p:spTgt>
-                                        </p:tgtEl>
-                                        <p:attrNameLst>
-                                          <p:attrName>style.visibility</p:attrName>
-                                        </p:attrNameLst>
-                                      </p:cBhvr>
-                                      <p:to>
-                                        <p:strVal val="visible"/>
-                                      </p:to>
-                                    </p:set>
-                                    <p:animEffect transition="in" filter="dissolve">
-                                      <p:cBhvr>
-                                        <p:cTn id="12" dur="500"/>
-                                        <p:tgtEl>
-                                          <p:spTgt spid="5">
-                                            <p:txEl>
-                                              <p:pRg st="1" end="1"/>
-                                            </p:txEl>
-                                          </p:spTgt>
-                                        </p:tgtEl>
-                                      </p:cBhvr>
-                                    </p:animEffect>
-                                  </p:childTnLst>
-                                </p:cTn>
-                              </p:par>
-                            </p:childTnLst>
-                          </p:cTn>
-                        </p:par>
-                      </p:childTnLst>
-                    </p:cTn>
-                  </p:par>
                 </p:childTnLst>
               </p:cTn>
               <p:prevCondLst>
@@ -4601,187 +5013,6 @@
 </p:sld>
 </file>
 
-<file path=ppt/slides/slide11.xml><?xml version="1.0" encoding="utf-8"?>
-<p:sld xmlns:a="http://schemas.openxmlformats.org/drawingml/2006/main" xmlns:r="http://schemas.openxmlformats.org/officeDocument/2006/relationships" xmlns:p="http://schemas.openxmlformats.org/presentationml/2006/main">
-  <p:cSld>
-    <p:spTree>
-      <p:nvGrpSpPr>
-        <p:cNvPr id="1" name=""/>
-        <p:cNvGrpSpPr/>
-        <p:nvPr/>
-      </p:nvGrpSpPr>
-      <p:grpSpPr>
-        <a:xfrm>
-          <a:off x="0" y="0"/>
-          <a:ext cx="0" cy="0"/>
-          <a:chOff x="0" y="0"/>
-          <a:chExt cx="0" cy="0"/>
-        </a:xfrm>
-      </p:grpSpPr>
-      <p:sp>
-        <p:nvSpPr>
-          <p:cNvPr id="3" name="Content Placeholder 2"/>
-          <p:cNvSpPr>
-            <a:spLocks noGrp="1"/>
-          </p:cNvSpPr>
-          <p:nvPr>
-            <p:ph idx="1"/>
-          </p:nvPr>
-        </p:nvSpPr>
-        <p:spPr>
-          <a:xfrm>
-            <a:off x="181459" y="1598882"/>
-            <a:ext cx="8875003" cy="3469686"/>
-          </a:xfrm>
-        </p:spPr>
-        <p:txBody>
-          <a:bodyPr/>
-          <a:lstStyle/>
-          <a:p>
-            <a:pPr>
-              <a:buFontTx/>
-              <a:buNone/>
-            </a:pPr>
-            <a:r>
-              <a:rPr lang="en-US" sz="4400" dirty="0" smtClean="0">
-                <a:solidFill>
-                  <a:srgbClr val="000000"/>
-                </a:solidFill>
-              </a:rPr>
-              <a:t>Also, </a:t>
-            </a:r>
-            <a:r>
-              <a:rPr lang="en-US" sz="4400" dirty="0" smtClean="0">
-                <a:solidFill>
-                  <a:srgbClr val="0000CC"/>
-                </a:solidFill>
-              </a:rPr>
-              <a:t>Tom</a:t>
-            </a:r>
-            <a:r>
-              <a:rPr lang="en-US" sz="4400" dirty="0" smtClean="0"/>
-              <a:t> has not crossed off </a:t>
-            </a:r>
-          </a:p>
-          <a:p>
-            <a:pPr>
-              <a:buFontTx/>
-              <a:buNone/>
-            </a:pPr>
-            <a:r>
-              <a:rPr lang="en-US" sz="4400" dirty="0" smtClean="0"/>
-              <a:t>his optimal girl</a:t>
-            </a:r>
-            <a:endParaRPr lang="en-US" sz="4400" dirty="0" smtClean="0">
-              <a:solidFill>
-                <a:srgbClr val="0000CC"/>
-              </a:solidFill>
-            </a:endParaRPr>
-          </a:p>
-        </p:txBody>
-      </p:sp>
-      <p:sp>
-        <p:nvSpPr>
-          <p:cNvPr id="54275" name="Slide Number Placeholder 3"/>
-          <p:cNvSpPr>
-            <a:spLocks noGrp="1"/>
-          </p:cNvSpPr>
-          <p:nvPr>
-            <p:ph type="sldNum" sz="quarter" idx="10"/>
-          </p:nvPr>
-        </p:nvSpPr>
-        <p:spPr>
-          <a:noFill/>
-        </p:spPr>
-        <p:txBody>
-          <a:bodyPr/>
-          <a:lstStyle/>
-          <a:p>
-            <a:r>
-              <a:rPr lang="en-US" dirty="0" err="1" smtClean="0"/>
-              <a:t>lec</a:t>
-            </a:r>
-            <a:r>
-              <a:rPr lang="en-US" dirty="0" smtClean="0"/>
-              <a:t> 7F.</a:t>
-            </a:r>
-            <a:fld id="{17EB9E32-BBFB-4A93-A629-8985322E0052}" type="slidenum">
-              <a:rPr lang="en-US" smtClean="0"/>
-              <a:pPr/>
-              <a:t>11</a:t>
-            </a:fld>
-            <a:endParaRPr lang="en-US" dirty="0" smtClean="0"/>
-          </a:p>
-        </p:txBody>
-      </p:sp>
-      <p:sp>
-        <p:nvSpPr>
-          <p:cNvPr id="54276" name="Rectangle 2"/>
-          <p:cNvSpPr>
-            <a:spLocks noGrp="1" noChangeArrowheads="1"/>
-          </p:cNvSpPr>
-          <p:nvPr>
-            <p:ph type="title"/>
-          </p:nvPr>
-        </p:nvSpPr>
-        <p:spPr>
-          <a:xfrm>
-            <a:off x="2617788" y="0"/>
-            <a:ext cx="3929062" cy="1047750"/>
-          </a:xfrm>
-        </p:spPr>
-        <p:txBody>
-          <a:bodyPr/>
-          <a:lstStyle/>
-          <a:p>
-            <a:pPr eaLnBrk="1" hangingPunct="1"/>
-            <a:r>
-              <a:rPr lang="en-US" sz="4400" smtClean="0"/>
-              <a:t>Boy</a:t>
-            </a:r>
-            <a:r>
-              <a:rPr lang="en-US" sz="4400" smtClean="0">
-                <a:solidFill>
-                  <a:srgbClr val="008000"/>
-                </a:solidFill>
-              </a:rPr>
-              <a:t> Optimal</a:t>
-            </a:r>
-          </a:p>
-        </p:txBody>
-      </p:sp>
-    </p:spTree>
-    <p:extLst>
-      <p:ext uri="{BB962C8B-B14F-4D97-AF65-F5344CB8AC3E}">
-        <p14:creationId xmlns:p14="http://schemas.microsoft.com/office/powerpoint/2010/main" val="3303177824"/>
-      </p:ext>
-    </p:extLst>
-  </p:cSld>
-  <p:clrMapOvr>
-    <a:masterClrMapping/>
-  </p:clrMapOvr>
-  <mc:AlternateContent xmlns:mc="http://schemas.openxmlformats.org/markup-compatibility/2006" xmlns:p14="http://schemas.microsoft.com/office/powerpoint/2010/main">
-    <mc:Choice Requires="p14">
-      <p:transition spd="med" p14:dur="700">
-        <p:fade/>
-      </p:transition>
-    </mc:Choice>
-    <mc:Fallback xmlns="">
-      <p:transition xmlns:p14="http://schemas.microsoft.com/office/powerpoint/2010/main" spd="med">
-        <p:fade/>
-      </p:transition>
-    </mc:Fallback>
-  </mc:AlternateContent>
-  <p:timing>
-    <p:tnLst>
-      <p:par>
-        <p:cTn xmlns:p14="http://schemas.microsoft.com/office/powerpoint/2010/main" id="1" dur="indefinite" restart="never" nodeType="tmRoot"/>
-      </p:par>
-    </p:tnLst>
-  </p:timing>
-</p:sld>
-</file>
-
 <file path=ppt/slides/slide12.xml><?xml version="1.0" encoding="utf-8"?>
 <p:sld xmlns:a="http://schemas.openxmlformats.org/drawingml/2006/main" xmlns:r="http://schemas.openxmlformats.org/officeDocument/2006/relationships" xmlns:p="http://schemas.openxmlformats.org/presentationml/2006/main">
   <p:cSld>
@@ -4834,14 +5065,14 @@
             <a:r>
               <a:rPr lang="en-US" sz="4400" dirty="0" smtClean="0">
                 <a:solidFill>
-                  <a:srgbClr val="0000CC"/>
-                </a:solidFill>
-              </a:rPr>
-              <a:t>Tom</a:t>
+                  <a:srgbClr val="9F009F"/>
+                </a:solidFill>
+              </a:rPr>
+              <a:t>Tom </a:t>
             </a:r>
             <a:r>
               <a:rPr lang="en-US" sz="4400" dirty="0" smtClean="0"/>
-              <a:t> has not crossed off </a:t>
+              <a:t>has not crossed off </a:t>
             </a:r>
           </a:p>
           <a:p>
@@ -4851,29 +5082,198 @@
             </a:pPr>
             <a:r>
               <a:rPr lang="en-US" sz="4400" dirty="0" smtClean="0"/>
-              <a:t>his optimal girl, and he is </a:t>
-            </a:r>
-          </a:p>
+              <a:t>his optimal girl</a:t>
+            </a:r>
+            <a:endParaRPr lang="en-US" sz="4400" dirty="0" smtClean="0">
+              <a:solidFill>
+                <a:srgbClr val="0000CC"/>
+              </a:solidFill>
+            </a:endParaRPr>
+          </a:p>
+        </p:txBody>
+      </p:sp>
+      <p:sp>
+        <p:nvSpPr>
+          <p:cNvPr id="54275" name="Slide Number Placeholder 3"/>
+          <p:cNvSpPr>
+            <a:spLocks noGrp="1"/>
+          </p:cNvSpPr>
+          <p:nvPr>
+            <p:ph type="sldNum" sz="quarter" idx="10"/>
+          </p:nvPr>
+        </p:nvSpPr>
+        <p:spPr>
+          <a:noFill/>
+        </p:spPr>
+        <p:txBody>
+          <a:bodyPr/>
+          <a:lstStyle/>
+          <a:p>
+            <a:r>
+              <a:rPr lang="en-US" dirty="0" err="1" smtClean="0"/>
+              <a:t>lec</a:t>
+            </a:r>
+            <a:r>
+              <a:rPr lang="en-US" dirty="0" smtClean="0"/>
+              <a:t> 7F.</a:t>
+            </a:r>
+            <a:fld id="{17EB9E32-BBFB-4A93-A629-8985322E0052}" type="slidenum">
+              <a:rPr lang="en-US" smtClean="0"/>
+              <a:pPr/>
+              <a:t>12</a:t>
+            </a:fld>
+            <a:endParaRPr lang="en-US" dirty="0" smtClean="0"/>
+          </a:p>
+        </p:txBody>
+      </p:sp>
+      <p:sp>
+        <p:nvSpPr>
+          <p:cNvPr id="54276" name="Rectangle 2"/>
+          <p:cNvSpPr>
+            <a:spLocks noGrp="1" noChangeArrowheads="1"/>
+          </p:cNvSpPr>
+          <p:nvPr>
+            <p:ph type="title"/>
+          </p:nvPr>
+        </p:nvSpPr>
+        <p:spPr>
+          <a:xfrm>
+            <a:off x="2617788" y="0"/>
+            <a:ext cx="3929062" cy="1047750"/>
+          </a:xfrm>
+        </p:spPr>
+        <p:txBody>
+          <a:bodyPr/>
+          <a:lstStyle/>
+          <a:p>
+            <a:pPr eaLnBrk="1" hangingPunct="1"/>
+            <a:r>
+              <a:rPr lang="en-US" sz="4400" smtClean="0"/>
+              <a:t>Boy</a:t>
+            </a:r>
+            <a:r>
+              <a:rPr lang="en-US" sz="4400" smtClean="0">
+                <a:solidFill>
+                  <a:srgbClr val="008000"/>
+                </a:solidFill>
+              </a:rPr>
+              <a:t> Optimal</a:t>
+            </a:r>
+          </a:p>
+        </p:txBody>
+      </p:sp>
+    </p:spTree>
+    <p:extLst>
+      <p:ext uri="{BB962C8B-B14F-4D97-AF65-F5344CB8AC3E}">
+        <p14:creationId xmlns:p14="http://schemas.microsoft.com/office/powerpoint/2010/main" val="3303177824"/>
+      </p:ext>
+    </p:extLst>
+  </p:cSld>
+  <p:clrMapOvr>
+    <a:masterClrMapping/>
+  </p:clrMapOvr>
+  <mc:AlternateContent xmlns:mc="http://schemas.openxmlformats.org/markup-compatibility/2006">
+    <mc:Choice xmlns:p14="http://schemas.microsoft.com/office/powerpoint/2010/main" Requires="p14">
+      <p:transition spd="med" p14:dur="700" advClick="0">
+        <p:fade/>
+      </p:transition>
+    </mc:Choice>
+    <mc:Fallback>
+      <p:transition xmlns:p14="http://schemas.microsoft.com/office/powerpoint/2010/main" spd="med" advClick="0">
+        <p:fade/>
+      </p:transition>
+    </mc:Fallback>
+  </mc:AlternateContent>
+  <p:timing>
+    <p:tnLst>
+      <p:par>
+        <p:cTn xmlns:p14="http://schemas.microsoft.com/office/powerpoint/2010/main" id="1" dur="indefinite" restart="never" nodeType="tmRoot"/>
+      </p:par>
+    </p:tnLst>
+  </p:timing>
+</p:sld>
+</file>
+
+<file path=ppt/slides/slide13.xml><?xml version="1.0" encoding="utf-8"?>
+<p:sld xmlns:a="http://schemas.openxmlformats.org/drawingml/2006/main" xmlns:r="http://schemas.openxmlformats.org/officeDocument/2006/relationships" xmlns:p="http://schemas.openxmlformats.org/presentationml/2006/main">
+  <p:cSld>
+    <p:spTree>
+      <p:nvGrpSpPr>
+        <p:cNvPr id="1" name=""/>
+        <p:cNvGrpSpPr/>
+        <p:nvPr/>
+      </p:nvGrpSpPr>
+      <p:grpSpPr>
+        <a:xfrm>
+          <a:off x="0" y="0"/>
+          <a:ext cx="0" cy="0"/>
+          <a:chOff x="0" y="0"/>
+          <a:chExt cx="0" cy="0"/>
+        </a:xfrm>
+      </p:grpSpPr>
+      <p:sp>
+        <p:nvSpPr>
+          <p:cNvPr id="3" name="Content Placeholder 2"/>
+          <p:cNvSpPr>
+            <a:spLocks noGrp="1"/>
+          </p:cNvSpPr>
+          <p:nvPr>
+            <p:ph idx="1"/>
+          </p:nvPr>
+        </p:nvSpPr>
+        <p:spPr>
+          <a:xfrm>
+            <a:off x="181459" y="1598882"/>
+            <a:ext cx="8875003" cy="3469686"/>
+          </a:xfrm>
+        </p:spPr>
+        <p:txBody>
+          <a:bodyPr/>
+          <a:lstStyle/>
           <a:p>
             <a:pPr>
               <a:buFontTx/>
               <a:buNone/>
             </a:pPr>
             <a:r>
+              <a:rPr lang="en-US" sz="4400" dirty="0" smtClean="0">
+                <a:solidFill>
+                  <a:srgbClr val="000000"/>
+                </a:solidFill>
+              </a:rPr>
+              <a:t>Also, </a:t>
+            </a:r>
+            <a:r>
+              <a:rPr lang="en-US" sz="4400" dirty="0" smtClean="0">
+                <a:solidFill>
+                  <a:srgbClr val="9F009F"/>
+                </a:solidFill>
+              </a:rPr>
+              <a:t>Tom</a:t>
+            </a:r>
+            <a:r>
               <a:rPr lang="en-US" sz="4400" dirty="0" smtClean="0"/>
-              <a:t>serenading </a:t>
-            </a:r>
-            <a:r>
-              <a:rPr lang="en-US" sz="4400" dirty="0" smtClean="0">
-                <a:solidFill>
-                  <a:srgbClr val="0000CC"/>
-                </a:solidFill>
-              </a:rPr>
-              <a:t>Nicole</a:t>
-            </a:r>
+              <a:t> has not crossed off </a:t>
+            </a:r>
+          </a:p>
+          <a:p>
+            <a:pPr>
+              <a:buFontTx/>
+              <a:buNone/>
+            </a:pPr>
             <a:r>
               <a:rPr lang="en-US" sz="4400" dirty="0" smtClean="0"/>
-              <a:t>, so</a:t>
+              <a:t>his optimal girl, and he is </a:t>
+            </a:r>
+          </a:p>
+          <a:p>
+            <a:pPr>
+              <a:buFontTx/>
+              <a:buNone/>
+            </a:pPr>
+            <a:r>
+              <a:rPr lang="en-US" sz="4400" dirty="0" smtClean="0"/>
+              <a:t>serenading Nicole, so</a:t>
             </a:r>
           </a:p>
           <a:p>
@@ -4882,16 +5282,8 @@
               <a:buChar char="•"/>
             </a:pPr>
             <a:r>
-              <a:rPr lang="en-US" sz="4400" dirty="0" smtClean="0">
-                <a:solidFill>
-                  <a:srgbClr val="0000CC"/>
-                </a:solidFill>
-              </a:rPr>
-              <a:t>Nicole</a:t>
-            </a:r>
-            <a:r>
               <a:rPr lang="en-US" sz="4400" dirty="0" smtClean="0"/>
-              <a:t> i</a:t>
+              <a:t>Nicole i</a:t>
             </a:r>
             <a:r>
               <a:rPr lang="en-US" sz="4400" dirty="0" smtClean="0">
@@ -4921,7 +5313,7 @@
             <a:r>
               <a:rPr lang="en-US" sz="4400" dirty="0" smtClean="0">
                 <a:solidFill>
-                  <a:srgbClr val="0000CC"/>
+                  <a:srgbClr val="9F009F"/>
                 </a:solidFill>
               </a:rPr>
               <a:t>Tom</a:t>
@@ -4957,7 +5349,7 @@
             <a:fld id="{17EB9E32-BBFB-4A93-A629-8985322E0052}" type="slidenum">
               <a:rPr lang="en-US" smtClean="0"/>
               <a:pPr/>
-              <a:t>12</a:t>
+              <a:t>13</a:t>
             </a:fld>
             <a:endParaRPr lang="en-US" dirty="0" smtClean="0"/>
           </a:p>
@@ -5009,14 +5401,14 @@
   <p:clrMapOvr>
     <a:masterClrMapping/>
   </p:clrMapOvr>
-  <mc:AlternateContent xmlns:mc="http://schemas.openxmlformats.org/markup-compatibility/2006" xmlns:p14="http://schemas.microsoft.com/office/powerpoint/2010/main">
-    <mc:Choice Requires="p14">
-      <p:transition spd="med" p14:dur="700">
+  <mc:AlternateContent xmlns:mc="http://schemas.openxmlformats.org/markup-compatibility/2006">
+    <mc:Choice xmlns:p14="http://schemas.microsoft.com/office/powerpoint/2010/main" Requires="p14">
+      <p:transition spd="med" p14:dur="700" advClick="0">
         <p:fade/>
       </p:transition>
     </mc:Choice>
-    <mc:Fallback xmlns="">
-      <p:transition xmlns:p14="http://schemas.microsoft.com/office/powerpoint/2010/main" spd="med">
+    <mc:Fallback>
+      <p:transition xmlns:p14="http://schemas.microsoft.com/office/powerpoint/2010/main" spd="med" advClick="0">
         <p:fade/>
       </p:transition>
     </mc:Fallback>
@@ -5042,7 +5434,7 @@
                             </p:stCondLst>
                             <p:childTnLst>
                               <p:par>
-                                <p:cTn id="5" presetID="9" presetClass="entr" presetSubtype="0" fill="hold" nodeType="clickEffect">
+                                <p:cTn id="5" presetID="10" presetClass="entr" presetSubtype="0" fill="hold" nodeType="clickEffect">
                                   <p:stCondLst>
                                     <p:cond delay="0"/>
                                   </p:stCondLst>
@@ -5069,7 +5461,7 @@
                                         <p:strVal val="visible"/>
                                       </p:to>
                                     </p:set>
-                                    <p:animEffect transition="in" filter="dissolve">
+                                    <p:animEffect transition="in" filter="fade">
                                       <p:cBhvr>
                                         <p:cTn id="7" dur="500"/>
                                         <p:tgtEl>
@@ -5115,8 +5507,8 @@
 </p:sld>
 </file>
 
-<file path=ppt/slides/slide13.xml><?xml version="1.0" encoding="utf-8"?>
-<p:sld xmlns:a="http://schemas.openxmlformats.org/drawingml/2006/main" xmlns:r="http://schemas.openxmlformats.org/officeDocument/2006/relationships" xmlns:p="http://schemas.openxmlformats.org/presentationml/2006/main">
+<file path=ppt/slides/slide14.xml><?xml version="1.0" encoding="utf-8"?>
+<p:sld xmlns:a="http://schemas.openxmlformats.org/drawingml/2006/main" xmlns:r="http://schemas.openxmlformats.org/officeDocument/2006/relationships" xmlns:p="http://schemas.openxmlformats.org/presentationml/2006/main" show="0">
   <p:cSld>
     <p:spTree>
       <p:nvGrpSpPr>
@@ -5160,7 +5552,7 @@
             <a:fld id="{6CCEBC7E-BB78-4935-B466-2CC68DADAB00}" type="slidenum">
               <a:rPr lang="en-US" smtClean="0"/>
               <a:pPr/>
-              <a:t>13</a:t>
+              <a:t>14</a:t>
             </a:fld>
             <a:endParaRPr lang="en-US" dirty="0" smtClean="0"/>
           </a:p>
@@ -5177,7 +5569,7 @@
         <p:spPr bwMode="auto">
           <a:xfrm>
             <a:off x="773130" y="826053"/>
-            <a:ext cx="7649855" cy="2207737"/>
+            <a:ext cx="7649855" cy="1446550"/>
           </a:xfrm>
           <a:prstGeom prst="rect">
             <a:avLst/>
@@ -5244,7 +5636,7 @@
             <a:r>
               <a:rPr lang="en-US" sz="4000" dirty="0">
                 <a:solidFill>
-                  <a:srgbClr val="0000CC"/>
+                  <a:srgbClr val="9F009F"/>
                 </a:solidFill>
               </a:rPr>
               <a:t>Tom</a:t>
@@ -5274,55 +5666,25 @@
               <a:rPr lang="en-US" sz="4000" dirty="0">
                 <a:latin typeface="Comic Sans MS" pitchFamily="66" charset="0"/>
               </a:rPr>
-              <a:t>is optimal for </a:t>
+              <a:t>prefers </a:t>
             </a:r>
             <a:r>
               <a:rPr lang="en-US" sz="4000" dirty="0">
                 <a:solidFill>
-                  <a:srgbClr val="0000CC"/>
-                </a:solidFill>
-                <a:latin typeface="Comic Sans MS" pitchFamily="66" charset="0"/>
-              </a:rPr>
-              <a:t>Keith</a:t>
-            </a:r>
-          </a:p>
-          <a:p>
-            <a:pPr>
-              <a:buFont typeface="Arial" charset="0"/>
-              <a:buChar char="•"/>
-            </a:pPr>
+                  <a:srgbClr val="9F009F"/>
+                </a:solidFill>
+                <a:latin typeface="Comic Sans MS" pitchFamily="66" charset="0"/>
+              </a:rPr>
+              <a:t>Tom</a:t>
+            </a:r>
             <a:r>
               <a:rPr lang="en-US" sz="4000" dirty="0">
-                <a:solidFill>
-                  <a:srgbClr val="0000CC"/>
-                </a:solidFill>
-                <a:latin typeface="Comic Sans MS" pitchFamily="66" charset="0"/>
-              </a:rPr>
-              <a:t>Nicole</a:t>
-            </a:r>
-            <a:r>
-              <a:rPr lang="en-US" sz="4000" dirty="0">
-                <a:latin typeface="Comic Sans MS" pitchFamily="66" charset="0"/>
-              </a:rPr>
-              <a:t> prefers </a:t>
-            </a:r>
-            <a:r>
-              <a:rPr lang="en-US" sz="4000" dirty="0">
-                <a:solidFill>
-                  <a:srgbClr val="0000CC"/>
-                </a:solidFill>
-                <a:latin typeface="Comic Sans MS" pitchFamily="66" charset="0"/>
-              </a:rPr>
-              <a:t>Tom</a:t>
-            </a:r>
-            <a:r>
-              <a:rPr lang="en-US" sz="4000" dirty="0">
                 <a:latin typeface="Comic Sans MS" pitchFamily="66" charset="0"/>
               </a:rPr>
               <a:t> to </a:t>
             </a:r>
             <a:r>
-              <a:rPr lang="en-US" sz="4000" dirty="0">
+              <a:rPr lang="en-US" sz="4000" dirty="0" smtClean="0">
                 <a:solidFill>
                   <a:srgbClr val="0000CC"/>
                 </a:solidFill>
@@ -5343,8 +5705,8 @@
         </p:nvSpPr>
         <p:spPr bwMode="auto">
           <a:xfrm>
-            <a:off x="269449" y="2932096"/>
-            <a:ext cx="7772380" cy="1446550"/>
+            <a:off x="434910" y="2366102"/>
+            <a:ext cx="8393779" cy="2185214"/>
           </a:xfrm>
           <a:prstGeom prst="rect">
             <a:avLst/>
@@ -5358,7 +5720,7 @@
           </a:ln>
         </p:spPr>
         <p:txBody>
-          <a:bodyPr wrap="none">
+          <a:bodyPr wrap="square">
             <a:spAutoFit/>
           </a:bodyPr>
           <a:lstStyle/>
@@ -5368,52 +5730,98 @@
             </a:pPr>
             <a:r>
               <a:rPr lang="en-US" sz="4000" dirty="0" smtClean="0">
-                <a:latin typeface="Comic Sans MS" pitchFamily="66" charset="0"/>
-              </a:rPr>
-              <a:t>Must </a:t>
-            </a:r>
-            <a:r>
-              <a:rPr lang="en-US" sz="4000" dirty="0">
-                <a:latin typeface="Comic Sans MS" pitchFamily="66" charset="0"/>
-              </a:rPr>
-              <a:t>be </a:t>
+                <a:solidFill>
+                  <a:srgbClr val="000000"/>
+                </a:solidFill>
+              </a:rPr>
+              <a:t>But</a:t>
             </a:r>
             <a:r>
               <a:rPr lang="en-US" sz="4000" dirty="0" smtClean="0">
                 <a:solidFill>
-                  <a:srgbClr val="FF00FF"/>
-                </a:solidFill>
-                <a:latin typeface="Comic Sans MS" pitchFamily="66" charset="0"/>
-              </a:rPr>
-              <a:t>other</a:t>
+                  <a:srgbClr val="0000CC"/>
+                </a:solidFill>
+              </a:rPr>
+              <a:t> Nicole</a:t>
+            </a:r>
+            <a:r>
+              <a:rPr lang="en-US" sz="4000" dirty="0" smtClean="0"/>
+              <a:t> </a:t>
+            </a:r>
+            <a:r>
+              <a:rPr lang="en-US" sz="4000" dirty="0"/>
+              <a:t>is optimal for </a:t>
             </a:r>
             <a:r>
               <a:rPr lang="en-US" sz="4000" dirty="0" smtClean="0">
                 <a:solidFill>
-                  <a:srgbClr val="7030A0"/>
-                </a:solidFill>
-                <a:latin typeface="Comic Sans MS" pitchFamily="66" charset="0"/>
-              </a:rPr>
-              <a:t> </a:t>
-            </a:r>
-            <a:r>
-              <a:rPr lang="en-US" sz="4000" dirty="0" smtClean="0">
-                <a:solidFill>
-                  <a:srgbClr val="FF00FF"/>
-                </a:solidFill>
-                <a:latin typeface="Comic Sans MS" pitchFamily="66" charset="0"/>
-              </a:rPr>
-              <a:t>stable marriages</a:t>
-            </a:r>
+                  <a:srgbClr val="0000CC"/>
+                </a:solidFill>
+              </a:rPr>
+              <a:t>Keith</a:t>
+            </a:r>
+            <a:r>
+              <a:rPr lang="en-US" sz="4000" dirty="0" smtClean="0"/>
+              <a:t>, so</a:t>
+            </a:r>
+            <a:endParaRPr lang="en-US" sz="4000" dirty="0"/>
           </a:p>
           <a:p>
             <a:pPr>
               <a:buNone/>
             </a:pPr>
             <a:r>
+              <a:rPr lang="en-US" sz="4000" dirty="0"/>
+              <a:t>m</a:t>
+            </a:r>
+            <a:r>
               <a:rPr lang="en-US" sz="4000" dirty="0" smtClean="0">
                 <a:latin typeface="Comic Sans MS" pitchFamily="66" charset="0"/>
               </a:rPr>
+              <a:t>ust </a:t>
+            </a:r>
+            <a:r>
+              <a:rPr lang="en-US" sz="4000" dirty="0">
+                <a:latin typeface="Comic Sans MS" pitchFamily="66" charset="0"/>
+              </a:rPr>
+              <a:t>be </a:t>
+            </a:r>
+            <a:r>
+              <a:rPr lang="en-US" sz="4000" dirty="0" smtClean="0">
+                <a:solidFill>
+                  <a:srgbClr val="FF00FF"/>
+                </a:solidFill>
+                <a:latin typeface="Comic Sans MS" pitchFamily="66" charset="0"/>
+              </a:rPr>
+              <a:t>other</a:t>
+            </a:r>
+            <a:r>
+              <a:rPr lang="en-US" sz="4000" dirty="0" smtClean="0">
+                <a:solidFill>
+                  <a:srgbClr val="7030A0"/>
+                </a:solidFill>
+                <a:latin typeface="Comic Sans MS" pitchFamily="66" charset="0"/>
+              </a:rPr>
+              <a:t> </a:t>
+            </a:r>
+            <a:r>
+              <a:rPr lang="en-US" sz="4000" dirty="0" smtClean="0">
+                <a:solidFill>
+                  <a:srgbClr val="FF00FF"/>
+                </a:solidFill>
+                <a:latin typeface="Comic Sans MS" pitchFamily="66" charset="0"/>
+              </a:rPr>
+              <a:t>stable marriages</a:t>
+            </a:r>
+          </a:p>
+          <a:p>
+            <a:pPr>
+              <a:buNone/>
+            </a:pPr>
+            <a:r>
+              <a:rPr lang="en-US" sz="4000" dirty="0" smtClean="0">
+                <a:latin typeface="Comic Sans MS" pitchFamily="66" charset="0"/>
+              </a:rPr>
               <a:t>with </a:t>
             </a:r>
             <a:r>
@@ -5436,9 +5844,18 @@
             </a:r>
             <a:r>
               <a:rPr lang="en-US" sz="4000" dirty="0" smtClean="0">
-                <a:latin typeface="Comic Sans MS" pitchFamily="66" charset="0"/>
-              </a:rPr>
-              <a:t>married to </a:t>
+                <a:solidFill>
+                  <a:srgbClr val="FF00FF"/>
+                </a:solidFill>
+                <a:latin typeface="Comic Sans MS" pitchFamily="66" charset="0"/>
+              </a:rPr>
+              <a:t>married to</a:t>
+            </a:r>
+            <a:r>
+              <a:rPr lang="en-US" sz="4000" dirty="0" smtClean="0">
+                <a:latin typeface="Comic Sans MS" pitchFamily="66" charset="0"/>
+              </a:rPr>
+              <a:t> </a:t>
             </a:r>
             <a:r>
               <a:rPr lang="en-US" sz="4000" dirty="0" smtClean="0">
@@ -5474,8 +5891,8 @@
         </p:nvSpPr>
         <p:spPr bwMode="auto">
           <a:xfrm>
-            <a:off x="239387" y="4270998"/>
-            <a:ext cx="8412162" cy="769441"/>
+            <a:off x="412717" y="4610256"/>
+            <a:ext cx="7093844" cy="769441"/>
           </a:xfrm>
           <a:prstGeom prst="rect">
             <a:avLst/>
@@ -5489,7 +5906,7 @@
           </a:ln>
         </p:spPr>
         <p:txBody>
-          <a:bodyPr>
+          <a:bodyPr wrap="square">
             <a:spAutoFit/>
           </a:bodyPr>
           <a:lstStyle/>
@@ -5570,18 +5987,9 @@
   <p:clrMapOvr>
     <a:masterClrMapping/>
   </p:clrMapOvr>
-  <mc:AlternateContent xmlns:mc="http://schemas.openxmlformats.org/markup-compatibility/2006" xmlns:p14="http://schemas.microsoft.com/office/powerpoint/2010/main">
-    <mc:Choice Requires="p14">
-      <p:transition spd="slow" p14:dur="1200">
-        <p:fade/>
-      </p:transition>
-    </mc:Choice>
-    <mc:Fallback xmlns="">
-      <p:transition xmlns:p14="http://schemas.microsoft.com/office/powerpoint/2010/main" spd="slow">
-        <p:fade/>
-      </p:transition>
-    </mc:Fallback>
-  </mc:AlternateContent>
+  <p:transition xmlns:p14="http://schemas.microsoft.com/office/powerpoint/2010/main" spd="slow" advClick="0">
+    <p:fade/>
+  </p:transition>
   <p:timing>
     <p:tnLst>
       <p:par>
@@ -5603,7 +6011,7 @@
                             </p:stCondLst>
                             <p:childTnLst>
                               <p:par>
-                                <p:cTn id="5" presetID="9" presetClass="entr" presetSubtype="0" fill="hold" grpId="0" nodeType="clickEffect">
+                                <p:cTn id="5" presetID="22" presetClass="entr" presetSubtype="1" fill="hold" grpId="1" nodeType="clickEffect">
                                   <p:stCondLst>
                                     <p:cond delay="0"/>
                                   </p:stCondLst>
@@ -5616,9 +6024,9 @@
                                           </p:stCondLst>
                                         </p:cTn>
                                         <p:tgtEl>
-                                          <p:spTgt spid="55299">
+                                          <p:spTgt spid="6">
                                             <p:txEl>
-                                              <p:pRg st="1" end="1"/>
+                                              <p:pRg st="0" end="0"/>
                                             </p:txEl>
                                           </p:spTgt>
                                         </p:tgtEl>
@@ -5630,13 +6038,13 @@
                                         <p:strVal val="visible"/>
                                       </p:to>
                                     </p:set>
-                                    <p:animEffect transition="in" filter="dissolve">
+                                    <p:animEffect transition="in" filter="wipe(up)">
                                       <p:cBhvr>
-                                        <p:cTn id="7" dur="500"/>
+                                        <p:cTn id="7" dur="1000"/>
                                         <p:tgtEl>
-                                          <p:spTgt spid="55299">
+                                          <p:spTgt spid="6">
                                             <p:txEl>
-                                              <p:pRg st="1" end="1"/>
+                                              <p:pRg st="0" end="0"/>
                                             </p:txEl>
                                           </p:spTgt>
                                         </p:tgtEl>
@@ -5664,7 +6072,7 @@
                             </p:stCondLst>
                             <p:childTnLst>
                               <p:par>
-                                <p:cTn id="10" presetID="9" presetClass="entr" presetSubtype="0" fill="hold" grpId="0" nodeType="clickEffect">
+                                <p:cTn id="10" presetID="10" presetClass="entr" presetSubtype="0" fill="hold" grpId="1" nodeType="clickEffect">
                                   <p:stCondLst>
                                     <p:cond delay="0"/>
                                   </p:stCondLst>
@@ -5677,7 +6085,59 @@
                                           </p:stCondLst>
                                         </p:cTn>
                                         <p:tgtEl>
-                                          <p:spTgt spid="55299">
+                                          <p:spTgt spid="6">
+                                            <p:txEl>
+                                              <p:pRg st="1" end="1"/>
+                                            </p:txEl>
+                                          </p:spTgt>
+                                        </p:tgtEl>
+                                        <p:attrNameLst>
+                                          <p:attrName>style.visibility</p:attrName>
+                                        </p:attrNameLst>
+                                      </p:cBhvr>
+                                      <p:to>
+                                        <p:strVal val="visible"/>
+                                      </p:to>
+                                    </p:set>
+                                    <p:animEffect transition="in" filter="fade">
+                                      <p:cBhvr>
+                                        <p:cTn id="12" dur="500"/>
+                                        <p:tgtEl>
+                                          <p:spTgt spid="6">
+                                            <p:txEl>
+                                              <p:pRg st="1" end="1"/>
+                                            </p:txEl>
+                                          </p:spTgt>
+                                        </p:tgtEl>
+                                      </p:cBhvr>
+                                    </p:animEffect>
+                                  </p:childTnLst>
+                                </p:cTn>
+                              </p:par>
+                            </p:childTnLst>
+                          </p:cTn>
+                        </p:par>
+                        <p:par>
+                          <p:cTn id="13" fill="hold">
+                            <p:stCondLst>
+                              <p:cond delay="500"/>
+                            </p:stCondLst>
+                            <p:childTnLst>
+                              <p:par>
+                                <p:cTn id="14" presetID="10" presetClass="entr" presetSubtype="0" fill="hold" grpId="1" nodeType="afterEffect">
+                                  <p:stCondLst>
+                                    <p:cond delay="0"/>
+                                  </p:stCondLst>
+                                  <p:childTnLst>
+                                    <p:set>
+                                      <p:cBhvr>
+                                        <p:cTn id="15" dur="1" fill="hold">
+                                          <p:stCondLst>
+                                            <p:cond delay="0"/>
+                                          </p:stCondLst>
+                                        </p:cTn>
+                                        <p:tgtEl>
+                                          <p:spTgt spid="6">
                                             <p:txEl>
                                               <p:pRg st="2" end="2"/>
                                             </p:txEl>
@@ -5691,11 +6151,11 @@
                                         <p:strVal val="visible"/>
                                       </p:to>
                                     </p:set>
-                                    <p:animEffect transition="in" filter="dissolve">
+                                    <p:animEffect transition="in" filter="fade">
                                       <p:cBhvr>
-                                        <p:cTn id="12" dur="500"/>
+                                        <p:cTn id="16" dur="500"/>
                                         <p:tgtEl>
-                                          <p:spTgt spid="55299">
+                                          <p:spTgt spid="6">
                                             <p:txEl>
                                               <p:pRg st="2" end="2"/>
                                             </p:txEl>
@@ -5709,83 +6169,21 @@
                             </p:childTnLst>
                           </p:cTn>
                         </p:par>
-                      </p:childTnLst>
-                    </p:cTn>
-                  </p:par>
-                  <p:par>
-                    <p:cTn id="13" fill="hold">
-                      <p:stCondLst>
-                        <p:cond delay="indefinite"/>
-                      </p:stCondLst>
-                      <p:childTnLst>
                         <p:par>
-                          <p:cTn id="14" fill="hold">
+                          <p:cTn id="17" fill="hold">
                             <p:stCondLst>
-                              <p:cond delay="0"/>
+                              <p:cond delay="1000"/>
                             </p:stCondLst>
                             <p:childTnLst>
                               <p:par>
-                                <p:cTn id="15" presetID="9" presetClass="entr" presetSubtype="0" fill="hold" grpId="0" nodeType="clickEffect">
+                                <p:cTn id="18" presetID="10" presetClass="entr" presetSubtype="0" fill="hold" grpId="0" nodeType="afterEffect">
                                   <p:stCondLst>
                                     <p:cond delay="0"/>
                                   </p:stCondLst>
                                   <p:childTnLst>
                                     <p:set>
                                       <p:cBhvr>
-                                        <p:cTn id="16" dur="1" fill="hold">
-                                          <p:stCondLst>
-                                            <p:cond delay="0"/>
-                                          </p:stCondLst>
-                                        </p:cTn>
-                                        <p:tgtEl>
-                                          <p:spTgt spid="6"/>
-                                        </p:tgtEl>
-                                        <p:attrNameLst>
-                                          <p:attrName>style.visibility</p:attrName>
-                                        </p:attrNameLst>
-                                      </p:cBhvr>
-                                      <p:to>
-                                        <p:strVal val="visible"/>
-                                      </p:to>
-                                    </p:set>
-                                    <p:animEffect transition="in" filter="dissolve">
-                                      <p:cBhvr>
-                                        <p:cTn id="17" dur="500"/>
-                                        <p:tgtEl>
-                                          <p:spTgt spid="6"/>
-                                        </p:tgtEl>
-                                      </p:cBhvr>
-                                    </p:animEffect>
-                                  </p:childTnLst>
-                                </p:cTn>
-                              </p:par>
-                            </p:childTnLst>
-                          </p:cTn>
-                        </p:par>
-                      </p:childTnLst>
-                    </p:cTn>
-                  </p:par>
-                  <p:par>
-                    <p:cTn id="18" fill="hold">
-                      <p:stCondLst>
-                        <p:cond delay="indefinite"/>
-                      </p:stCondLst>
-                      <p:childTnLst>
-                        <p:par>
-                          <p:cTn id="19" fill="hold">
-                            <p:stCondLst>
-                              <p:cond delay="0"/>
-                            </p:stCondLst>
-                            <p:childTnLst>
-                              <p:par>
-                                <p:cTn id="20" presetID="9" presetClass="entr" presetSubtype="0" fill="hold" grpId="0" nodeType="clickEffect">
-                                  <p:stCondLst>
-                                    <p:cond delay="0"/>
-                                  </p:stCondLst>
-                                  <p:childTnLst>
-                                    <p:set>
-                                      <p:cBhvr>
-                                        <p:cTn id="21" dur="1" fill="hold">
+                                        <p:cTn id="19" dur="1" fill="hold">
                                           <p:stCondLst>
                                             <p:cond delay="0"/>
                                           </p:stCondLst>
@@ -5805,9 +6203,9 @@
                                         <p:strVal val="visible"/>
                                       </p:to>
                                     </p:set>
-                                    <p:animEffect transition="in" filter="dissolve">
+                                    <p:animEffect transition="in" filter="fade">
                                       <p:cBhvr>
-                                        <p:cTn id="22" dur="500"/>
+                                        <p:cTn id="20" dur="500"/>
                                         <p:tgtEl>
                                           <p:spTgt spid="9">
                                             <p:txEl>
@@ -5848,15 +6246,14 @@
       </p:par>
     </p:tnLst>
     <p:bldLst>
-      <p:bldP spid="55299" grpId="0" build="p"/>
-      <p:bldP spid="6" grpId="0"/>
+      <p:bldP spid="6" grpId="1" build="p"/>
       <p:bldP spid="9" grpId="0" build="p"/>
     </p:bldLst>
   </p:timing>
 </p:sld>
 </file>
 
-<file path=ppt/slides/slide14.xml><?xml version="1.0" encoding="utf-8"?>
+<file path=ppt/slides/slide15.xml><?xml version="1.0" encoding="utf-8"?>
 <p:sld xmlns:a="http://schemas.openxmlformats.org/drawingml/2006/main" xmlns:r="http://schemas.openxmlformats.org/officeDocument/2006/relationships" xmlns:p="http://schemas.openxmlformats.org/presentationml/2006/main">
   <p:cSld>
     <p:spTree>
@@ -5901,7 +6298,7 @@
             <a:fld id="{6CCEBC7E-BB78-4935-B466-2CC68DADAB00}" type="slidenum">
               <a:rPr lang="en-US" smtClean="0"/>
               <a:pPr/>
-              <a:t>14</a:t>
+              <a:t>15</a:t>
             </a:fld>
             <a:endParaRPr lang="en-US" dirty="0" smtClean="0"/>
           </a:p>
@@ -5918,7 +6315,7 @@
         <p:spPr bwMode="auto">
           <a:xfrm>
             <a:off x="773130" y="826053"/>
-            <a:ext cx="7649855" cy="2207737"/>
+            <a:ext cx="7649855" cy="1446550"/>
           </a:xfrm>
           <a:prstGeom prst="rect">
             <a:avLst/>
@@ -5944,21 +6341,24 @@
             <a:r>
               <a:rPr lang="en-US" sz="4000" dirty="0" smtClean="0">
                 <a:solidFill>
-                  <a:srgbClr val="0000CC"/>
-                </a:solidFill>
-              </a:rPr>
-              <a:t>Nicole</a:t>
-            </a:r>
-            <a:r>
-              <a:rPr lang="en-US" sz="4000" dirty="0" smtClean="0"/>
-              <a:t> </a:t>
-            </a:r>
-            <a:r>
-              <a:rPr lang="en-US" sz="4000" dirty="0"/>
+                  <a:srgbClr val="000000"/>
+                </a:solidFill>
+              </a:rPr>
+              <a:t>Nicole </a:t>
+            </a:r>
+            <a:r>
+              <a:rPr lang="en-US" sz="4000" dirty="0">
+                <a:solidFill>
+                  <a:srgbClr val="000000"/>
+                </a:solidFill>
+              </a:rPr>
               <a:t>i</a:t>
             </a:r>
             <a:r>
               <a:rPr lang="en-US" sz="4000" dirty="0">
+                <a:solidFill>
+                  <a:srgbClr val="000000"/>
+                </a:solidFill>
                 <a:latin typeface="Comic Sans MS"/>
                 <a:cs typeface="Comic Sans MS"/>
               </a:rPr>
@@ -5966,6 +6366,9 @@
             </a:r>
             <a:r>
               <a:rPr lang="en-US" sz="4000" dirty="0">
+                <a:solidFill>
+                  <a:srgbClr val="000000"/>
+                </a:solidFill>
                 <a:latin typeface="Euclid Symbol" charset="2"/>
                 <a:cs typeface="Euclid Symbol" charset="2"/>
               </a:rPr>
@@ -5985,11 +6388,16 @@
             <a:r>
               <a:rPr lang="en-US" sz="4000" dirty="0">
                 <a:solidFill>
-                  <a:srgbClr val="0000CC"/>
+                  <a:srgbClr val="9F009F"/>
                 </a:solidFill>
               </a:rPr>
               <a:t>Tom</a:t>
             </a:r>
+            <a:endParaRPr lang="en-US" sz="4000" dirty="0">
+              <a:solidFill>
+                <a:srgbClr val="000000"/>
+              </a:solidFill>
+            </a:endParaRPr>
           </a:p>
           <a:p>
             <a:pPr>
@@ -5999,74 +6407,41 @@
             <a:r>
               <a:rPr lang="en-US" sz="4000" dirty="0" smtClean="0">
                 <a:solidFill>
-                  <a:srgbClr val="0000CC"/>
-                </a:solidFill>
-                <a:latin typeface="Comic Sans MS" pitchFamily="66" charset="0"/>
-              </a:rPr>
-              <a:t>Nicole</a:t>
+                  <a:srgbClr val="000000"/>
+                </a:solidFill>
+                <a:latin typeface="Comic Sans MS" pitchFamily="66" charset="0"/>
+              </a:rPr>
+              <a:t>Nicole </a:t>
+            </a:r>
+            <a:r>
+              <a:rPr lang="en-US" sz="4000" dirty="0">
+                <a:solidFill>
+                  <a:srgbClr val="000000"/>
+                </a:solidFill>
+                <a:latin typeface="Comic Sans MS" pitchFamily="66" charset="0"/>
+              </a:rPr>
+              <a:t>prefers </a:t>
+            </a:r>
+            <a:r>
+              <a:rPr lang="en-US" sz="4000" dirty="0">
+                <a:solidFill>
+                  <a:srgbClr val="9F009F"/>
+                </a:solidFill>
+                <a:latin typeface="Comic Sans MS" pitchFamily="66" charset="0"/>
+              </a:rPr>
+              <a:t>Tom</a:t>
+            </a:r>
+            <a:r>
+              <a:rPr lang="en-US" sz="4000" dirty="0">
+                <a:solidFill>
+                  <a:srgbClr val="000000"/>
+                </a:solidFill>
+                <a:latin typeface="Comic Sans MS" pitchFamily="66" charset="0"/>
+              </a:rPr>
+              <a:t> to </a:t>
             </a:r>
             <a:r>
               <a:rPr lang="en-US" sz="4000" dirty="0" smtClean="0">
-                <a:latin typeface="Comic Sans MS" pitchFamily="66" charset="0"/>
-              </a:rPr>
-              <a:t> </a:t>
-            </a:r>
-            <a:r>
-              <a:rPr lang="en-US" sz="4000" dirty="0">
-                <a:latin typeface="Comic Sans MS" pitchFamily="66" charset="0"/>
-              </a:rPr>
-              <a:t>is optimal for </a:t>
-            </a:r>
-            <a:r>
-              <a:rPr lang="en-US" sz="4000" dirty="0">
-                <a:solidFill>
-                  <a:srgbClr val="0000CC"/>
-                </a:solidFill>
-                <a:latin typeface="Comic Sans MS" pitchFamily="66" charset="0"/>
-              </a:rPr>
-              <a:t>Keith</a:t>
-            </a:r>
-          </a:p>
-          <a:p>
-            <a:pPr>
-              <a:buFont typeface="Arial" charset="0"/>
-              <a:buChar char="•"/>
-            </a:pPr>
-            <a:r>
-              <a:rPr lang="en-US" sz="4000" dirty="0">
-                <a:solidFill>
-                  <a:srgbClr val="0000CC"/>
-                </a:solidFill>
-                <a:latin typeface="Comic Sans MS" pitchFamily="66" charset="0"/>
-              </a:rPr>
-              <a:t>Nicole</a:t>
-            </a:r>
-            <a:r>
-              <a:rPr lang="en-US" sz="4000" dirty="0">
-                <a:latin typeface="Comic Sans MS" pitchFamily="66" charset="0"/>
-              </a:rPr>
-              <a:t> prefers </a:t>
-            </a:r>
-            <a:r>
-              <a:rPr lang="en-US" sz="4000" dirty="0">
-                <a:solidFill>
-                  <a:srgbClr val="0000CC"/>
-                </a:solidFill>
-                <a:latin typeface="Comic Sans MS" pitchFamily="66" charset="0"/>
-              </a:rPr>
-              <a:t>Tom</a:t>
-            </a:r>
-            <a:r>
-              <a:rPr lang="en-US" sz="4000" dirty="0">
-                <a:latin typeface="Comic Sans MS" pitchFamily="66" charset="0"/>
-              </a:rPr>
-              <a:t> to </a:t>
-            </a:r>
-            <a:r>
-              <a:rPr lang="en-US" sz="4000" dirty="0">
-                <a:solidFill>
-                  <a:srgbClr val="0000CC"/>
-                </a:solidFill>
                 <a:latin typeface="Comic Sans MS" pitchFamily="66" charset="0"/>
               </a:rPr>
               <a:t>Keith</a:t>
@@ -6084,8 +6459,8 @@
         </p:nvSpPr>
         <p:spPr bwMode="auto">
           <a:xfrm>
-            <a:off x="269449" y="2932096"/>
-            <a:ext cx="7772380" cy="1446550"/>
+            <a:off x="434910" y="2366102"/>
+            <a:ext cx="8393779" cy="2185214"/>
           </a:xfrm>
           <a:prstGeom prst="rect">
             <a:avLst/>
@@ -6099,7 +6474,7 @@
           </a:ln>
         </p:spPr>
         <p:txBody>
-          <a:bodyPr wrap="none">
+          <a:bodyPr wrap="square">
             <a:spAutoFit/>
           </a:bodyPr>
           <a:lstStyle/>
@@ -6109,42 +6484,11 @@
             </a:pPr>
             <a:r>
               <a:rPr lang="en-US" sz="4000" dirty="0" smtClean="0">
-                <a:latin typeface="Comic Sans MS" pitchFamily="66" charset="0"/>
-              </a:rPr>
-              <a:t>Must </a:t>
-            </a:r>
-            <a:r>
-              <a:rPr lang="en-US" sz="4000" dirty="0">
-                <a:latin typeface="Comic Sans MS" pitchFamily="66" charset="0"/>
-              </a:rPr>
-              <a:t>be </a:t>
-            </a:r>
-            <a:r>
-              <a:rPr lang="en-US" sz="4000" dirty="0" smtClean="0">
-                <a:solidFill>
-                  <a:srgbClr val="FF00FF"/>
-                </a:solidFill>
-                <a:latin typeface="Comic Sans MS" pitchFamily="66" charset="0"/>
-              </a:rPr>
-              <a:t>other</a:t>
-            </a:r>
-            <a:r>
-              <a:rPr lang="en-US" sz="4000" dirty="0" smtClean="0">
-                <a:solidFill>
-                  <a:srgbClr val="7030A0"/>
-                </a:solidFill>
-                <a:latin typeface="Comic Sans MS" pitchFamily="66" charset="0"/>
-              </a:rPr>
-              <a:t> </a:t>
-            </a:r>
-            <a:r>
-              <a:rPr lang="en-US" sz="4000" dirty="0" smtClean="0">
-                <a:solidFill>
-                  <a:srgbClr val="FF00FF"/>
-                </a:solidFill>
-                <a:latin typeface="Comic Sans MS" pitchFamily="66" charset="0"/>
-              </a:rPr>
-              <a:t>stable marriages</a:t>
+                <a:solidFill>
+                  <a:srgbClr val="000000"/>
+                </a:solidFill>
+              </a:rPr>
+              <a:t>So in any set of stable marriages</a:t>
             </a:r>
           </a:p>
           <a:p>
@@ -6153,27 +6497,34 @@
             </a:pPr>
             <a:r>
               <a:rPr lang="en-US" sz="4000" dirty="0" smtClean="0">
-                <a:latin typeface="Comic Sans MS" pitchFamily="66" charset="0"/>
-              </a:rPr>
-              <a:t>with </a:t>
-            </a:r>
+                <a:solidFill>
+                  <a:srgbClr val="000000"/>
+                </a:solidFill>
+              </a:rPr>
+              <a:t>with Nicole married to Keith,</a:t>
+            </a:r>
+          </a:p>
+          <a:p>
+            <a:pPr>
+              <a:buNone/>
+            </a:pPr>
             <a:r>
               <a:rPr lang="en-US" sz="4000" dirty="0" smtClean="0">
                 <a:solidFill>
-                  <a:srgbClr val="0000CC"/>
-                </a:solidFill>
-                <a:latin typeface="Comic Sans MS" pitchFamily="66" charset="0"/>
-              </a:rPr>
-              <a:t>Keith</a:t>
+                  <a:srgbClr val="9F009F"/>
+                </a:solidFill>
+                <a:latin typeface="Comic Sans MS" pitchFamily="66" charset="0"/>
+              </a:rPr>
+              <a:t>Nicole and Tom</a:t>
             </a:r>
             <a:r>
               <a:rPr lang="en-US" sz="4000" dirty="0" smtClean="0">
                 <a:solidFill>
-                  <a:srgbClr val="9F009F"/>
-                </a:solidFill>
-                <a:latin typeface="Comic Sans MS" pitchFamily="66" charset="0"/>
-              </a:rPr>
-              <a:t> </a:t>
+                  <a:srgbClr val="000000"/>
+                </a:solidFill>
+                <a:latin typeface="Comic Sans MS" pitchFamily="66" charset="0"/>
+              </a:rPr>
+              <a:t> would be </a:t>
             </a:r>
             <a:r>
               <a:rPr lang="en-US" sz="4000" dirty="0" smtClean="0">
@@ -6182,28 +6533,16 @@
                 </a:solidFill>
                 <a:latin typeface="Comic Sans MS" pitchFamily="66" charset="0"/>
               </a:rPr>
-              <a:t>married to</a:t>
+              <a:t>rogue</a:t>
             </a:r>
             <a:r>
               <a:rPr lang="en-US" sz="4000" dirty="0" smtClean="0">
-                <a:latin typeface="Comic Sans MS" pitchFamily="66" charset="0"/>
-              </a:rPr>
-              <a:t> </a:t>
-            </a:r>
-            <a:r>
-              <a:rPr lang="en-US" sz="4000" dirty="0" smtClean="0">
-                <a:solidFill>
-                  <a:srgbClr val="0000CC"/>
-                </a:solidFill>
-                <a:latin typeface="Comic Sans MS" pitchFamily="66" charset="0"/>
-              </a:rPr>
-              <a:t>Nicole</a:t>
-            </a:r>
-            <a:r>
-              <a:rPr lang="en-US" sz="4000" dirty="0">
-                <a:latin typeface="Comic Sans MS" pitchFamily="66" charset="0"/>
-              </a:rPr>
-              <a:t>.  </a:t>
+                <a:solidFill>
+                  <a:srgbClr val="000000"/>
+                </a:solidFill>
+                <a:latin typeface="Comic Sans MS" pitchFamily="66" charset="0"/>
+              </a:rPr>
+              <a:t>.</a:t>
             </a:r>
             <a:endParaRPr lang="en-US" sz="4000" dirty="0">
               <a:solidFill>
@@ -6216,7 +6555,308 @@
       </p:sp>
       <p:sp>
         <p:nvSpPr>
-          <p:cNvPr id="9" name="Rectangle 8"/>
+          <p:cNvPr id="55302" name="Rectangle 2"/>
+          <p:cNvSpPr>
+            <a:spLocks noGrp="1" noChangeArrowheads="1"/>
+          </p:cNvSpPr>
+          <p:nvPr>
+            <p:ph type="title"/>
+          </p:nvPr>
+        </p:nvSpPr>
+        <p:spPr>
+          <a:xfrm>
+            <a:off x="2617788" y="0"/>
+            <a:ext cx="3929062" cy="1047750"/>
+          </a:xfrm>
+        </p:spPr>
+        <p:txBody>
+          <a:bodyPr/>
+          <a:lstStyle/>
+          <a:p>
+            <a:pPr eaLnBrk="1" hangingPunct="1"/>
+            <a:r>
+              <a:rPr lang="en-US" sz="4400" smtClean="0"/>
+              <a:t>Boy</a:t>
+            </a:r>
+            <a:r>
+              <a:rPr lang="en-US" sz="4400" smtClean="0">
+                <a:solidFill>
+                  <a:srgbClr val="008000"/>
+                </a:solidFill>
+              </a:rPr>
+              <a:t> Optimal</a:t>
+            </a:r>
+          </a:p>
+        </p:txBody>
+      </p:sp>
+    </p:spTree>
+    <p:extLst>
+      <p:ext uri="{BB962C8B-B14F-4D97-AF65-F5344CB8AC3E}">
+        <p14:creationId xmlns:p14="http://schemas.microsoft.com/office/powerpoint/2010/main" val="3725509161"/>
+      </p:ext>
+    </p:extLst>
+  </p:cSld>
+  <p:clrMapOvr>
+    <a:masterClrMapping/>
+  </p:clrMapOvr>
+  <p:transition xmlns:p14="http://schemas.microsoft.com/office/powerpoint/2010/main" spd="slow" advClick="0">
+    <p:fade/>
+  </p:transition>
+  <p:timing>
+    <p:tnLst>
+      <p:par>
+        <p:cTn xmlns:p14="http://schemas.microsoft.com/office/powerpoint/2010/main" id="1" dur="indefinite" restart="never" nodeType="tmRoot">
+          <p:childTnLst>
+            <p:seq concurrent="1" nextAc="seek">
+              <p:cTn id="2" dur="indefinite" nodeType="mainSeq">
+                <p:childTnLst>
+                  <p:par>
+                    <p:cTn id="3" fill="hold">
+                      <p:stCondLst>
+                        <p:cond delay="indefinite"/>
+                      </p:stCondLst>
+                      <p:childTnLst>
+                        <p:par>
+                          <p:cTn id="4" fill="hold">
+                            <p:stCondLst>
+                              <p:cond delay="0"/>
+                            </p:stCondLst>
+                            <p:childTnLst>
+                              <p:par>
+                                <p:cTn id="5" presetID="10" presetClass="entr" presetSubtype="0" fill="hold" grpId="0" nodeType="clickEffect">
+                                  <p:stCondLst>
+                                    <p:cond delay="0"/>
+                                  </p:stCondLst>
+                                  <p:childTnLst>
+                                    <p:set>
+                                      <p:cBhvr>
+                                        <p:cTn id="6" dur="1" fill="hold">
+                                          <p:stCondLst>
+                                            <p:cond delay="0"/>
+                                          </p:stCondLst>
+                                        </p:cTn>
+                                        <p:tgtEl>
+                                          <p:spTgt spid="6">
+                                            <p:txEl>
+                                              <p:pRg st="0" end="0"/>
+                                            </p:txEl>
+                                          </p:spTgt>
+                                        </p:tgtEl>
+                                        <p:attrNameLst>
+                                          <p:attrName>style.visibility</p:attrName>
+                                        </p:attrNameLst>
+                                      </p:cBhvr>
+                                      <p:to>
+                                        <p:strVal val="visible"/>
+                                      </p:to>
+                                    </p:set>
+                                    <p:animEffect transition="in" filter="fade">
+                                      <p:cBhvr>
+                                        <p:cTn id="7" dur="500"/>
+                                        <p:tgtEl>
+                                          <p:spTgt spid="6">
+                                            <p:txEl>
+                                              <p:pRg st="0" end="0"/>
+                                            </p:txEl>
+                                          </p:spTgt>
+                                        </p:tgtEl>
+                                      </p:cBhvr>
+                                    </p:animEffect>
+                                  </p:childTnLst>
+                                </p:cTn>
+                              </p:par>
+                              <p:par>
+                                <p:cTn id="8" presetID="10" presetClass="entr" presetSubtype="0" fill="hold" grpId="0" nodeType="withEffect">
+                                  <p:stCondLst>
+                                    <p:cond delay="0"/>
+                                  </p:stCondLst>
+                                  <p:childTnLst>
+                                    <p:set>
+                                      <p:cBhvr>
+                                        <p:cTn id="9" dur="1" fill="hold">
+                                          <p:stCondLst>
+                                            <p:cond delay="0"/>
+                                          </p:stCondLst>
+                                        </p:cTn>
+                                        <p:tgtEl>
+                                          <p:spTgt spid="6">
+                                            <p:txEl>
+                                              <p:pRg st="1" end="1"/>
+                                            </p:txEl>
+                                          </p:spTgt>
+                                        </p:tgtEl>
+                                        <p:attrNameLst>
+                                          <p:attrName>style.visibility</p:attrName>
+                                        </p:attrNameLst>
+                                      </p:cBhvr>
+                                      <p:to>
+                                        <p:strVal val="visible"/>
+                                      </p:to>
+                                    </p:set>
+                                    <p:animEffect transition="in" filter="fade">
+                                      <p:cBhvr>
+                                        <p:cTn id="10" dur="500"/>
+                                        <p:tgtEl>
+                                          <p:spTgt spid="6">
+                                            <p:txEl>
+                                              <p:pRg st="1" end="1"/>
+                                            </p:txEl>
+                                          </p:spTgt>
+                                        </p:tgtEl>
+                                      </p:cBhvr>
+                                    </p:animEffect>
+                                  </p:childTnLst>
+                                </p:cTn>
+                              </p:par>
+                            </p:childTnLst>
+                          </p:cTn>
+                        </p:par>
+                      </p:childTnLst>
+                    </p:cTn>
+                  </p:par>
+                  <p:par>
+                    <p:cTn id="11" fill="hold">
+                      <p:stCondLst>
+                        <p:cond delay="indefinite"/>
+                      </p:stCondLst>
+                      <p:childTnLst>
+                        <p:par>
+                          <p:cTn id="12" fill="hold">
+                            <p:stCondLst>
+                              <p:cond delay="0"/>
+                            </p:stCondLst>
+                            <p:childTnLst>
+                              <p:par>
+                                <p:cTn id="13" presetID="22" presetClass="entr" presetSubtype="1" fill="hold" grpId="0" nodeType="clickEffect">
+                                  <p:stCondLst>
+                                    <p:cond delay="0"/>
+                                  </p:stCondLst>
+                                  <p:childTnLst>
+                                    <p:set>
+                                      <p:cBhvr>
+                                        <p:cTn id="14" dur="1" fill="hold">
+                                          <p:stCondLst>
+                                            <p:cond delay="0"/>
+                                          </p:stCondLst>
+                                        </p:cTn>
+                                        <p:tgtEl>
+                                          <p:spTgt spid="6">
+                                            <p:txEl>
+                                              <p:pRg st="2" end="2"/>
+                                            </p:txEl>
+                                          </p:spTgt>
+                                        </p:tgtEl>
+                                        <p:attrNameLst>
+                                          <p:attrName>style.visibility</p:attrName>
+                                        </p:attrNameLst>
+                                      </p:cBhvr>
+                                      <p:to>
+                                        <p:strVal val="visible"/>
+                                      </p:to>
+                                    </p:set>
+                                    <p:animEffect transition="in" filter="wipe(up)">
+                                      <p:cBhvr>
+                                        <p:cTn id="15" dur="1000"/>
+                                        <p:tgtEl>
+                                          <p:spTgt spid="6">
+                                            <p:txEl>
+                                              <p:pRg st="2" end="2"/>
+                                            </p:txEl>
+                                          </p:spTgt>
+                                        </p:tgtEl>
+                                      </p:cBhvr>
+                                    </p:animEffect>
+                                  </p:childTnLst>
+                                </p:cTn>
+                              </p:par>
+                            </p:childTnLst>
+                          </p:cTn>
+                        </p:par>
+                      </p:childTnLst>
+                    </p:cTn>
+                  </p:par>
+                </p:childTnLst>
+              </p:cTn>
+              <p:prevCondLst>
+                <p:cond evt="onPrev" delay="0">
+                  <p:tgtEl>
+                    <p:sldTgt/>
+                  </p:tgtEl>
+                </p:cond>
+              </p:prevCondLst>
+              <p:nextCondLst>
+                <p:cond evt="onNext" delay="0">
+                  <p:tgtEl>
+                    <p:sldTgt/>
+                  </p:tgtEl>
+                </p:cond>
+              </p:nextCondLst>
+            </p:seq>
+          </p:childTnLst>
+        </p:cTn>
+      </p:par>
+    </p:tnLst>
+    <p:bldLst>
+      <p:bldP spid="6" grpId="0" build="p"/>
+    </p:bldLst>
+  </p:timing>
+</p:sld>
+</file>
+
+<file path=ppt/slides/slide16.xml><?xml version="1.0" encoding="utf-8"?>
+<p:sld xmlns:a="http://schemas.openxmlformats.org/drawingml/2006/main" xmlns:r="http://schemas.openxmlformats.org/officeDocument/2006/relationships" xmlns:p="http://schemas.openxmlformats.org/presentationml/2006/main">
+  <p:cSld>
+    <p:spTree>
+      <p:nvGrpSpPr>
+        <p:cNvPr id="1" name=""/>
+        <p:cNvGrpSpPr/>
+        <p:nvPr/>
+      </p:nvGrpSpPr>
+      <p:grpSpPr>
+        <a:xfrm>
+          <a:off x="0" y="0"/>
+          <a:ext cx="0" cy="0"/>
+          <a:chOff x="0" y="0"/>
+          <a:chExt cx="0" cy="0"/>
+        </a:xfrm>
+      </p:grpSpPr>
+      <p:sp>
+        <p:nvSpPr>
+          <p:cNvPr id="55298" name="Slide Number Placeholder 3"/>
+          <p:cNvSpPr>
+            <a:spLocks noGrp="1"/>
+          </p:cNvSpPr>
+          <p:nvPr>
+            <p:ph type="sldNum" sz="quarter" idx="10"/>
+          </p:nvPr>
+        </p:nvSpPr>
+        <p:spPr>
+          <a:noFill/>
+        </p:spPr>
+        <p:txBody>
+          <a:bodyPr/>
+          <a:lstStyle/>
+          <a:p>
+            <a:r>
+              <a:rPr lang="en-US" dirty="0" err="1" smtClean="0"/>
+              <a:t>lec</a:t>
+            </a:r>
+            <a:r>
+              <a:rPr lang="en-US" dirty="0" smtClean="0"/>
+              <a:t> 7F.</a:t>
+            </a:r>
+            <a:fld id="{6CCEBC7E-BB78-4935-B466-2CC68DADAB00}" type="slidenum">
+              <a:rPr lang="en-US" smtClean="0"/>
+              <a:pPr/>
+              <a:t>16</a:t>
+            </a:fld>
+            <a:endParaRPr lang="en-US" dirty="0" smtClean="0"/>
+          </a:p>
+        </p:txBody>
+      </p:sp>
+      <p:sp>
+        <p:nvSpPr>
+          <p:cNvPr id="55299" name="Rectangle 4"/>
           <p:cNvSpPr>
             <a:spLocks noChangeArrowheads="1"/>
           </p:cNvSpPr>
@@ -6224,8 +6864,8 @@
         </p:nvSpPr>
         <p:spPr bwMode="auto">
           <a:xfrm>
-            <a:off x="239387" y="4270998"/>
-            <a:ext cx="8412162" cy="2185214"/>
+            <a:off x="773130" y="826053"/>
+            <a:ext cx="7649855" cy="1446550"/>
           </a:xfrm>
           <a:prstGeom prst="rect">
             <a:avLst/>
@@ -6239,34 +6879,72 @@
           </a:ln>
         </p:spPr>
         <p:txBody>
-          <a:bodyPr>
+          <a:bodyPr wrap="square">
             <a:spAutoFit/>
           </a:bodyPr>
           <a:lstStyle/>
           <a:p>
             <a:pPr>
-              <a:buNone/>
+              <a:buFont typeface="Arial" charset="0"/>
+              <a:buChar char="•"/>
             </a:pPr>
             <a:r>
               <a:rPr lang="en-US" sz="4000" dirty="0" smtClean="0">
                 <a:solidFill>
-                  <a:srgbClr val="000000"/>
-                </a:solidFill>
-                <a:latin typeface="Comic Sans MS" pitchFamily="66" charset="0"/>
-              </a:rPr>
-              <a:t>But </a:t>
+                  <a:srgbClr val="0000CC"/>
+                </a:solidFill>
+              </a:rPr>
+              <a:t>Nicole</a:t>
+            </a:r>
+            <a:r>
+              <a:rPr lang="en-US" sz="4000" dirty="0" smtClean="0"/>
+              <a:t> </a:t>
+            </a:r>
+            <a:r>
+              <a:rPr lang="en-US" sz="4000" dirty="0"/>
+              <a:t>i</a:t>
             </a:r>
             <a:r>
               <a:rPr lang="en-US" sz="4000" dirty="0">
-                <a:solidFill>
-                  <a:srgbClr val="000000"/>
-                </a:solidFill>
-                <a:latin typeface="Comic Sans MS" pitchFamily="66" charset="0"/>
-              </a:rPr>
-              <a:t>then </a:t>
+                <a:latin typeface="Comic Sans MS"/>
+                <a:cs typeface="Comic Sans MS"/>
+              </a:rPr>
+              <a:t>s</a:t>
             </a:r>
             <a:r>
               <a:rPr lang="en-US" sz="4000" dirty="0">
+                <a:latin typeface="Euclid Symbol" charset="2"/>
+                <a:cs typeface="Euclid Symbol" charset="2"/>
+              </a:rPr>
+              <a:t> </a:t>
+            </a:r>
+            <a:r>
+              <a:rPr lang="en-US" sz="4000" b="1" dirty="0">
+                <a:latin typeface="Euclid Symbol" charset="2"/>
+                <a:cs typeface="Euclid Symbol" charset="2"/>
+              </a:rPr>
+              <a:t>≥</a:t>
+            </a:r>
+            <a:r>
+              <a:rPr lang="en-US" sz="4000" dirty="0"/>
+              <a:t> optimal for </a:t>
+            </a:r>
+            <a:r>
+              <a:rPr lang="en-US" sz="4000" dirty="0">
+                <a:solidFill>
+                  <a:srgbClr val="9F009F"/>
+                </a:solidFill>
+              </a:rPr>
+              <a:t>Tom</a:t>
+            </a:r>
+          </a:p>
+          <a:p>
+            <a:pPr>
+              <a:buFont typeface="Arial" charset="0"/>
+              <a:buChar char="•"/>
+            </a:pPr>
+            <a:r>
+              <a:rPr lang="en-US" sz="4000" dirty="0" smtClean="0">
                 <a:solidFill>
                   <a:srgbClr val="0000CC"/>
                 </a:solidFill>
@@ -6275,13 +6953,31 @@
               <a:t>Nicole</a:t>
             </a:r>
             <a:r>
+              <a:rPr lang="en-US" sz="4000" dirty="0" smtClean="0">
+                <a:latin typeface="Comic Sans MS" pitchFamily="66" charset="0"/>
+              </a:rPr>
+              <a:t> </a:t>
+            </a:r>
+            <a:r>
               <a:rPr lang="en-US" sz="4000" dirty="0">
-                <a:solidFill>
-                  <a:srgbClr val="000000"/>
-                </a:solidFill>
-                <a:latin typeface="Comic Sans MS" pitchFamily="66" charset="0"/>
-              </a:rPr>
-              <a:t> &amp; </a:t>
+                <a:latin typeface="Comic Sans MS" pitchFamily="66" charset="0"/>
+              </a:rPr>
+              <a:t>prefers </a:t>
+            </a:r>
+            <a:r>
+              <a:rPr lang="en-US" sz="4000" dirty="0">
+                <a:solidFill>
+                  <a:srgbClr val="9F009F"/>
+                </a:solidFill>
+                <a:latin typeface="Comic Sans MS" pitchFamily="66" charset="0"/>
+              </a:rPr>
+              <a:t>Tom</a:t>
+            </a:r>
+            <a:r>
+              <a:rPr lang="en-US" sz="4000" dirty="0">
+                <a:latin typeface="Comic Sans MS" pitchFamily="66" charset="0"/>
+              </a:rPr>
+              <a:t> to </a:t>
             </a:r>
             <a:r>
               <a:rPr lang="en-US" sz="4000" dirty="0" smtClean="0">
@@ -6290,82 +6986,145 @@
                 </a:solidFill>
                 <a:latin typeface="Comic Sans MS" pitchFamily="66" charset="0"/>
               </a:rPr>
-              <a:t>Tom </a:t>
-            </a:r>
-            <a:r>
-              <a:rPr lang="en-US" sz="4000" dirty="0" smtClean="0">
-                <a:solidFill>
-                  <a:srgbClr val="000000"/>
-                </a:solidFill>
-                <a:latin typeface="Comic Sans MS" pitchFamily="66" charset="0"/>
-              </a:rPr>
-              <a:t>are</a:t>
-            </a:r>
-            <a:r>
-              <a:rPr lang="en-US" sz="4000" dirty="0" smtClean="0">
-                <a:solidFill>
-                  <a:srgbClr val="FF0000"/>
-                </a:solidFill>
-                <a:latin typeface="Comic Sans MS" pitchFamily="66" charset="0"/>
-              </a:rPr>
-              <a:t> </a:t>
-            </a:r>
-            <a:r>
-              <a:rPr lang="en-US" sz="4000" dirty="0" smtClean="0">
-                <a:solidFill>
-                  <a:srgbClr val="FF0000"/>
-                </a:solidFill>
-              </a:rPr>
-              <a:t>rogue</a:t>
-            </a:r>
-            <a:endParaRPr lang="en-US" sz="4000" dirty="0">
-              <a:solidFill>
-                <a:srgbClr val="FF0000"/>
-              </a:solidFill>
-            </a:endParaRPr>
-          </a:p>
+              <a:t>Keith</a:t>
+            </a:r>
+          </a:p>
+        </p:txBody>
+      </p:sp>
+      <p:sp>
+        <p:nvSpPr>
+          <p:cNvPr id="6" name="TextBox 5"/>
+          <p:cNvSpPr txBox="1">
+            <a:spLocks noChangeArrowheads="1"/>
+          </p:cNvSpPr>
+          <p:nvPr/>
+        </p:nvSpPr>
+        <p:spPr bwMode="auto">
+          <a:xfrm>
+            <a:off x="434910" y="2366102"/>
+            <a:ext cx="8393779" cy="3539430"/>
+          </a:xfrm>
+          <a:prstGeom prst="rect">
+            <a:avLst/>
+          </a:prstGeom>
+          <a:noFill/>
+          <a:ln w="9525">
+            <a:noFill/>
+            <a:miter lim="800000"/>
+            <a:headEnd/>
+            <a:tailEnd/>
+          </a:ln>
+        </p:spPr>
+        <p:txBody>
+          <a:bodyPr wrap="square">
+            <a:spAutoFit/>
+          </a:bodyPr>
+          <a:lstStyle/>
           <a:p>
             <a:pPr>
               <a:buNone/>
             </a:pPr>
             <a:r>
-              <a:rPr lang="en-US" sz="4000" dirty="0" smtClean="0">
-                <a:solidFill>
-                  <a:srgbClr val="000000"/>
-                </a:solidFill>
-                <a:latin typeface="Comic Sans MS" pitchFamily="66" charset="0"/>
-              </a:rPr>
-              <a:t>in that other set of marriages, </a:t>
-            </a:r>
-          </a:p>
-          <a:p>
-            <a:pPr algn="ctr">
+              <a:rPr lang="en-US" sz="4000" dirty="0" smtClean="0"/>
+              <a:t>So in any set of stable marriages</a:t>
+            </a:r>
+          </a:p>
+          <a:p>
+            <a:pPr>
               <a:buNone/>
             </a:pPr>
             <a:r>
+              <a:rPr lang="en-US" sz="4000" dirty="0" smtClean="0"/>
+              <a:t>with Nicole married to Keith,</a:t>
+            </a:r>
+          </a:p>
+          <a:p>
+            <a:pPr>
+              <a:buNone/>
+            </a:pPr>
+            <a:r>
               <a:rPr lang="en-US" sz="4000" dirty="0" smtClean="0">
-                <a:latin typeface="Comic Sans MS" pitchFamily="66" charset="0"/>
-              </a:rPr>
-              <a:t>contradicting</a:t>
+                <a:solidFill>
+                  <a:srgbClr val="9F009F"/>
+                </a:solidFill>
+                <a:latin typeface="Comic Sans MS" pitchFamily="66" charset="0"/>
+              </a:rPr>
+              <a:t>Nicole and Tom</a:t>
             </a:r>
             <a:r>
               <a:rPr lang="en-US" sz="4000" dirty="0" smtClean="0">
                 <a:solidFill>
+                  <a:srgbClr val="000000"/>
+                </a:solidFill>
+                <a:latin typeface="Comic Sans MS" pitchFamily="66" charset="0"/>
+              </a:rPr>
+              <a:t> would be </a:t>
+            </a:r>
+            <a:r>
+              <a:rPr lang="en-US" sz="4000" dirty="0" smtClean="0">
+                <a:solidFill>
                   <a:srgbClr val="FF0000"/>
                 </a:solidFill>
                 <a:latin typeface="Comic Sans MS" pitchFamily="66" charset="0"/>
               </a:rPr>
-              <a:t> </a:t>
-            </a:r>
-            <a:r>
-              <a:rPr lang="en-US" sz="4000" dirty="0">
+              <a:t>rogue</a:t>
+            </a:r>
+            <a:r>
+              <a:rPr lang="en-US" sz="4000" dirty="0" smtClean="0">
                 <a:solidFill>
                   <a:srgbClr val="000000"/>
                 </a:solidFill>
                 <a:latin typeface="Comic Sans MS" pitchFamily="66" charset="0"/>
               </a:rPr>
-              <a:t>stability.</a:t>
-            </a:r>
+              <a:t>.</a:t>
+            </a:r>
+          </a:p>
+          <a:p>
+            <a:pPr>
+              <a:buNone/>
+            </a:pPr>
+            <a:r>
+              <a:rPr lang="en-US" sz="4000" dirty="0" smtClean="0">
+                <a:solidFill>
+                  <a:srgbClr val="000000"/>
+                </a:solidFill>
+              </a:rPr>
+              <a:t>This </a:t>
+            </a:r>
+            <a:r>
+              <a:rPr lang="en-US" sz="4000" dirty="0" smtClean="0">
+                <a:solidFill>
+                  <a:srgbClr val="FF0000"/>
+                </a:solidFill>
+              </a:rPr>
+              <a:t>contradicts</a:t>
+            </a:r>
+            <a:r>
+              <a:rPr lang="en-US" sz="4000" dirty="0" smtClean="0">
+                <a:solidFill>
+                  <a:srgbClr val="000000"/>
+                </a:solidFill>
+              </a:rPr>
+              <a:t> the fact that </a:t>
+            </a:r>
+            <a:r>
+              <a:rPr lang="en-US" sz="4000" dirty="0" smtClean="0"/>
+              <a:t>Nicole is optimal for Keith</a:t>
+            </a:r>
+            <a:r>
+              <a:rPr lang="en-US" sz="4000" dirty="0" smtClean="0">
+                <a:solidFill>
+                  <a:srgbClr val="000000"/>
+                </a:solidFill>
+              </a:rPr>
+              <a:t>.</a:t>
+            </a:r>
+            <a:endParaRPr lang="en-US" sz="4000" dirty="0">
+              <a:solidFill>
+                <a:schemeClr val="tx2"/>
+              </a:solidFill>
+              <a:latin typeface="Comic Sans MS" pitchFamily="66" charset="0"/>
+            </a:endParaRPr>
           </a:p>
         </p:txBody>
       </p:sp>
@@ -6408,21 +7167,610 @@
     </p:spTree>
     <p:extLst>
       <p:ext uri="{BB962C8B-B14F-4D97-AF65-F5344CB8AC3E}">
-        <p14:creationId xmlns:p14="http://schemas.microsoft.com/office/powerpoint/2010/main" val="2478986804"/>
+        <p14:creationId xmlns:p14="http://schemas.microsoft.com/office/powerpoint/2010/main" val="3012500976"/>
       </p:ext>
     </p:extLst>
   </p:cSld>
   <p:clrMapOvr>
     <a:masterClrMapping/>
   </p:clrMapOvr>
-  <mc:AlternateContent xmlns:mc="http://schemas.openxmlformats.org/markup-compatibility/2006" xmlns:p14="http://schemas.microsoft.com/office/powerpoint/2010/main">
-    <mc:Choice Requires="p14">
-      <p:transition spd="med" p14:dur="600">
+  <p:transition xmlns:p14="http://schemas.microsoft.com/office/powerpoint/2010/main" spd="slow" advClick="0">
+    <p:fade/>
+  </p:transition>
+  <p:timing>
+    <p:tnLst>
+      <p:par>
+        <p:cTn xmlns:p14="http://schemas.microsoft.com/office/powerpoint/2010/main" id="1" dur="indefinite" restart="never" nodeType="tmRoot"/>
+      </p:par>
+    </p:tnLst>
+  </p:timing>
+</p:sld>
+</file>
+
+<file path=ppt/slides/slide17.xml><?xml version="1.0" encoding="utf-8"?>
+<p:sld xmlns:a="http://schemas.openxmlformats.org/drawingml/2006/main" xmlns:r="http://schemas.openxmlformats.org/officeDocument/2006/relationships" xmlns:p="http://schemas.openxmlformats.org/presentationml/2006/main" show="0">
+  <p:cSld>
+    <p:spTree>
+      <p:nvGrpSpPr>
+        <p:cNvPr id="1" name=""/>
+        <p:cNvGrpSpPr/>
+        <p:nvPr/>
+      </p:nvGrpSpPr>
+      <p:grpSpPr>
+        <a:xfrm>
+          <a:off x="0" y="0"/>
+          <a:ext cx="0" cy="0"/>
+          <a:chOff x="0" y="0"/>
+          <a:chExt cx="0" cy="0"/>
+        </a:xfrm>
+      </p:grpSpPr>
+      <p:sp>
+        <p:nvSpPr>
+          <p:cNvPr id="55298" name="Slide Number Placeholder 3"/>
+          <p:cNvSpPr>
+            <a:spLocks noGrp="1"/>
+          </p:cNvSpPr>
+          <p:nvPr>
+            <p:ph type="sldNum" sz="quarter" idx="10"/>
+          </p:nvPr>
+        </p:nvSpPr>
+        <p:spPr>
+          <a:noFill/>
+        </p:spPr>
+        <p:txBody>
+          <a:bodyPr/>
+          <a:lstStyle/>
+          <a:p>
+            <a:r>
+              <a:rPr lang="en-US" dirty="0" err="1" smtClean="0"/>
+              <a:t>lec</a:t>
+            </a:r>
+            <a:r>
+              <a:rPr lang="en-US" dirty="0" smtClean="0"/>
+              <a:t> 7F.</a:t>
+            </a:r>
+            <a:fld id="{6CCEBC7E-BB78-4935-B466-2CC68DADAB00}" type="slidenum">
+              <a:rPr lang="en-US" smtClean="0"/>
+              <a:pPr/>
+              <a:t>17</a:t>
+            </a:fld>
+            <a:endParaRPr lang="en-US" dirty="0" smtClean="0"/>
+          </a:p>
+        </p:txBody>
+      </p:sp>
+      <p:sp>
+        <p:nvSpPr>
+          <p:cNvPr id="55299" name="Rectangle 4"/>
+          <p:cNvSpPr>
+            <a:spLocks noChangeArrowheads="1"/>
+          </p:cNvSpPr>
+          <p:nvPr/>
+        </p:nvSpPr>
+        <p:spPr bwMode="auto">
+          <a:xfrm>
+            <a:off x="773130" y="826053"/>
+            <a:ext cx="7649855" cy="1446550"/>
+          </a:xfrm>
+          <a:prstGeom prst="rect">
+            <a:avLst/>
+          </a:prstGeom>
+          <a:noFill/>
+          <a:ln w="9525">
+            <a:noFill/>
+            <a:miter lim="800000"/>
+            <a:headEnd/>
+            <a:tailEnd/>
+          </a:ln>
+        </p:spPr>
+        <p:txBody>
+          <a:bodyPr wrap="square">
+            <a:spAutoFit/>
+          </a:bodyPr>
+          <a:lstStyle/>
+          <a:p>
+            <a:pPr>
+              <a:buFont typeface="Arial" charset="0"/>
+              <a:buChar char="•"/>
+            </a:pPr>
+            <a:r>
+              <a:rPr lang="en-US" sz="4000" dirty="0" smtClean="0">
+                <a:solidFill>
+                  <a:srgbClr val="0000CC"/>
+                </a:solidFill>
+              </a:rPr>
+              <a:t>Nicole</a:t>
+            </a:r>
+            <a:r>
+              <a:rPr lang="en-US" sz="4000" dirty="0" smtClean="0"/>
+              <a:t> </a:t>
+            </a:r>
+            <a:r>
+              <a:rPr lang="en-US" sz="4000" dirty="0"/>
+              <a:t>i</a:t>
+            </a:r>
+            <a:r>
+              <a:rPr lang="en-US" sz="4000" dirty="0">
+                <a:latin typeface="Comic Sans MS"/>
+                <a:cs typeface="Comic Sans MS"/>
+              </a:rPr>
+              <a:t>s</a:t>
+            </a:r>
+            <a:r>
+              <a:rPr lang="en-US" sz="4000" dirty="0">
+                <a:latin typeface="Euclid Symbol" charset="2"/>
+                <a:cs typeface="Euclid Symbol" charset="2"/>
+              </a:rPr>
+              <a:t> </a:t>
+            </a:r>
+            <a:r>
+              <a:rPr lang="en-US" sz="4000" b="1" dirty="0">
+                <a:latin typeface="Euclid Symbol" charset="2"/>
+                <a:cs typeface="Euclid Symbol" charset="2"/>
+              </a:rPr>
+              <a:t>≥</a:t>
+            </a:r>
+            <a:r>
+              <a:rPr lang="en-US" sz="4000" dirty="0"/>
+              <a:t> optimal for </a:t>
+            </a:r>
+            <a:r>
+              <a:rPr lang="en-US" sz="4000" dirty="0">
+                <a:solidFill>
+                  <a:srgbClr val="0000CC"/>
+                </a:solidFill>
+              </a:rPr>
+              <a:t>Tom</a:t>
+            </a:r>
+          </a:p>
+          <a:p>
+            <a:pPr>
+              <a:buFont typeface="Arial" charset="0"/>
+              <a:buChar char="•"/>
+            </a:pPr>
+            <a:r>
+              <a:rPr lang="en-US" sz="4000" dirty="0" smtClean="0">
+                <a:solidFill>
+                  <a:srgbClr val="0000CC"/>
+                </a:solidFill>
+                <a:latin typeface="Comic Sans MS" pitchFamily="66" charset="0"/>
+              </a:rPr>
+              <a:t>Nicole</a:t>
+            </a:r>
+            <a:r>
+              <a:rPr lang="en-US" sz="4000" dirty="0" smtClean="0">
+                <a:latin typeface="Comic Sans MS" pitchFamily="66" charset="0"/>
+              </a:rPr>
+              <a:t> </a:t>
+            </a:r>
+            <a:r>
+              <a:rPr lang="en-US" sz="4000" dirty="0">
+                <a:latin typeface="Comic Sans MS" pitchFamily="66" charset="0"/>
+              </a:rPr>
+              <a:t>prefers </a:t>
+            </a:r>
+            <a:r>
+              <a:rPr lang="en-US" sz="4000" dirty="0">
+                <a:solidFill>
+                  <a:srgbClr val="0000CC"/>
+                </a:solidFill>
+                <a:latin typeface="Comic Sans MS" pitchFamily="66" charset="0"/>
+              </a:rPr>
+              <a:t>Tom</a:t>
+            </a:r>
+            <a:r>
+              <a:rPr lang="en-US" sz="4000" dirty="0">
+                <a:latin typeface="Comic Sans MS" pitchFamily="66" charset="0"/>
+              </a:rPr>
+              <a:t> to </a:t>
+            </a:r>
+            <a:r>
+              <a:rPr lang="en-US" sz="4000" dirty="0" smtClean="0">
+                <a:solidFill>
+                  <a:srgbClr val="0000CC"/>
+                </a:solidFill>
+                <a:latin typeface="Comic Sans MS" pitchFamily="66" charset="0"/>
+              </a:rPr>
+              <a:t>Keith</a:t>
+            </a:r>
+          </a:p>
+        </p:txBody>
+      </p:sp>
+      <p:sp>
+        <p:nvSpPr>
+          <p:cNvPr id="6" name="TextBox 5"/>
+          <p:cNvSpPr txBox="1">
+            <a:spLocks noChangeArrowheads="1"/>
+          </p:cNvSpPr>
+          <p:nvPr/>
+        </p:nvSpPr>
+        <p:spPr bwMode="auto">
+          <a:xfrm>
+            <a:off x="434910" y="2366102"/>
+            <a:ext cx="8393779" cy="2185214"/>
+          </a:xfrm>
+          <a:prstGeom prst="rect">
+            <a:avLst/>
+          </a:prstGeom>
+          <a:noFill/>
+          <a:ln w="9525">
+            <a:noFill/>
+            <a:miter lim="800000"/>
+            <a:headEnd/>
+            <a:tailEnd/>
+          </a:ln>
+        </p:spPr>
+        <p:txBody>
+          <a:bodyPr wrap="square">
+            <a:spAutoFit/>
+          </a:bodyPr>
+          <a:lstStyle/>
+          <a:p>
+            <a:pPr>
+              <a:buNone/>
+            </a:pPr>
+            <a:r>
+              <a:rPr lang="en-US" sz="4000" dirty="0" smtClean="0">
+                <a:solidFill>
+                  <a:srgbClr val="000000"/>
+                </a:solidFill>
+              </a:rPr>
+              <a:t>But</a:t>
+            </a:r>
+            <a:r>
+              <a:rPr lang="en-US" sz="4000" dirty="0" smtClean="0">
+                <a:solidFill>
+                  <a:srgbClr val="0000CC"/>
+                </a:solidFill>
+              </a:rPr>
+              <a:t> Nicole</a:t>
+            </a:r>
+            <a:r>
+              <a:rPr lang="en-US" sz="4000" dirty="0" smtClean="0"/>
+              <a:t> </a:t>
+            </a:r>
+            <a:r>
+              <a:rPr lang="en-US" sz="4000" dirty="0"/>
+              <a:t>is optimal for </a:t>
+            </a:r>
+            <a:r>
+              <a:rPr lang="en-US" sz="4000" dirty="0" smtClean="0">
+                <a:solidFill>
+                  <a:srgbClr val="0000CC"/>
+                </a:solidFill>
+              </a:rPr>
+              <a:t>Keith</a:t>
+            </a:r>
+            <a:r>
+              <a:rPr lang="en-US" sz="4000" dirty="0" smtClean="0"/>
+              <a:t>, so</a:t>
+            </a:r>
+            <a:endParaRPr lang="en-US" sz="4000" dirty="0"/>
+          </a:p>
+          <a:p>
+            <a:pPr>
+              <a:buNone/>
+            </a:pPr>
+            <a:r>
+              <a:rPr lang="en-US" sz="4000" dirty="0"/>
+              <a:t>m</a:t>
+            </a:r>
+            <a:r>
+              <a:rPr lang="en-US" sz="4000" dirty="0" smtClean="0">
+                <a:latin typeface="Comic Sans MS" pitchFamily="66" charset="0"/>
+              </a:rPr>
+              <a:t>ust </a:t>
+            </a:r>
+            <a:r>
+              <a:rPr lang="en-US" sz="4000" dirty="0">
+                <a:latin typeface="Comic Sans MS" pitchFamily="66" charset="0"/>
+              </a:rPr>
+              <a:t>be </a:t>
+            </a:r>
+            <a:r>
+              <a:rPr lang="en-US" sz="4000" dirty="0" smtClean="0">
+                <a:solidFill>
+                  <a:srgbClr val="FF00FF"/>
+                </a:solidFill>
+                <a:latin typeface="Comic Sans MS" pitchFamily="66" charset="0"/>
+              </a:rPr>
+              <a:t>other</a:t>
+            </a:r>
+            <a:r>
+              <a:rPr lang="en-US" sz="4000" dirty="0" smtClean="0">
+                <a:solidFill>
+                  <a:srgbClr val="7030A0"/>
+                </a:solidFill>
+                <a:latin typeface="Comic Sans MS" pitchFamily="66" charset="0"/>
+              </a:rPr>
+              <a:t> </a:t>
+            </a:r>
+            <a:r>
+              <a:rPr lang="en-US" sz="4000" dirty="0" smtClean="0">
+                <a:solidFill>
+                  <a:srgbClr val="FF00FF"/>
+                </a:solidFill>
+                <a:latin typeface="Comic Sans MS" pitchFamily="66" charset="0"/>
+              </a:rPr>
+              <a:t>stable marriages</a:t>
+            </a:r>
+          </a:p>
+          <a:p>
+            <a:pPr>
+              <a:buNone/>
+            </a:pPr>
+            <a:r>
+              <a:rPr lang="en-US" sz="4000" dirty="0" smtClean="0">
+                <a:latin typeface="Comic Sans MS" pitchFamily="66" charset="0"/>
+              </a:rPr>
+              <a:t>with </a:t>
+            </a:r>
+            <a:r>
+              <a:rPr lang="en-US" sz="4000" dirty="0" smtClean="0">
+                <a:solidFill>
+                  <a:srgbClr val="0000CC"/>
+                </a:solidFill>
+                <a:latin typeface="Comic Sans MS" pitchFamily="66" charset="0"/>
+              </a:rPr>
+              <a:t>Keith</a:t>
+            </a:r>
+            <a:r>
+              <a:rPr lang="en-US" sz="4000" dirty="0" smtClean="0">
+                <a:solidFill>
+                  <a:srgbClr val="9F009F"/>
+                </a:solidFill>
+                <a:latin typeface="Comic Sans MS" pitchFamily="66" charset="0"/>
+              </a:rPr>
+              <a:t> </a:t>
+            </a:r>
+            <a:r>
+              <a:rPr lang="en-US" sz="4000" dirty="0" smtClean="0">
+                <a:solidFill>
+                  <a:srgbClr val="FF00FF"/>
+                </a:solidFill>
+                <a:latin typeface="Comic Sans MS" pitchFamily="66" charset="0"/>
+              </a:rPr>
+              <a:t>married to</a:t>
+            </a:r>
+            <a:r>
+              <a:rPr lang="en-US" sz="4000" dirty="0" smtClean="0">
+                <a:latin typeface="Comic Sans MS" pitchFamily="66" charset="0"/>
+              </a:rPr>
+              <a:t> </a:t>
+            </a:r>
+            <a:r>
+              <a:rPr lang="en-US" sz="4000" dirty="0" smtClean="0">
+                <a:solidFill>
+                  <a:srgbClr val="0000CC"/>
+                </a:solidFill>
+                <a:latin typeface="Comic Sans MS" pitchFamily="66" charset="0"/>
+              </a:rPr>
+              <a:t>Nicole</a:t>
+            </a:r>
+            <a:r>
+              <a:rPr lang="en-US" sz="4000" dirty="0" smtClean="0">
+                <a:latin typeface="Comic Sans MS" pitchFamily="66" charset="0"/>
+              </a:rPr>
+              <a:t>  </a:t>
+            </a:r>
+            <a:endParaRPr lang="en-US" sz="4000" dirty="0">
+              <a:solidFill>
+                <a:schemeClr val="tx2"/>
+              </a:solidFill>
+              <a:latin typeface="Comic Sans MS" pitchFamily="66" charset="0"/>
+            </a:endParaRPr>
+          </a:p>
+        </p:txBody>
+      </p:sp>
+      <p:sp>
+        <p:nvSpPr>
+          <p:cNvPr id="55302" name="Rectangle 2"/>
+          <p:cNvSpPr>
+            <a:spLocks noGrp="1" noChangeArrowheads="1"/>
+          </p:cNvSpPr>
+          <p:nvPr>
+            <p:ph type="title"/>
+          </p:nvPr>
+        </p:nvSpPr>
+        <p:spPr>
+          <a:xfrm>
+            <a:off x="2617788" y="0"/>
+            <a:ext cx="3929062" cy="1047750"/>
+          </a:xfrm>
+        </p:spPr>
+        <p:txBody>
+          <a:bodyPr/>
+          <a:lstStyle/>
+          <a:p>
+            <a:pPr eaLnBrk="1" hangingPunct="1"/>
+            <a:r>
+              <a:rPr lang="en-US" sz="4400" smtClean="0"/>
+              <a:t>Boy</a:t>
+            </a:r>
+            <a:r>
+              <a:rPr lang="en-US" sz="4400" smtClean="0">
+                <a:solidFill>
+                  <a:srgbClr val="008000"/>
+                </a:solidFill>
+              </a:rPr>
+              <a:t> Optimal</a:t>
+            </a:r>
+          </a:p>
+        </p:txBody>
+      </p:sp>
+      <p:sp>
+        <p:nvSpPr>
+          <p:cNvPr id="7" name="Rectangle 6"/>
+          <p:cNvSpPr>
+            <a:spLocks noChangeArrowheads="1"/>
+          </p:cNvSpPr>
+          <p:nvPr/>
+        </p:nvSpPr>
+        <p:spPr bwMode="auto">
+          <a:xfrm>
+            <a:off x="404019" y="4436278"/>
+            <a:ext cx="8412162" cy="2062103"/>
+          </a:xfrm>
+          <a:prstGeom prst="rect">
+            <a:avLst/>
+          </a:prstGeom>
+          <a:noFill/>
+          <a:ln w="9525">
+            <a:noFill/>
+            <a:miter lim="800000"/>
+            <a:headEnd/>
+            <a:tailEnd/>
+          </a:ln>
+        </p:spPr>
+        <p:txBody>
+          <a:bodyPr>
+            <a:spAutoFit/>
+          </a:bodyPr>
+          <a:lstStyle/>
+          <a:p>
+            <a:pPr>
+              <a:buNone/>
+            </a:pPr>
+            <a:r>
+              <a:rPr lang="en-US" sz="4000" dirty="0" smtClean="0">
+                <a:solidFill>
+                  <a:srgbClr val="000000"/>
+                </a:solidFill>
+                <a:latin typeface="Comic Sans MS" pitchFamily="66" charset="0"/>
+              </a:rPr>
+              <a:t>Now </a:t>
+            </a:r>
+            <a:r>
+              <a:rPr lang="en-US" sz="4000" dirty="0">
+                <a:solidFill>
+                  <a:srgbClr val="0000CC"/>
+                </a:solidFill>
+                <a:latin typeface="Comic Sans MS" pitchFamily="66" charset="0"/>
+              </a:rPr>
+              <a:t>Nicole</a:t>
+            </a:r>
+            <a:r>
+              <a:rPr lang="en-US" sz="4000" dirty="0">
+                <a:solidFill>
+                  <a:srgbClr val="000000"/>
+                </a:solidFill>
+                <a:latin typeface="Comic Sans MS" pitchFamily="66" charset="0"/>
+              </a:rPr>
+              <a:t> &amp; </a:t>
+            </a:r>
+            <a:r>
+              <a:rPr lang="en-US" sz="4000" dirty="0" smtClean="0">
+                <a:solidFill>
+                  <a:srgbClr val="0000CC"/>
+                </a:solidFill>
+                <a:latin typeface="Comic Sans MS" pitchFamily="66" charset="0"/>
+              </a:rPr>
+              <a:t>Tom </a:t>
+            </a:r>
+            <a:r>
+              <a:rPr lang="en-US" sz="4000" dirty="0" smtClean="0">
+                <a:solidFill>
+                  <a:srgbClr val="000000"/>
+                </a:solidFill>
+                <a:latin typeface="Comic Sans MS" pitchFamily="66" charset="0"/>
+              </a:rPr>
+              <a:t>are</a:t>
+            </a:r>
+            <a:r>
+              <a:rPr lang="en-US" sz="4000" dirty="0" smtClean="0">
+                <a:solidFill>
+                  <a:srgbClr val="FF0000"/>
+                </a:solidFill>
+                <a:latin typeface="Comic Sans MS" pitchFamily="66" charset="0"/>
+              </a:rPr>
+              <a:t> </a:t>
+            </a:r>
+            <a:r>
+              <a:rPr lang="en-US" sz="4000" dirty="0" smtClean="0">
+                <a:solidFill>
+                  <a:srgbClr val="FF0000"/>
+                </a:solidFill>
+              </a:rPr>
+              <a:t>rogue</a:t>
+            </a:r>
+            <a:r>
+              <a:rPr lang="en-US" sz="4000" dirty="0">
+                <a:solidFill>
+                  <a:srgbClr val="FF0000"/>
+                </a:solidFill>
+              </a:rPr>
+              <a:t> </a:t>
+            </a:r>
+            <a:r>
+              <a:rPr lang="en-US" sz="4000" dirty="0" smtClean="0">
+                <a:solidFill>
+                  <a:srgbClr val="000000"/>
+                </a:solidFill>
+                <a:latin typeface="Comic Sans MS" pitchFamily="66" charset="0"/>
+              </a:rPr>
+              <a:t>in this </a:t>
+            </a:r>
+            <a:r>
+              <a:rPr lang="en-US" sz="4000" dirty="0" smtClean="0">
+                <a:solidFill>
+                  <a:srgbClr val="000000"/>
+                </a:solidFill>
+                <a:latin typeface="Comic Sans MS" pitchFamily="66" charset="0"/>
+              </a:rPr>
+              <a:t>other set of marriages, </a:t>
+            </a:r>
+          </a:p>
+          <a:p>
+            <a:pPr algn="ctr">
+              <a:buNone/>
+            </a:pPr>
+            <a:r>
+              <a:rPr lang="en-US" sz="4000" dirty="0" smtClean="0">
+                <a:solidFill>
+                  <a:srgbClr val="FF0000"/>
+                </a:solidFill>
+                <a:latin typeface="Comic Sans MS" pitchFamily="66" charset="0"/>
+              </a:rPr>
+              <a:t>contradicting </a:t>
+            </a:r>
+            <a:r>
+              <a:rPr lang="en-US" sz="4000" dirty="0">
+                <a:solidFill>
+                  <a:srgbClr val="FF0000"/>
+                </a:solidFill>
+                <a:latin typeface="Comic Sans MS" pitchFamily="66" charset="0"/>
+              </a:rPr>
+              <a:t>stability</a:t>
+            </a:r>
+            <a:r>
+              <a:rPr lang="en-US" sz="4000" dirty="0">
+                <a:solidFill>
+                  <a:srgbClr val="000000"/>
+                </a:solidFill>
+                <a:latin typeface="Comic Sans MS" pitchFamily="66" charset="0"/>
+              </a:rPr>
+              <a:t>.</a:t>
+            </a:r>
+          </a:p>
+        </p:txBody>
+      </p:sp>
+    </p:spTree>
+    <p:extLst>
+      <p:ext uri="{BB962C8B-B14F-4D97-AF65-F5344CB8AC3E}">
+        <p14:creationId xmlns:p14="http://schemas.microsoft.com/office/powerpoint/2010/main" val="1121625621"/>
+      </p:ext>
+    </p:extLst>
+  </p:cSld>
+  <p:clrMapOvr>
+    <a:masterClrMapping/>
+  </p:clrMapOvr>
+  <mc:AlternateContent xmlns:mc="http://schemas.openxmlformats.org/markup-compatibility/2006">
+    <mc:Choice xmlns:p14="http://schemas.microsoft.com/office/powerpoint/2010/main" Requires="p14">
+      <p:transition spd="med" p14:dur="700" advClick="0">
         <p:fade/>
       </p:transition>
     </mc:Choice>
-    <mc:Fallback xmlns="">
-      <p:transition xmlns:p14="http://schemas.microsoft.com/office/powerpoint/2010/main" spd="med">
+    <mc:Fallback>
+      <p:transition xmlns:p14="http://schemas.microsoft.com/office/powerpoint/2010/main" spd="med" advClick="0">
         <p:fade/>
       </p:transition>
     </mc:Fallback>
@@ -6461,9 +7809,9 @@
                                           </p:stCondLst>
                                         </p:cTn>
                                         <p:tgtEl>
-                                          <p:spTgt spid="9">
+                                          <p:spTgt spid="7">
                                             <p:txEl>
-                                              <p:pRg st="2" end="2"/>
+                                              <p:pRg st="1" end="1"/>
                                             </p:txEl>
                                           </p:spTgt>
                                         </p:tgtEl>
@@ -6479,9 +7827,9 @@
                                       <p:cBhvr additive="base">
                                         <p:cTn id="7" dur="500" fill="hold"/>
                                         <p:tgtEl>
-                                          <p:spTgt spid="9">
+                                          <p:spTgt spid="7">
                                             <p:txEl>
-                                              <p:pRg st="2" end="2"/>
+                                              <p:pRg st="1" end="1"/>
                                             </p:txEl>
                                           </p:spTgt>
                                         </p:tgtEl>
@@ -6506,9 +7854,9 @@
                                       <p:cBhvr additive="base">
                                         <p:cTn id="8" dur="500" fill="hold"/>
                                         <p:tgtEl>
-                                          <p:spTgt spid="9">
+                                          <p:spTgt spid="7">
                                             <p:txEl>
-                                              <p:pRg st="2" end="2"/>
+                                              <p:pRg st="1" end="1"/>
                                             </p:txEl>
                                           </p:spTgt>
                                         </p:tgtEl>
@@ -6560,13 +7908,13 @@
       </p:par>
     </p:tnLst>
     <p:bldLst>
-      <p:bldP spid="9" grpId="0" uiExpand="1" build="p"/>
+      <p:bldP spid="7" grpId="0" build="p"/>
     </p:bldLst>
   </p:timing>
 </p:sld>
 </file>
 
-<file path=ppt/slides/slide15.xml><?xml version="1.0" encoding="utf-8"?>
+<file path=ppt/slides/slide18.xml><?xml version="1.0" encoding="utf-8"?>
 <p:sld xmlns:a="http://schemas.openxmlformats.org/drawingml/2006/main" xmlns:r="http://schemas.openxmlformats.org/officeDocument/2006/relationships" xmlns:p="http://schemas.openxmlformats.org/presentationml/2006/main">
   <p:cSld>
     <p:spTree>
@@ -6611,7 +7959,7 @@
             <a:fld id="{9C75F36C-0433-4F6B-BCAF-665E036C6B72}" type="slidenum">
               <a:rPr lang="en-US" smtClean="0"/>
               <a:pPr/>
-              <a:t>15</a:t>
+              <a:t>18</a:t>
             </a:fld>
             <a:endParaRPr lang="en-US" dirty="0" smtClean="0"/>
           </a:p>
@@ -6752,7 +8100,7 @@
   <p:clrMapOvr>
     <a:masterClrMapping/>
   </p:clrMapOvr>
-  <p:transition xmlns:p14="http://schemas.microsoft.com/office/powerpoint/2010/main" spd="slow">
+  <p:transition xmlns:p14="http://schemas.microsoft.com/office/powerpoint/2010/main" spd="slow" advClick="0">
     <p:fade thruBlk="1"/>
   </p:transition>
   <p:timing>
@@ -6765,7 +8113,7 @@
 </p:sld>
 </file>
 
-<file path=ppt/slides/slide16.xml><?xml version="1.0" encoding="utf-8"?>
+<file path=ppt/slides/slide19.xml><?xml version="1.0" encoding="utf-8"?>
 <p:sld xmlns:a="http://schemas.openxmlformats.org/drawingml/2006/main" xmlns:r="http://schemas.openxmlformats.org/officeDocument/2006/relationships" xmlns:p="http://schemas.openxmlformats.org/presentationml/2006/main">
   <p:cSld>
     <p:spTree>
@@ -7045,7 +8393,7 @@
             <a:fld id="{7BB76824-9F76-4ADE-AC6C-0508E1575FA2}" type="slidenum">
               <a:rPr lang="en-US" smtClean="0"/>
               <a:pPr/>
-              <a:t>16</a:t>
+              <a:t>19</a:t>
             </a:fld>
             <a:endParaRPr lang="en-US" dirty="0" smtClean="0"/>
           </a:p>
@@ -7109,9 +8457,18 @@
   <p:clrMapOvr>
     <a:masterClrMapping/>
   </p:clrMapOvr>
-  <p:transition xmlns:p14="http://schemas.microsoft.com/office/powerpoint/2010/main" spd="slow">
-    <p:fade thruBlk="1"/>
-  </p:transition>
+  <mc:AlternateContent xmlns:mc="http://schemas.openxmlformats.org/markup-compatibility/2006">
+    <mc:Choice xmlns:p14="http://schemas.microsoft.com/office/powerpoint/2010/main" Requires="p14">
+      <p:transition spd="med" p14:dur="700" advClick="0">
+        <p:fade/>
+      </p:transition>
+    </mc:Choice>
+    <mc:Fallback>
+      <p:transition xmlns:p14="http://schemas.microsoft.com/office/powerpoint/2010/main" spd="med" advClick="0">
+        <p:fade/>
+      </p:transition>
+    </mc:Fallback>
+  </mc:AlternateContent>
   <p:timing>
     <p:tnLst>
       <p:par>
@@ -7427,8 +8784,8 @@
         </p:nvSpPr>
         <p:spPr bwMode="auto">
           <a:xfrm>
-            <a:off x="658018" y="2866684"/>
-            <a:ext cx="7904163" cy="2287587"/>
+            <a:off x="658018" y="2831888"/>
+            <a:ext cx="7904163" cy="2603790"/>
           </a:xfrm>
           <a:prstGeom prst="rect">
             <a:avLst/>
@@ -7454,19 +8811,53 @@
               <a:rPr lang="en-US" sz="4800" dirty="0">
                 <a:latin typeface="Comic Sans MS" pitchFamily="66" charset="0"/>
               </a:rPr>
-              <a:t>Girls’ suitors get better, and </a:t>
+              <a:t>Girls’ suitors get better</a:t>
             </a:r>
             <a:r>
               <a:rPr lang="en-US" sz="4800" dirty="0" smtClean="0">
                 <a:latin typeface="Comic Sans MS" pitchFamily="66" charset="0"/>
               </a:rPr>
+              <a:t>,</a:t>
+            </a:r>
+          </a:p>
+          <a:p>
+            <a:pPr>
+              <a:buNone/>
+            </a:pPr>
+            <a:r>
+              <a:rPr lang="en-US" sz="4800" dirty="0" smtClean="0">
+                <a:latin typeface="Comic Sans MS" pitchFamily="66" charset="0"/>
+              </a:rPr>
+              <a:t>and </a:t>
+            </a:r>
+            <a:r>
+              <a:rPr lang="en-US" sz="4800" dirty="0" smtClean="0">
+                <a:latin typeface="Comic Sans MS" pitchFamily="66" charset="0"/>
+              </a:rPr>
               <a:t>boys’ </a:t>
             </a:r>
             <a:r>
               <a:rPr lang="en-US" sz="4800" dirty="0">
                 <a:latin typeface="Comic Sans MS" pitchFamily="66" charset="0"/>
               </a:rPr>
-              <a:t>sweethearts get worse, so girls do better?</a:t>
+              <a:t>sweethearts </a:t>
+            </a:r>
+            <a:r>
+              <a:rPr lang="en-US" sz="4800" dirty="0" smtClean="0">
+                <a:latin typeface="Comic Sans MS" pitchFamily="66" charset="0"/>
+              </a:rPr>
+              <a:t>get</a:t>
+            </a:r>
+          </a:p>
+          <a:p>
+            <a:pPr>
+              <a:buNone/>
+            </a:pPr>
+            <a:r>
+              <a:rPr lang="en-US" sz="4800" dirty="0" smtClean="0">
+                <a:latin typeface="Comic Sans MS" pitchFamily="66" charset="0"/>
+              </a:rPr>
+              <a:t>worse</a:t>
             </a:r>
             <a:endParaRPr lang="en-US" sz="4800" dirty="0">
               <a:solidFill>
@@ -7560,51 +8951,6 @@
       </p:sp>
       <p:sp>
         <p:nvSpPr>
-          <p:cNvPr id="425990" name="Rectangle 6"/>
-          <p:cNvSpPr>
-            <a:spLocks noChangeArrowheads="1"/>
-          </p:cNvSpPr>
-          <p:nvPr/>
-        </p:nvSpPr>
-        <p:spPr bwMode="auto">
-          <a:xfrm>
-            <a:off x="3637718" y="5110756"/>
-            <a:ext cx="1944763" cy="1446550"/>
-          </a:xfrm>
-          <a:prstGeom prst="rect">
-            <a:avLst/>
-          </a:prstGeom>
-          <a:noFill/>
-          <a:ln w="9525">
-            <a:noFill/>
-            <a:miter lim="800000"/>
-            <a:headEnd/>
-            <a:tailEnd type="none" w="lg" len="lg"/>
-          </a:ln>
-        </p:spPr>
-        <p:txBody>
-          <a:bodyPr wrap="none">
-            <a:spAutoFit/>
-          </a:bodyPr>
-          <a:lstStyle/>
-          <a:p>
-            <a:pPr>
-              <a:buNone/>
-            </a:pPr>
-            <a:r>
-              <a:rPr lang="en-US" sz="8800" dirty="0">
-                <a:solidFill>
-                  <a:schemeClr val="hlink"/>
-                </a:solidFill>
-                <a:latin typeface="Comic Sans MS" pitchFamily="66" charset="0"/>
-              </a:rPr>
-              <a:t>No!</a:t>
-            </a:r>
-          </a:p>
-        </p:txBody>
-      </p:sp>
-      <p:sp>
-        <p:nvSpPr>
           <p:cNvPr id="50182" name="Slide Number Placeholder 1"/>
           <p:cNvSpPr>
             <a:spLocks noGrp="1"/>
@@ -7647,7 +8993,7 @@
   <p:clrMapOvr>
     <a:masterClrMapping/>
   </p:clrMapOvr>
-  <p:transition xmlns:p14="http://schemas.microsoft.com/office/powerpoint/2010/main" spd="slow">
+  <p:transition xmlns:p14="http://schemas.microsoft.com/office/powerpoint/2010/main" spd="slow" advClick="0">
     <p:fade thruBlk="1"/>
   </p:transition>
   <p:timing>
@@ -7671,7 +9017,7 @@
                             </p:stCondLst>
                             <p:childTnLst>
                               <p:par>
-                                <p:cTn id="5" presetID="9" presetClass="entr" presetSubtype="0" fill="hold" grpId="0" nodeType="clickEffect">
+                                <p:cTn id="5" presetID="10" presetClass="entr" presetSubtype="0" fill="hold" grpId="0" nodeType="clickEffect">
                                   <p:stCondLst>
                                     <p:cond delay="0"/>
                                   </p:stCondLst>
@@ -7684,7 +9030,11 @@
                                           </p:stCondLst>
                                         </p:cTn>
                                         <p:tgtEl>
-                                          <p:spTgt spid="50179"/>
+                                          <p:spTgt spid="50179">
+                                            <p:txEl>
+                                              <p:pRg st="0" end="0"/>
+                                            </p:txEl>
+                                          </p:spTgt>
                                         </p:tgtEl>
                                         <p:attrNameLst>
                                           <p:attrName>style.visibility</p:attrName>
@@ -7694,11 +9044,15 @@
                                         <p:strVal val="visible"/>
                                       </p:to>
                                     </p:set>
-                                    <p:animEffect transition="in" filter="dissolve">
+                                    <p:animEffect transition="in" filter="fade">
                                       <p:cBhvr>
                                         <p:cTn id="7" dur="500"/>
                                         <p:tgtEl>
-                                          <p:spTgt spid="50179"/>
+                                          <p:spTgt spid="50179">
+                                            <p:txEl>
+                                              <p:pRg st="0" end="0"/>
+                                            </p:txEl>
+                                          </p:spTgt>
                                         </p:tgtEl>
                                       </p:cBhvr>
                                     </p:animEffect>
@@ -7724,7 +9078,7 @@
                             </p:stCondLst>
                             <p:childTnLst>
                               <p:par>
-                                <p:cTn id="10" presetID="26" presetClass="entr" presetSubtype="0" fill="hold" grpId="0" nodeType="clickEffect">
+                                <p:cTn id="10" presetID="10" presetClass="entr" presetSubtype="0" fill="hold" grpId="0" nodeType="clickEffect">
                                   <p:stCondLst>
                                     <p:cond delay="0"/>
                                   </p:stCondLst>
@@ -7732,6 +9086,459 @@
                                     <p:set>
                                       <p:cBhvr>
                                         <p:cTn id="11" dur="1" fill="hold">
+                                          <p:stCondLst>
+                                            <p:cond delay="0"/>
+                                          </p:stCondLst>
+                                        </p:cTn>
+                                        <p:tgtEl>
+                                          <p:spTgt spid="50179">
+                                            <p:txEl>
+                                              <p:pRg st="1" end="1"/>
+                                            </p:txEl>
+                                          </p:spTgt>
+                                        </p:tgtEl>
+                                        <p:attrNameLst>
+                                          <p:attrName>style.visibility</p:attrName>
+                                        </p:attrNameLst>
+                                      </p:cBhvr>
+                                      <p:to>
+                                        <p:strVal val="visible"/>
+                                      </p:to>
+                                    </p:set>
+                                    <p:animEffect transition="in" filter="fade">
+                                      <p:cBhvr>
+                                        <p:cTn id="12" dur="500"/>
+                                        <p:tgtEl>
+                                          <p:spTgt spid="50179">
+                                            <p:txEl>
+                                              <p:pRg st="1" end="1"/>
+                                            </p:txEl>
+                                          </p:spTgt>
+                                        </p:tgtEl>
+                                      </p:cBhvr>
+                                    </p:animEffect>
+                                  </p:childTnLst>
+                                </p:cTn>
+                              </p:par>
+                              <p:par>
+                                <p:cTn id="13" presetID="10" presetClass="entr" presetSubtype="0" fill="hold" grpId="0" nodeType="withEffect">
+                                  <p:stCondLst>
+                                    <p:cond delay="0"/>
+                                  </p:stCondLst>
+                                  <p:childTnLst>
+                                    <p:set>
+                                      <p:cBhvr>
+                                        <p:cTn id="14" dur="1" fill="hold">
+                                          <p:stCondLst>
+                                            <p:cond delay="0"/>
+                                          </p:stCondLst>
+                                        </p:cTn>
+                                        <p:tgtEl>
+                                          <p:spTgt spid="50179">
+                                            <p:txEl>
+                                              <p:pRg st="2" end="2"/>
+                                            </p:txEl>
+                                          </p:spTgt>
+                                        </p:tgtEl>
+                                        <p:attrNameLst>
+                                          <p:attrName>style.visibility</p:attrName>
+                                        </p:attrNameLst>
+                                      </p:cBhvr>
+                                      <p:to>
+                                        <p:strVal val="visible"/>
+                                      </p:to>
+                                    </p:set>
+                                    <p:animEffect transition="in" filter="fade">
+                                      <p:cBhvr>
+                                        <p:cTn id="15" dur="500"/>
+                                        <p:tgtEl>
+                                          <p:spTgt spid="50179">
+                                            <p:txEl>
+                                              <p:pRg st="2" end="2"/>
+                                            </p:txEl>
+                                          </p:spTgt>
+                                        </p:tgtEl>
+                                      </p:cBhvr>
+                                    </p:animEffect>
+                                  </p:childTnLst>
+                                </p:cTn>
+                              </p:par>
+                            </p:childTnLst>
+                          </p:cTn>
+                        </p:par>
+                      </p:childTnLst>
+                    </p:cTn>
+                  </p:par>
+                </p:childTnLst>
+              </p:cTn>
+              <p:prevCondLst>
+                <p:cond evt="onPrev" delay="0">
+                  <p:tgtEl>
+                    <p:sldTgt/>
+                  </p:tgtEl>
+                </p:cond>
+              </p:prevCondLst>
+              <p:nextCondLst>
+                <p:cond evt="onNext" delay="0">
+                  <p:tgtEl>
+                    <p:sldTgt/>
+                  </p:tgtEl>
+                </p:cond>
+              </p:nextCondLst>
+            </p:seq>
+          </p:childTnLst>
+        </p:cTn>
+      </p:par>
+    </p:tnLst>
+    <p:bldLst>
+      <p:bldP spid="50179" grpId="0" build="p"/>
+    </p:bldLst>
+  </p:timing>
+</p:sld>
+</file>
+
+<file path=ppt/slides/slide3.xml><?xml version="1.0" encoding="utf-8"?>
+<p:sld xmlns:a="http://schemas.openxmlformats.org/drawingml/2006/main" xmlns:r="http://schemas.openxmlformats.org/officeDocument/2006/relationships" xmlns:p="http://schemas.openxmlformats.org/presentationml/2006/main">
+  <p:cSld>
+    <p:spTree>
+      <p:nvGrpSpPr>
+        <p:cNvPr id="1" name=""/>
+        <p:cNvGrpSpPr/>
+        <p:nvPr/>
+      </p:nvGrpSpPr>
+      <p:grpSpPr>
+        <a:xfrm>
+          <a:off x="0" y="0"/>
+          <a:ext cx="0" cy="0"/>
+          <a:chOff x="0" y="0"/>
+          <a:chExt cx="0" cy="0"/>
+        </a:xfrm>
+      </p:grpSpPr>
+      <p:sp>
+        <p:nvSpPr>
+          <p:cNvPr id="50178" name="Rectangle 2"/>
+          <p:cNvSpPr>
+            <a:spLocks noGrp="1" noChangeArrowheads="1"/>
+          </p:cNvSpPr>
+          <p:nvPr>
+            <p:ph type="title"/>
+          </p:nvPr>
+        </p:nvSpPr>
+        <p:spPr/>
+        <p:txBody>
+          <a:bodyPr/>
+          <a:lstStyle/>
+          <a:p>
+            <a:pPr eaLnBrk="1" hangingPunct="1"/>
+            <a:r>
+              <a:rPr lang="en-US" sz="4000" smtClean="0"/>
+              <a:t>Mating Ritual</a:t>
+            </a:r>
+          </a:p>
+        </p:txBody>
+      </p:sp>
+      <p:sp>
+        <p:nvSpPr>
+          <p:cNvPr id="50179" name="Text Box 3"/>
+          <p:cNvSpPr txBox="1">
+            <a:spLocks noChangeArrowheads="1"/>
+          </p:cNvSpPr>
+          <p:nvPr/>
+        </p:nvSpPr>
+        <p:spPr bwMode="auto">
+          <a:xfrm>
+            <a:off x="658018" y="2831888"/>
+            <a:ext cx="7904163" cy="2603790"/>
+          </a:xfrm>
+          <a:prstGeom prst="rect">
+            <a:avLst/>
+          </a:prstGeom>
+          <a:noFill/>
+          <a:ln w="9525">
+            <a:noFill/>
+            <a:miter lim="800000"/>
+            <a:headEnd/>
+            <a:tailEnd type="none" w="lg" len="lg"/>
+          </a:ln>
+        </p:spPr>
+        <p:txBody>
+          <a:bodyPr>
+            <a:spAutoFit/>
+          </a:bodyPr>
+          <a:lstStyle/>
+          <a:p>
+            <a:pPr>
+              <a:buNone/>
+            </a:pPr>
+            <a:r>
+              <a:rPr lang="en-US" sz="4800" dirty="0">
+                <a:latin typeface="Comic Sans MS" pitchFamily="66" charset="0"/>
+              </a:rPr>
+              <a:t>Girls’ suitors get better</a:t>
+            </a:r>
+            <a:r>
+              <a:rPr lang="en-US" sz="4800" dirty="0" smtClean="0">
+                <a:latin typeface="Comic Sans MS" pitchFamily="66" charset="0"/>
+              </a:rPr>
+              <a:t>,</a:t>
+            </a:r>
+          </a:p>
+          <a:p>
+            <a:pPr>
+              <a:buNone/>
+            </a:pPr>
+            <a:r>
+              <a:rPr lang="en-US" sz="4800" dirty="0" smtClean="0">
+                <a:latin typeface="Comic Sans MS" pitchFamily="66" charset="0"/>
+              </a:rPr>
+              <a:t>and </a:t>
+            </a:r>
+            <a:r>
+              <a:rPr lang="en-US" sz="4800" dirty="0" smtClean="0">
+                <a:latin typeface="Comic Sans MS" pitchFamily="66" charset="0"/>
+              </a:rPr>
+              <a:t>boys’ </a:t>
+            </a:r>
+            <a:r>
+              <a:rPr lang="en-US" sz="4800" dirty="0">
+                <a:latin typeface="Comic Sans MS" pitchFamily="66" charset="0"/>
+              </a:rPr>
+              <a:t>sweethearts </a:t>
+            </a:r>
+            <a:r>
+              <a:rPr lang="en-US" sz="4800" dirty="0" smtClean="0">
+                <a:latin typeface="Comic Sans MS" pitchFamily="66" charset="0"/>
+              </a:rPr>
+              <a:t>get</a:t>
+            </a:r>
+          </a:p>
+          <a:p>
+            <a:pPr>
+              <a:buNone/>
+            </a:pPr>
+            <a:r>
+              <a:rPr lang="en-US" sz="4800" dirty="0" smtClean="0">
+                <a:latin typeface="Comic Sans MS" pitchFamily="66" charset="0"/>
+              </a:rPr>
+              <a:t>worse</a:t>
+            </a:r>
+            <a:r>
+              <a:rPr lang="en-US" sz="4800" dirty="0">
+                <a:latin typeface="Comic Sans MS" pitchFamily="66" charset="0"/>
+              </a:rPr>
+              <a:t>, so girls do better?</a:t>
+            </a:r>
+            <a:endParaRPr lang="en-US" sz="4800" dirty="0">
+              <a:solidFill>
+                <a:schemeClr val="hlink"/>
+              </a:solidFill>
+              <a:latin typeface="Comic Sans MS" pitchFamily="66" charset="0"/>
+            </a:endParaRPr>
+          </a:p>
+        </p:txBody>
+      </p:sp>
+      <p:sp>
+        <p:nvSpPr>
+          <p:cNvPr id="50180" name="Text Box 4"/>
+          <p:cNvSpPr txBox="1">
+            <a:spLocks noChangeArrowheads="1"/>
+          </p:cNvSpPr>
+          <p:nvPr/>
+        </p:nvSpPr>
+        <p:spPr bwMode="auto">
+          <a:xfrm>
+            <a:off x="1462480" y="1043180"/>
+            <a:ext cx="6271371" cy="1754326"/>
+          </a:xfrm>
+          <a:prstGeom prst="rect">
+            <a:avLst/>
+          </a:prstGeom>
+          <a:noFill/>
+          <a:ln w="9525">
+            <a:noFill/>
+            <a:miter lim="800000"/>
+            <a:headEnd/>
+            <a:tailEnd type="none" w="lg" len="lg"/>
+          </a:ln>
+        </p:spPr>
+        <p:txBody>
+          <a:bodyPr wrap="square">
+            <a:spAutoFit/>
+          </a:bodyPr>
+          <a:lstStyle/>
+          <a:p>
+            <a:pPr>
+              <a:spcBef>
+                <a:spcPts val="0"/>
+              </a:spcBef>
+              <a:buNone/>
+            </a:pPr>
+            <a:r>
+              <a:rPr lang="en-US" sz="5400" dirty="0">
+                <a:solidFill>
+                  <a:schemeClr val="accent1">
+                    <a:lumMod val="50000"/>
+                  </a:schemeClr>
+                </a:solidFill>
+                <a:latin typeface="Comic Sans MS" pitchFamily="66" charset="0"/>
+              </a:rPr>
+              <a:t>Who does </a:t>
+            </a:r>
+            <a:r>
+              <a:rPr lang="en-US" sz="5400" dirty="0" smtClean="0">
+                <a:solidFill>
+                  <a:schemeClr val="accent1">
+                    <a:lumMod val="50000"/>
+                  </a:schemeClr>
+                </a:solidFill>
+                <a:latin typeface="Comic Sans MS" pitchFamily="66" charset="0"/>
+              </a:rPr>
+              <a:t>better,</a:t>
+            </a:r>
+          </a:p>
+          <a:p>
+            <a:pPr>
+              <a:spcBef>
+                <a:spcPts val="0"/>
+              </a:spcBef>
+              <a:buNone/>
+            </a:pPr>
+            <a:r>
+              <a:rPr lang="en-US" sz="5400" dirty="0" smtClean="0">
+                <a:latin typeface="Comic Sans MS" pitchFamily="66" charset="0"/>
+              </a:rPr>
+              <a:t>boys </a:t>
+            </a:r>
+            <a:r>
+              <a:rPr lang="en-US" sz="5400" dirty="0">
+                <a:latin typeface="Comic Sans MS" pitchFamily="66" charset="0"/>
+              </a:rPr>
+              <a:t>or girls?</a:t>
+            </a:r>
+          </a:p>
+        </p:txBody>
+      </p:sp>
+      <p:sp>
+        <p:nvSpPr>
+          <p:cNvPr id="425990" name="Rectangle 6"/>
+          <p:cNvSpPr>
+            <a:spLocks noChangeArrowheads="1"/>
+          </p:cNvSpPr>
+          <p:nvPr/>
+        </p:nvSpPr>
+        <p:spPr bwMode="auto">
+          <a:xfrm>
+            <a:off x="3637718" y="5110756"/>
+            <a:ext cx="1944763" cy="1446550"/>
+          </a:xfrm>
+          <a:prstGeom prst="rect">
+            <a:avLst/>
+          </a:prstGeom>
+          <a:noFill/>
+          <a:ln w="9525">
+            <a:noFill/>
+            <a:miter lim="800000"/>
+            <a:headEnd/>
+            <a:tailEnd type="none" w="lg" len="lg"/>
+          </a:ln>
+        </p:spPr>
+        <p:txBody>
+          <a:bodyPr wrap="none">
+            <a:spAutoFit/>
+          </a:bodyPr>
+          <a:lstStyle/>
+          <a:p>
+            <a:pPr>
+              <a:buNone/>
+            </a:pPr>
+            <a:r>
+              <a:rPr lang="en-US" sz="8800" dirty="0">
+                <a:solidFill>
+                  <a:schemeClr val="hlink"/>
+                </a:solidFill>
+                <a:latin typeface="Comic Sans MS" pitchFamily="66" charset="0"/>
+              </a:rPr>
+              <a:t>No!</a:t>
+            </a:r>
+          </a:p>
+        </p:txBody>
+      </p:sp>
+      <p:sp>
+        <p:nvSpPr>
+          <p:cNvPr id="50182" name="Slide Number Placeholder 1"/>
+          <p:cNvSpPr>
+            <a:spLocks noGrp="1"/>
+          </p:cNvSpPr>
+          <p:nvPr>
+            <p:ph type="sldNum" sz="quarter" idx="10"/>
+          </p:nvPr>
+        </p:nvSpPr>
+        <p:spPr>
+          <a:noFill/>
+        </p:spPr>
+        <p:txBody>
+          <a:bodyPr/>
+          <a:lstStyle/>
+          <a:p>
+            <a:r>
+              <a:rPr lang="en-US" dirty="0" err="1" smtClean="0"/>
+              <a:t>lec</a:t>
+            </a:r>
+            <a:r>
+              <a:rPr lang="en-US" dirty="0" smtClean="0"/>
+              <a:t> 7F.</a:t>
+            </a:r>
+            <a:fld id="{87D09381-529C-4565-93CC-F0F84618B121}" type="slidenum">
+              <a:rPr lang="en-US" smtClean="0"/>
+              <a:pPr/>
+              <a:t>3</a:t>
+            </a:fld>
+            <a:endParaRPr lang="en-US" dirty="0" smtClean="0"/>
+          </a:p>
+        </p:txBody>
+      </p:sp>
+    </p:spTree>
+    <p:extLst>
+      <p:ext uri="{BB962C8B-B14F-4D97-AF65-F5344CB8AC3E}">
+        <p14:creationId xmlns:p14="http://schemas.microsoft.com/office/powerpoint/2010/main" val="115073462"/>
+      </p:ext>
+    </p:extLst>
+  </p:cSld>
+  <p:clrMapOvr>
+    <a:masterClrMapping/>
+  </p:clrMapOvr>
+  <p:transition xmlns:p14="http://schemas.microsoft.com/office/powerpoint/2010/main" advClick="0">
+    <p:fade/>
+  </p:transition>
+  <p:timing>
+    <p:tnLst>
+      <p:par>
+        <p:cTn xmlns:p14="http://schemas.microsoft.com/office/powerpoint/2010/main" id="1" dur="indefinite" restart="never" nodeType="tmRoot">
+          <p:childTnLst>
+            <p:seq concurrent="1" nextAc="seek">
+              <p:cTn id="2" dur="indefinite" nodeType="mainSeq">
+                <p:childTnLst>
+                  <p:par>
+                    <p:cTn id="3" fill="hold">
+                      <p:stCondLst>
+                        <p:cond delay="indefinite"/>
+                      </p:stCondLst>
+                      <p:childTnLst>
+                        <p:par>
+                          <p:cTn id="4" fill="hold">
+                            <p:stCondLst>
+                              <p:cond delay="0"/>
+                            </p:stCondLst>
+                            <p:childTnLst>
+                              <p:par>
+                                <p:cTn id="5" presetID="26" presetClass="entr" presetSubtype="0" fill="hold" grpId="0" nodeType="clickEffect">
+                                  <p:stCondLst>
+                                    <p:cond delay="0"/>
+                                  </p:stCondLst>
+                                  <p:childTnLst>
+                                    <p:set>
+                                      <p:cBhvr>
+                                        <p:cTn id="6" dur="1" fill="hold">
                                           <p:stCondLst>
                                             <p:cond delay="0"/>
                                           </p:stCondLst>
@@ -7749,7 +9556,7 @@
                                     </p:set>
                                     <p:animEffect transition="in" filter="wipe(down)">
                                       <p:cBhvr>
-                                        <p:cTn id="12" dur="290">
+                                        <p:cTn id="7" dur="290">
                                           <p:stCondLst>
                                             <p:cond delay="0"/>
                                           </p:stCondLst>
@@ -7761,7 +9568,7 @@
                                     </p:animEffect>
                                     <p:anim calcmode="lin" valueType="num">
                                       <p:cBhvr>
-                                        <p:cTn id="13" dur="911" tmFilter="0,0; 0.14,0.36; 0.43,0.73; 0.71,0.91; 1.0,1.0">
+                                        <p:cTn id="8" dur="911" tmFilter="0,0; 0.14,0.36; 0.43,0.73; 0.71,0.91; 1.0,1.0">
                                           <p:stCondLst>
                                             <p:cond delay="0"/>
                                           </p:stCondLst>
@@ -7788,7 +9595,7 @@
                                     </p:anim>
                                     <p:anim calcmode="lin" valueType="num">
                                       <p:cBhvr>
-                                        <p:cTn id="14" dur="332" tmFilter="0.0,0.0; 0.25,0.07; 0.50,0.2; 0.75,0.467; 1.0,1.0">
+                                        <p:cTn id="9" dur="332" tmFilter="0.0,0.0; 0.25,0.07; 0.50,0.2; 0.75,0.467; 1.0,1.0">
                                           <p:stCondLst>
                                             <p:cond delay="0"/>
                                           </p:stCondLst>
@@ -7815,7 +9622,7 @@
                                     </p:anim>
                                     <p:anim calcmode="lin" valueType="num">
                                       <p:cBhvr>
-                                        <p:cTn id="15" dur="332" tmFilter="0, 0; 0.125,0.2665; 0.25,0.4; 0.375,0.465; 0.5,0.5;  0.625,0.535; 0.75,0.6; 0.875,0.7335; 1,1">
+                                        <p:cTn id="10" dur="332" tmFilter="0, 0; 0.125,0.2665; 0.25,0.4; 0.375,0.465; 0.5,0.5;  0.625,0.535; 0.75,0.6; 0.875,0.7335; 1,1">
                                           <p:stCondLst>
                                             <p:cond delay="332"/>
                                           </p:stCondLst>
@@ -7842,7 +9649,7 @@
                                     </p:anim>
                                     <p:anim calcmode="lin" valueType="num">
                                       <p:cBhvr>
-                                        <p:cTn id="16" dur="166" tmFilter="0, 0; 0.125,0.2665; 0.25,0.4; 0.375,0.465; 0.5,0.5;  0.625,0.535; 0.75,0.6; 0.875,0.7335; 1,1">
+                                        <p:cTn id="11" dur="166" tmFilter="0, 0; 0.125,0.2665; 0.25,0.4; 0.375,0.465; 0.5,0.5;  0.625,0.535; 0.75,0.6; 0.875,0.7335; 1,1">
                                           <p:stCondLst>
                                             <p:cond delay="662"/>
                                           </p:stCondLst>
@@ -7869,7 +9676,7 @@
                                     </p:anim>
                                     <p:anim calcmode="lin" valueType="num">
                                       <p:cBhvr>
-                                        <p:cTn id="17" dur="82" tmFilter="0, 0; 0.125,0.2665; 0.25,0.4; 0.375,0.465; 0.5,0.5;  0.625,0.535; 0.75,0.6; 0.875,0.7335; 1,1">
+                                        <p:cTn id="12" dur="82" tmFilter="0, 0; 0.125,0.2665; 0.25,0.4; 0.375,0.465; 0.5,0.5;  0.625,0.535; 0.75,0.6; 0.875,0.7335; 1,1">
                                           <p:stCondLst>
                                             <p:cond delay="828"/>
                                           </p:stCondLst>
@@ -7896,7 +9703,7 @@
                                     </p:anim>
                                     <p:animScale>
                                       <p:cBhvr>
-                                        <p:cTn id="18" dur="13">
+                                        <p:cTn id="13" dur="13">
                                           <p:stCondLst>
                                             <p:cond delay="325"/>
                                           </p:stCondLst>
@@ -7909,7 +9716,7 @@
                                     </p:animScale>
                                     <p:animScale>
                                       <p:cBhvr>
-                                        <p:cTn id="19" dur="83" decel="50000">
+                                        <p:cTn id="14" dur="83" decel="50000">
                                           <p:stCondLst>
                                             <p:cond delay="338"/>
                                           </p:stCondLst>
@@ -7922,7 +9729,7 @@
                                     </p:animScale>
                                     <p:animScale>
                                       <p:cBhvr>
-                                        <p:cTn id="20" dur="13">
+                                        <p:cTn id="15" dur="13">
                                           <p:stCondLst>
                                             <p:cond delay="656"/>
                                           </p:stCondLst>
@@ -7935,7 +9742,7 @@
                                     </p:animScale>
                                     <p:animScale>
                                       <p:cBhvr>
-                                        <p:cTn id="21" dur="83" decel="50000">
+                                        <p:cTn id="16" dur="83" decel="50000">
                                           <p:stCondLst>
                                             <p:cond delay="669"/>
                                           </p:stCondLst>
@@ -7948,7 +9755,7 @@
                                     </p:animScale>
                                     <p:animScale>
                                       <p:cBhvr>
-                                        <p:cTn id="22" dur="13">
+                                        <p:cTn id="17" dur="13">
                                           <p:stCondLst>
                                             <p:cond delay="821"/>
                                           </p:stCondLst>
@@ -7961,7 +9768,7 @@
                                     </p:animScale>
                                     <p:animScale>
                                       <p:cBhvr>
-                                        <p:cTn id="23" dur="83" decel="50000">
+                                        <p:cTn id="18" dur="83" decel="50000">
                                           <p:stCondLst>
                                             <p:cond delay="834"/>
                                           </p:stCondLst>
@@ -7974,7 +9781,7 @@
                                     </p:animScale>
                                     <p:animScale>
                                       <p:cBhvr>
-                                        <p:cTn id="24" dur="13">
+                                        <p:cTn id="19" dur="13">
                                           <p:stCondLst>
                                             <p:cond delay="904"/>
                                           </p:stCondLst>
@@ -7987,7 +9794,7 @@
                                     </p:animScale>
                                     <p:animScale>
                                       <p:cBhvr>
-                                        <p:cTn id="25" dur="83" decel="50000">
+                                        <p:cTn id="20" dur="83" decel="50000">
                                           <p:stCondLst>
                                             <p:cond delay="917"/>
                                           </p:stCondLst>
@@ -8029,14 +9836,13 @@
       </p:par>
     </p:tnLst>
     <p:bldLst>
-      <p:bldP spid="50179" grpId="0"/>
       <p:bldP spid="425990" grpId="0" autoUpdateAnimBg="0"/>
     </p:bldLst>
   </p:timing>
 </p:sld>
 </file>
 
-<file path=ppt/slides/slide3.xml><?xml version="1.0" encoding="utf-8"?>
+<file path=ppt/slides/slide4.xml><?xml version="1.0" encoding="utf-8"?>
 <p:sld xmlns:a="http://schemas.openxmlformats.org/drawingml/2006/main" xmlns:r="http://schemas.openxmlformats.org/officeDocument/2006/relationships" xmlns:p="http://schemas.openxmlformats.org/presentationml/2006/main">
   <p:cSld>
     <p:spTree>
@@ -8100,6 +9906,184 @@
         <p:spPr bwMode="auto">
           <a:xfrm>
             <a:off x="487363" y="1552575"/>
+            <a:ext cx="8205787" cy="3785652"/>
+          </a:xfrm>
+          <a:prstGeom prst="rect">
+            <a:avLst/>
+          </a:prstGeom>
+          <a:noFill/>
+          <a:ln w="9525">
+            <a:noFill/>
+            <a:miter lim="800000"/>
+            <a:headEnd/>
+            <a:tailEnd type="none" w="lg" len="lg"/>
+          </a:ln>
+        </p:spPr>
+        <p:txBody>
+          <a:bodyPr>
+            <a:spAutoFit/>
+          </a:bodyPr>
+          <a:lstStyle/>
+          <a:p>
+            <a:pPr>
+              <a:buNone/>
+            </a:pPr>
+            <a:r>
+              <a:rPr lang="en-US" sz="6000" dirty="0" smtClean="0">
+                <a:latin typeface="Comic Sans MS" pitchFamily="66" charset="0"/>
+              </a:rPr>
+              <a:t>Nicole is </a:t>
+            </a:r>
+            <a:r>
+              <a:rPr lang="en-US" sz="6000" dirty="0" smtClean="0">
+                <a:solidFill>
+                  <a:srgbClr val="9F009F"/>
+                </a:solidFill>
+              </a:rPr>
+              <a:t>o</a:t>
+            </a:r>
+            <a:r>
+              <a:rPr lang="en-US" sz="6000" dirty="0" smtClean="0">
+                <a:solidFill>
+                  <a:srgbClr val="9F009F"/>
+                </a:solidFill>
+                <a:latin typeface="Comic Sans MS" pitchFamily="66" charset="0"/>
+              </a:rPr>
+              <a:t>ptimal </a:t>
+            </a:r>
+            <a:r>
+              <a:rPr lang="en-US" sz="6000" dirty="0" smtClean="0">
+                <a:latin typeface="Comic Sans MS" pitchFamily="66" charset="0"/>
+              </a:rPr>
+              <a:t>for Keith when she is the highest ranked girl he can stably marry.</a:t>
+            </a:r>
+            <a:endParaRPr lang="en-US" sz="6000" dirty="0">
+              <a:latin typeface="Comic Sans MS" pitchFamily="66" charset="0"/>
+            </a:endParaRPr>
+          </a:p>
+        </p:txBody>
+      </p:sp>
+      <p:sp>
+        <p:nvSpPr>
+          <p:cNvPr id="51204" name="Slide Number Placeholder 1"/>
+          <p:cNvSpPr>
+            <a:spLocks noGrp="1"/>
+          </p:cNvSpPr>
+          <p:nvPr>
+            <p:ph type="sldNum" sz="quarter" idx="10"/>
+          </p:nvPr>
+        </p:nvSpPr>
+        <p:spPr>
+          <a:noFill/>
+        </p:spPr>
+        <p:txBody>
+          <a:bodyPr/>
+          <a:lstStyle/>
+          <a:p>
+            <a:r>
+              <a:rPr lang="en-US" dirty="0" err="1" smtClean="0"/>
+              <a:t>lec</a:t>
+            </a:r>
+            <a:r>
+              <a:rPr lang="en-US" dirty="0" smtClean="0"/>
+              <a:t> 7F.</a:t>
+            </a:r>
+            <a:fld id="{98E15869-363D-4A6A-9DE4-BB4AE5BA2C11}" type="slidenum">
+              <a:rPr lang="en-US" smtClean="0"/>
+              <a:pPr/>
+              <a:t>4</a:t>
+            </a:fld>
+            <a:endParaRPr lang="en-US" dirty="0" smtClean="0"/>
+          </a:p>
+        </p:txBody>
+      </p:sp>
+    </p:spTree>
+    <p:extLst>
+      <p:ext uri="{BB962C8B-B14F-4D97-AF65-F5344CB8AC3E}">
+        <p14:creationId xmlns:p14="http://schemas.microsoft.com/office/powerpoint/2010/main" val="2354024820"/>
+      </p:ext>
+    </p:extLst>
+  </p:cSld>
+  <p:clrMapOvr>
+    <a:masterClrMapping/>
+  </p:clrMapOvr>
+  <p:transition xmlns:p14="http://schemas.microsoft.com/office/powerpoint/2010/main" spd="slow" advClick="0">
+    <p:fade thruBlk="1"/>
+  </p:transition>
+  <p:timing>
+    <p:tnLst>
+      <p:par>
+        <p:cTn xmlns:p14="http://schemas.microsoft.com/office/powerpoint/2010/main" id="1" dur="indefinite" restart="never" nodeType="tmRoot"/>
+      </p:par>
+    </p:tnLst>
+  </p:timing>
+</p:sld>
+</file>
+
+<file path=ppt/slides/slide5.xml><?xml version="1.0" encoding="utf-8"?>
+<p:sld xmlns:a="http://schemas.openxmlformats.org/drawingml/2006/main" xmlns:r="http://schemas.openxmlformats.org/officeDocument/2006/relationships" xmlns:p="http://schemas.openxmlformats.org/presentationml/2006/main">
+  <p:cSld>
+    <p:spTree>
+      <p:nvGrpSpPr>
+        <p:cNvPr id="1" name=""/>
+        <p:cNvGrpSpPr/>
+        <p:nvPr/>
+      </p:nvGrpSpPr>
+      <p:grpSpPr>
+        <a:xfrm>
+          <a:off x="0" y="0"/>
+          <a:ext cx="0" cy="0"/>
+          <a:chOff x="0" y="0"/>
+          <a:chExt cx="0" cy="0"/>
+        </a:xfrm>
+      </p:grpSpPr>
+      <p:sp>
+        <p:nvSpPr>
+          <p:cNvPr id="51202" name="Rectangle 2"/>
+          <p:cNvSpPr>
+            <a:spLocks noGrp="1" noChangeArrowheads="1"/>
+          </p:cNvSpPr>
+          <p:nvPr>
+            <p:ph type="title"/>
+          </p:nvPr>
+        </p:nvSpPr>
+        <p:spPr>
+          <a:xfrm>
+            <a:off x="2617788" y="0"/>
+            <a:ext cx="3929062" cy="1047750"/>
+          </a:xfrm>
+        </p:spPr>
+        <p:txBody>
+          <a:bodyPr/>
+          <a:lstStyle/>
+          <a:p>
+            <a:pPr eaLnBrk="1" hangingPunct="1"/>
+            <a:r>
+              <a:rPr lang="en-US" sz="4400" smtClean="0"/>
+              <a:t>Boy</a:t>
+            </a:r>
+            <a:r>
+              <a:rPr lang="en-US" sz="4400" smtClean="0">
+                <a:solidFill>
+                  <a:srgbClr val="008000"/>
+                </a:solidFill>
+              </a:rPr>
+              <a:t> Optimal</a:t>
+            </a:r>
+          </a:p>
+        </p:txBody>
+      </p:sp>
+      <p:sp>
+        <p:nvSpPr>
+          <p:cNvPr id="51203" name="Text Box 3"/>
+          <p:cNvSpPr txBox="1">
+            <a:spLocks noChangeArrowheads="1"/>
+          </p:cNvSpPr>
+          <p:nvPr/>
+        </p:nvSpPr>
+        <p:spPr bwMode="auto">
+          <a:xfrm>
+            <a:off x="487363" y="1552575"/>
             <a:ext cx="8205787" cy="3970318"/>
           </a:xfrm>
           <a:prstGeom prst="rect">
@@ -8215,7 +10199,7 @@
             <a:fld id="{98E15869-363D-4A6A-9DE4-BB4AE5BA2C11}" type="slidenum">
               <a:rPr lang="en-US" smtClean="0"/>
               <a:pPr/>
-              <a:t>3</a:t>
+              <a:t>5</a:t>
             </a:fld>
             <a:endParaRPr lang="en-US" dirty="0" smtClean="0"/>
           </a:p>
@@ -8231,9 +10215,18 @@
   <p:clrMapOvr>
     <a:masterClrMapping/>
   </p:clrMapOvr>
-  <p:transition xmlns:p14="http://schemas.microsoft.com/office/powerpoint/2010/main" spd="slow">
-    <p:fade thruBlk="1"/>
-  </p:transition>
+  <mc:AlternateContent xmlns:mc="http://schemas.openxmlformats.org/markup-compatibility/2006">
+    <mc:Choice xmlns:p14="http://schemas.microsoft.com/office/powerpoint/2010/main" Requires="p14">
+      <p:transition spd="med" p14:dur="700" advClick="0">
+        <p:fade/>
+      </p:transition>
+    </mc:Choice>
+    <mc:Fallback>
+      <p:transition xmlns:p14="http://schemas.microsoft.com/office/powerpoint/2010/main" spd="med" advClick="0">
+        <p:fade/>
+      </p:transition>
+    </mc:Fallback>
+  </mc:AlternateContent>
   <p:timing>
     <p:tnLst>
       <p:par>
@@ -8328,7 +10321,7 @@
 </p:sld>
 </file>
 
-<file path=ppt/slides/slide4.xml><?xml version="1.0" encoding="utf-8"?>
+<file path=ppt/slides/slide6.xml><?xml version="1.0" encoding="utf-8"?>
 <p:sld xmlns:a="http://schemas.openxmlformats.org/drawingml/2006/main" xmlns:r="http://schemas.openxmlformats.org/officeDocument/2006/relationships" xmlns:p="http://schemas.openxmlformats.org/presentationml/2006/main">
   <p:cSld>
     <p:spTree>
@@ -8347,7 +10340,125 @@
       </p:grpSpPr>
       <p:sp>
         <p:nvSpPr>
-          <p:cNvPr id="51202" name="Rectangle 2"/>
+          <p:cNvPr id="52226" name="Content Placeholder 2"/>
+          <p:cNvSpPr>
+            <a:spLocks noGrp="1"/>
+          </p:cNvSpPr>
+          <p:nvPr>
+            <p:ph idx="1"/>
+          </p:nvPr>
+        </p:nvSpPr>
+        <p:spPr>
+          <a:xfrm>
+            <a:off x="105841" y="1102395"/>
+            <a:ext cx="8881608" cy="4691794"/>
+          </a:xfrm>
+        </p:spPr>
+        <p:txBody>
+          <a:bodyPr/>
+          <a:lstStyle/>
+          <a:p>
+            <a:pPr>
+              <a:buFontTx/>
+              <a:buNone/>
+            </a:pPr>
+            <a:r>
+              <a:rPr lang="en-US" sz="4000" dirty="0" smtClean="0"/>
+              <a:t>Prove boy optimal by</a:t>
+            </a:r>
+            <a:r>
+              <a:rPr lang="en-US" sz="4000" dirty="0" smtClean="0">
+                <a:solidFill>
+                  <a:srgbClr val="0000CC"/>
+                </a:solidFill>
+              </a:rPr>
+              <a:t> </a:t>
+            </a:r>
+            <a:r>
+              <a:rPr lang="en-US" sz="4000" dirty="0" smtClean="0">
+                <a:solidFill>
+                  <a:srgbClr val="C00000"/>
+                </a:solidFill>
+              </a:rPr>
+              <a:t>contradiction</a:t>
+            </a:r>
+            <a:r>
+              <a:rPr lang="en-US" sz="4000" dirty="0" smtClean="0"/>
+              <a:t>:</a:t>
+            </a:r>
+          </a:p>
+          <a:p>
+            <a:pPr>
+              <a:buFontTx/>
+              <a:buNone/>
+            </a:pPr>
+            <a:r>
+              <a:rPr lang="en-US" sz="4400" dirty="0" smtClean="0"/>
+              <a:t>Suppose Keith does </a:t>
+            </a:r>
+            <a:r>
+              <a:rPr lang="en-US" sz="4400" dirty="0" smtClean="0">
+                <a:solidFill>
+                  <a:srgbClr val="FF0000"/>
+                </a:solidFill>
+              </a:rPr>
+              <a:t>not</a:t>
+            </a:r>
+            <a:r>
+              <a:rPr lang="en-US" sz="4400" dirty="0" smtClean="0"/>
+              <a:t> marry</a:t>
+            </a:r>
+          </a:p>
+          <a:p>
+            <a:pPr>
+              <a:buFontTx/>
+              <a:buNone/>
+            </a:pPr>
+            <a:r>
+              <a:rPr lang="en-US" sz="4400" dirty="0" smtClean="0"/>
+              <a:t>Nicole.</a:t>
+            </a:r>
+            <a:endParaRPr lang="en-US" sz="4000" dirty="0" smtClean="0"/>
+          </a:p>
+        </p:txBody>
+      </p:sp>
+      <p:sp>
+        <p:nvSpPr>
+          <p:cNvPr id="52227" name="Slide Number Placeholder 3"/>
+          <p:cNvSpPr>
+            <a:spLocks noGrp="1"/>
+          </p:cNvSpPr>
+          <p:nvPr>
+            <p:ph type="sldNum" sz="quarter" idx="10"/>
+          </p:nvPr>
+        </p:nvSpPr>
+        <p:spPr>
+          <a:noFill/>
+        </p:spPr>
+        <p:txBody>
+          <a:bodyPr/>
+          <a:lstStyle/>
+          <a:p>
+            <a:r>
+              <a:rPr lang="en-US" dirty="0" err="1" smtClean="0"/>
+              <a:t>lec</a:t>
+            </a:r>
+            <a:r>
+              <a:rPr lang="en-US" dirty="0" smtClean="0"/>
+              <a:t> 7F.</a:t>
+            </a:r>
+            <a:fld id="{65CBEB4F-F3B6-4041-8D9E-EBDA5BFD33E8}" type="slidenum">
+              <a:rPr lang="en-US" smtClean="0"/>
+              <a:pPr/>
+              <a:t>6</a:t>
+            </a:fld>
+            <a:endParaRPr lang="en-US" dirty="0" smtClean="0"/>
+          </a:p>
+        </p:txBody>
+      </p:sp>
+      <p:sp>
+        <p:nvSpPr>
+          <p:cNvPr id="52228" name="Rectangle 2"/>
           <p:cNvSpPr>
             <a:spLocks noGrp="1" noChangeArrowheads="1"/>
           </p:cNvSpPr>
@@ -8381,312 +10492,19 @@
           </a:p>
         </p:txBody>
       </p:sp>
-      <p:sp>
-        <p:nvSpPr>
-          <p:cNvPr id="51203" name="Text Box 3"/>
-          <p:cNvSpPr txBox="1">
-            <a:spLocks noChangeArrowheads="1"/>
-          </p:cNvSpPr>
-          <p:nvPr/>
-        </p:nvSpPr>
-        <p:spPr bwMode="auto">
-          <a:xfrm>
-            <a:off x="487363" y="1552575"/>
-            <a:ext cx="8205787" cy="3785652"/>
-          </a:xfrm>
-          <a:prstGeom prst="rect">
-            <a:avLst/>
-          </a:prstGeom>
-          <a:noFill/>
-          <a:ln w="9525">
-            <a:noFill/>
-            <a:miter lim="800000"/>
-            <a:headEnd/>
-            <a:tailEnd type="none" w="lg" len="lg"/>
-          </a:ln>
-        </p:spPr>
-        <p:txBody>
-          <a:bodyPr>
-            <a:spAutoFit/>
-          </a:bodyPr>
-          <a:lstStyle/>
-          <a:p>
-            <a:pPr>
-              <a:buNone/>
-            </a:pPr>
-            <a:r>
-              <a:rPr lang="en-US" sz="6000" dirty="0" smtClean="0">
-                <a:latin typeface="Comic Sans MS" pitchFamily="66" charset="0"/>
-              </a:rPr>
-              <a:t>Nicole is </a:t>
-            </a:r>
-            <a:r>
-              <a:rPr lang="en-US" sz="6000" dirty="0" smtClean="0">
-                <a:solidFill>
-                  <a:srgbClr val="9F009F"/>
-                </a:solidFill>
-              </a:rPr>
-              <a:t>o</a:t>
-            </a:r>
-            <a:r>
-              <a:rPr lang="en-US" sz="6000" dirty="0" smtClean="0">
-                <a:solidFill>
-                  <a:srgbClr val="9F009F"/>
-                </a:solidFill>
-                <a:latin typeface="Comic Sans MS" pitchFamily="66" charset="0"/>
-              </a:rPr>
-              <a:t>ptimal </a:t>
-            </a:r>
-            <a:r>
-              <a:rPr lang="en-US" sz="6000" dirty="0" smtClean="0">
-                <a:latin typeface="Comic Sans MS" pitchFamily="66" charset="0"/>
-              </a:rPr>
-              <a:t>for Keith when she is the highest ranked girl he can stably marry.</a:t>
-            </a:r>
-            <a:endParaRPr lang="en-US" sz="6000" dirty="0">
-              <a:latin typeface="Comic Sans MS" pitchFamily="66" charset="0"/>
-            </a:endParaRPr>
-          </a:p>
-        </p:txBody>
-      </p:sp>
-      <p:sp>
-        <p:nvSpPr>
-          <p:cNvPr id="51204" name="Slide Number Placeholder 1"/>
-          <p:cNvSpPr>
-            <a:spLocks noGrp="1"/>
-          </p:cNvSpPr>
-          <p:nvPr>
-            <p:ph type="sldNum" sz="quarter" idx="10"/>
-          </p:nvPr>
-        </p:nvSpPr>
-        <p:spPr>
-          <a:noFill/>
-        </p:spPr>
-        <p:txBody>
-          <a:bodyPr/>
-          <a:lstStyle/>
-          <a:p>
-            <a:r>
-              <a:rPr lang="en-US" dirty="0" err="1" smtClean="0"/>
-              <a:t>lec</a:t>
-            </a:r>
-            <a:r>
-              <a:rPr lang="en-US" dirty="0" smtClean="0"/>
-              <a:t> 7F.</a:t>
-            </a:r>
-            <a:fld id="{98E15869-363D-4A6A-9DE4-BB4AE5BA2C11}" type="slidenum">
-              <a:rPr lang="en-US" smtClean="0"/>
-              <a:pPr/>
-              <a:t>4</a:t>
-            </a:fld>
-            <a:endParaRPr lang="en-US" dirty="0" smtClean="0"/>
-          </a:p>
-        </p:txBody>
-      </p:sp>
     </p:spTree>
     <p:extLst>
       <p:ext uri="{BB962C8B-B14F-4D97-AF65-F5344CB8AC3E}">
-        <p14:creationId xmlns:p14="http://schemas.microsoft.com/office/powerpoint/2010/main" val="2354024820"/>
+        <p14:creationId xmlns:p14="http://schemas.microsoft.com/office/powerpoint/2010/main" val="1734527709"/>
       </p:ext>
     </p:extLst>
   </p:cSld>
   <p:clrMapOvr>
     <a:masterClrMapping/>
   </p:clrMapOvr>
-  <p:transition xmlns:p14="http://schemas.microsoft.com/office/powerpoint/2010/main">
-    <p:fade/>
+  <p:transition xmlns:p14="http://schemas.microsoft.com/office/powerpoint/2010/main" spd="slow" advClick="0">
+    <p:fade thruBlk="1"/>
   </p:transition>
-  <p:timing>
-    <p:tnLst>
-      <p:par>
-        <p:cTn xmlns:p14="http://schemas.microsoft.com/office/powerpoint/2010/main" id="1" dur="indefinite" restart="never" nodeType="tmRoot"/>
-      </p:par>
-    </p:tnLst>
-  </p:timing>
-</p:sld>
-</file>
-
-<file path=ppt/slides/slide5.xml><?xml version="1.0" encoding="utf-8"?>
-<p:sld xmlns:a="http://schemas.openxmlformats.org/drawingml/2006/main" xmlns:r="http://schemas.openxmlformats.org/officeDocument/2006/relationships" xmlns:p="http://schemas.openxmlformats.org/presentationml/2006/main">
-  <p:cSld>
-    <p:spTree>
-      <p:nvGrpSpPr>
-        <p:cNvPr id="1" name=""/>
-        <p:cNvGrpSpPr/>
-        <p:nvPr/>
-      </p:nvGrpSpPr>
-      <p:grpSpPr>
-        <a:xfrm>
-          <a:off x="0" y="0"/>
-          <a:ext cx="0" cy="0"/>
-          <a:chOff x="0" y="0"/>
-          <a:chExt cx="0" cy="0"/>
-        </a:xfrm>
-      </p:grpSpPr>
-      <p:sp>
-        <p:nvSpPr>
-          <p:cNvPr id="52226" name="Content Placeholder 2"/>
-          <p:cNvSpPr>
-            <a:spLocks noGrp="1"/>
-          </p:cNvSpPr>
-          <p:nvPr>
-            <p:ph idx="1"/>
-          </p:nvPr>
-        </p:nvSpPr>
-        <p:spPr>
-          <a:xfrm>
-            <a:off x="105841" y="1102395"/>
-            <a:ext cx="8881608" cy="4691794"/>
-          </a:xfrm>
-        </p:spPr>
-        <p:txBody>
-          <a:bodyPr/>
-          <a:lstStyle/>
-          <a:p>
-            <a:pPr>
-              <a:buFontTx/>
-              <a:buNone/>
-            </a:pPr>
-            <a:r>
-              <a:rPr lang="en-US" sz="4000" dirty="0" smtClean="0"/>
-              <a:t>Prove boy optimal by</a:t>
-            </a:r>
-            <a:r>
-              <a:rPr lang="en-US" sz="4000" dirty="0" smtClean="0">
-                <a:solidFill>
-                  <a:srgbClr val="0000CC"/>
-                </a:solidFill>
-              </a:rPr>
-              <a:t> </a:t>
-            </a:r>
-            <a:r>
-              <a:rPr lang="en-US" sz="4000" dirty="0" smtClean="0">
-                <a:solidFill>
-                  <a:srgbClr val="C00000"/>
-                </a:solidFill>
-              </a:rPr>
-              <a:t>contradiction</a:t>
-            </a:r>
-            <a:r>
-              <a:rPr lang="en-US" sz="4000" dirty="0" smtClean="0"/>
-              <a:t>:</a:t>
-            </a:r>
-          </a:p>
-          <a:p>
-            <a:pPr>
-              <a:buFontTx/>
-              <a:buNone/>
-            </a:pPr>
-            <a:r>
-              <a:rPr lang="en-US" sz="4400" dirty="0" smtClean="0"/>
-              <a:t>Suppose Keith does not marry</a:t>
-            </a:r>
-          </a:p>
-          <a:p>
-            <a:pPr>
-              <a:buFontTx/>
-              <a:buNone/>
-            </a:pPr>
-            <a:r>
-              <a:rPr lang="en-US" sz="4400" dirty="0" smtClean="0"/>
-              <a:t>Nicole.</a:t>
-            </a:r>
-            <a:endParaRPr lang="en-US" sz="4000" dirty="0" smtClean="0"/>
-          </a:p>
-        </p:txBody>
-      </p:sp>
-      <p:sp>
-        <p:nvSpPr>
-          <p:cNvPr id="52227" name="Slide Number Placeholder 3"/>
-          <p:cNvSpPr>
-            <a:spLocks noGrp="1"/>
-          </p:cNvSpPr>
-          <p:nvPr>
-            <p:ph type="sldNum" sz="quarter" idx="10"/>
-          </p:nvPr>
-        </p:nvSpPr>
-        <p:spPr>
-          <a:noFill/>
-        </p:spPr>
-        <p:txBody>
-          <a:bodyPr/>
-          <a:lstStyle/>
-          <a:p>
-            <a:r>
-              <a:rPr lang="en-US" dirty="0" err="1" smtClean="0"/>
-              <a:t>lec</a:t>
-            </a:r>
-            <a:r>
-              <a:rPr lang="en-US" dirty="0" smtClean="0"/>
-              <a:t> 7F.</a:t>
-            </a:r>
-            <a:fld id="{65CBEB4F-F3B6-4041-8D9E-EBDA5BFD33E8}" type="slidenum">
-              <a:rPr lang="en-US" smtClean="0"/>
-              <a:pPr/>
-              <a:t>5</a:t>
-            </a:fld>
-            <a:endParaRPr lang="en-US" dirty="0" smtClean="0"/>
-          </a:p>
-        </p:txBody>
-      </p:sp>
-      <p:sp>
-        <p:nvSpPr>
-          <p:cNvPr id="52228" name="Rectangle 2"/>
-          <p:cNvSpPr>
-            <a:spLocks noGrp="1" noChangeArrowheads="1"/>
-          </p:cNvSpPr>
-          <p:nvPr>
-            <p:ph type="title"/>
-          </p:nvPr>
-        </p:nvSpPr>
-        <p:spPr>
-          <a:xfrm>
-            <a:off x="2617788" y="0"/>
-            <a:ext cx="3929062" cy="1047750"/>
-          </a:xfrm>
-        </p:spPr>
-        <p:txBody>
-          <a:bodyPr/>
-          <a:lstStyle/>
-          <a:p>
-            <a:pPr eaLnBrk="1" hangingPunct="1"/>
-            <a:r>
-              <a:rPr lang="en-US" sz="4400" smtClean="0"/>
-              <a:t>Boy</a:t>
-            </a:r>
-            <a:r>
-              <a:rPr lang="en-US" sz="4400" smtClean="0">
-                <a:solidFill>
-                  <a:srgbClr val="008000"/>
-                </a:solidFill>
-              </a:rPr>
-              <a:t> Optimal</a:t>
-            </a:r>
-          </a:p>
-        </p:txBody>
-      </p:sp>
-    </p:spTree>
-    <p:extLst>
-      <p:ext uri="{BB962C8B-B14F-4D97-AF65-F5344CB8AC3E}">
-        <p14:creationId xmlns:p14="http://schemas.microsoft.com/office/powerpoint/2010/main" val="3698005876"/>
-      </p:ext>
-    </p:extLst>
-  </p:cSld>
-  <p:clrMapOvr>
-    <a:masterClrMapping/>
-  </p:clrMapOvr>
-  <mc:AlternateContent xmlns:mc="http://schemas.openxmlformats.org/markup-compatibility/2006" xmlns:p14="http://schemas.microsoft.com/office/powerpoint/2010/main">
-    <mc:Choice Requires="p14">
-      <p:transition spd="med" p14:dur="700">
-        <p:fade/>
-      </p:transition>
-    </mc:Choice>
-    <mc:Fallback xmlns="">
-      <p:transition xmlns:p14="http://schemas.microsoft.com/office/powerpoint/2010/main" spd="med">
-        <p:fade/>
-      </p:transition>
-    </mc:Fallback>
-  </mc:AlternateContent>
   <p:timing>
     <p:tnLst>
       <p:par>
@@ -8827,217 +10645,6 @@
 </p:sld>
 </file>
 
-<file path=ppt/slides/slide6.xml><?xml version="1.0" encoding="utf-8"?>
-<p:sld xmlns:a="http://schemas.openxmlformats.org/drawingml/2006/main" xmlns:r="http://schemas.openxmlformats.org/officeDocument/2006/relationships" xmlns:p="http://schemas.openxmlformats.org/presentationml/2006/main">
-  <p:cSld>
-    <p:spTree>
-      <p:nvGrpSpPr>
-        <p:cNvPr id="1" name=""/>
-        <p:cNvGrpSpPr/>
-        <p:nvPr/>
-      </p:nvGrpSpPr>
-      <p:grpSpPr>
-        <a:xfrm>
-          <a:off x="0" y="0"/>
-          <a:ext cx="0" cy="0"/>
-          <a:chOff x="0" y="0"/>
-          <a:chExt cx="0" cy="0"/>
-        </a:xfrm>
-      </p:grpSpPr>
-      <p:sp>
-        <p:nvSpPr>
-          <p:cNvPr id="52226" name="Content Placeholder 2"/>
-          <p:cNvSpPr>
-            <a:spLocks noGrp="1"/>
-          </p:cNvSpPr>
-          <p:nvPr>
-            <p:ph idx="1"/>
-          </p:nvPr>
-        </p:nvSpPr>
-        <p:spPr>
-          <a:xfrm>
-            <a:off x="105841" y="1102395"/>
-            <a:ext cx="8881608" cy="4691794"/>
-          </a:xfrm>
-        </p:spPr>
-        <p:txBody>
-          <a:bodyPr/>
-          <a:lstStyle/>
-          <a:p>
-            <a:pPr>
-              <a:buFontTx/>
-              <a:buNone/>
-            </a:pPr>
-            <a:r>
-              <a:rPr lang="en-US" sz="4000" dirty="0" smtClean="0"/>
-              <a:t>Prove boy optimal by</a:t>
-            </a:r>
-            <a:r>
-              <a:rPr lang="en-US" sz="4000" dirty="0" smtClean="0">
-                <a:solidFill>
-                  <a:srgbClr val="0000CC"/>
-                </a:solidFill>
-              </a:rPr>
-              <a:t> </a:t>
-            </a:r>
-            <a:r>
-              <a:rPr lang="en-US" sz="4000" dirty="0" smtClean="0">
-                <a:solidFill>
-                  <a:srgbClr val="C00000"/>
-                </a:solidFill>
-              </a:rPr>
-              <a:t>contradiction</a:t>
-            </a:r>
-            <a:r>
-              <a:rPr lang="en-US" sz="4000" dirty="0" smtClean="0"/>
-              <a:t>:</a:t>
-            </a:r>
-          </a:p>
-          <a:p>
-            <a:pPr>
-              <a:buFontTx/>
-              <a:buNone/>
-            </a:pPr>
-            <a:r>
-              <a:rPr lang="en-US" sz="4400" dirty="0" smtClean="0"/>
-              <a:t>Suppose Keith does not marry</a:t>
-            </a:r>
-          </a:p>
-          <a:p>
-            <a:pPr>
-              <a:buFontTx/>
-              <a:buNone/>
-            </a:pPr>
-            <a:r>
-              <a:rPr lang="en-US" sz="4400" dirty="0" smtClean="0"/>
-              <a:t>Nicole.  So he must have crossed </a:t>
-            </a:r>
-          </a:p>
-          <a:p>
-            <a:pPr>
-              <a:buFontTx/>
-              <a:buNone/>
-            </a:pPr>
-            <a:r>
-              <a:rPr lang="en-US" sz="4400" dirty="0" smtClean="0"/>
-              <a:t>off Nicole on some earlier  “bad” </a:t>
-            </a:r>
-          </a:p>
-          <a:p>
-            <a:pPr>
-              <a:buFontTx/>
-              <a:buNone/>
-            </a:pPr>
-            <a:r>
-              <a:rPr lang="en-US" sz="4400" dirty="0" smtClean="0"/>
-              <a:t>day.</a:t>
-            </a:r>
-            <a:endParaRPr lang="en-US" sz="4000" dirty="0" smtClean="0"/>
-          </a:p>
-        </p:txBody>
-      </p:sp>
-      <p:sp>
-        <p:nvSpPr>
-          <p:cNvPr id="52227" name="Slide Number Placeholder 3"/>
-          <p:cNvSpPr>
-            <a:spLocks noGrp="1"/>
-          </p:cNvSpPr>
-          <p:nvPr>
-            <p:ph type="sldNum" sz="quarter" idx="10"/>
-          </p:nvPr>
-        </p:nvSpPr>
-        <p:spPr>
-          <a:noFill/>
-        </p:spPr>
-        <p:txBody>
-          <a:bodyPr/>
-          <a:lstStyle/>
-          <a:p>
-            <a:r>
-              <a:rPr lang="en-US" dirty="0" err="1" smtClean="0"/>
-              <a:t>lec</a:t>
-            </a:r>
-            <a:r>
-              <a:rPr lang="en-US" dirty="0" smtClean="0"/>
-              <a:t> 7F.</a:t>
-            </a:r>
-            <a:fld id="{65CBEB4F-F3B6-4041-8D9E-EBDA5BFD33E8}" type="slidenum">
-              <a:rPr lang="en-US" smtClean="0"/>
-              <a:pPr/>
-              <a:t>6</a:t>
-            </a:fld>
-            <a:endParaRPr lang="en-US" dirty="0" smtClean="0"/>
-          </a:p>
-        </p:txBody>
-      </p:sp>
-      <p:sp>
-        <p:nvSpPr>
-          <p:cNvPr id="52228" name="Rectangle 2"/>
-          <p:cNvSpPr>
-            <a:spLocks noGrp="1" noChangeArrowheads="1"/>
-          </p:cNvSpPr>
-          <p:nvPr>
-            <p:ph type="title"/>
-          </p:nvPr>
-        </p:nvSpPr>
-        <p:spPr>
-          <a:xfrm>
-            <a:off x="2617788" y="0"/>
-            <a:ext cx="3929062" cy="1047750"/>
-          </a:xfrm>
-        </p:spPr>
-        <p:txBody>
-          <a:bodyPr/>
-          <a:lstStyle/>
-          <a:p>
-            <a:pPr eaLnBrk="1" hangingPunct="1"/>
-            <a:r>
-              <a:rPr lang="en-US" sz="4400" smtClean="0"/>
-              <a:t>Boy</a:t>
-            </a:r>
-            <a:r>
-              <a:rPr lang="en-US" sz="4400" smtClean="0">
-                <a:solidFill>
-                  <a:srgbClr val="008000"/>
-                </a:solidFill>
-              </a:rPr>
-              <a:t> Optimal</a:t>
-            </a:r>
-          </a:p>
-        </p:txBody>
-      </p:sp>
-    </p:spTree>
-    <p:extLst>
-      <p:ext uri="{BB962C8B-B14F-4D97-AF65-F5344CB8AC3E}">
-        <p14:creationId xmlns:p14="http://schemas.microsoft.com/office/powerpoint/2010/main" val="25955898"/>
-      </p:ext>
-    </p:extLst>
-  </p:cSld>
-  <p:clrMapOvr>
-    <a:masterClrMapping/>
-  </p:clrMapOvr>
-  <mc:AlternateContent xmlns:mc="http://schemas.openxmlformats.org/markup-compatibility/2006" xmlns:p14="http://schemas.microsoft.com/office/powerpoint/2010/main">
-    <mc:Choice Requires="p14">
-      <p:transition spd="med" p14:dur="700">
-        <p:fade/>
-      </p:transition>
-    </mc:Choice>
-    <mc:Fallback xmlns="">
-      <p:transition xmlns:p14="http://schemas.microsoft.com/office/powerpoint/2010/main" spd="med">
-        <p:fade/>
-      </p:transition>
-    </mc:Fallback>
-  </mc:AlternateContent>
-  <p:timing>
-    <p:tnLst>
-      <p:par>
-        <p:cTn xmlns:p14="http://schemas.microsoft.com/office/powerpoint/2010/main" id="1" dur="indefinite" restart="never" nodeType="tmRoot"/>
-      </p:par>
-    </p:tnLst>
-  </p:timing>
-</p:sld>
-</file>
-
 <file path=ppt/slides/slide7.xml><?xml version="1.0" encoding="utf-8"?>
 <p:sld xmlns:a="http://schemas.openxmlformats.org/drawingml/2006/main" xmlns:r="http://schemas.openxmlformats.org/officeDocument/2006/relationships" xmlns:p="http://schemas.openxmlformats.org/presentationml/2006/main">
   <p:cSld>
@@ -9067,8 +10674,8 @@
         </p:nvSpPr>
         <p:spPr>
           <a:xfrm>
-            <a:off x="105840" y="1102395"/>
-            <a:ext cx="8952165" cy="4903454"/>
+            <a:off x="105841" y="1102395"/>
+            <a:ext cx="8881608" cy="4691794"/>
           </a:xfrm>
         </p:spPr>
         <p:txBody>
@@ -9141,17 +10748,7 @@
             </a:pPr>
             <a:r>
               <a:rPr lang="en-US" sz="4400" dirty="0" smtClean="0"/>
-              <a:t>day.  Assume Keith had the </a:t>
-            </a:r>
-          </a:p>
-          <a:p>
-            <a:pPr>
-              <a:buFontTx/>
-              <a:buNone/>
-            </a:pPr>
-            <a:r>
-              <a:rPr lang="en-US" sz="4400" dirty="0" smtClean="0"/>
-              <a:t>earliest bad day.</a:t>
+              <a:t>day.</a:t>
             </a:r>
             <a:endParaRPr lang="en-US" sz="4000" dirty="0" smtClean="0"/>
           </a:p>
@@ -9230,21 +10827,21 @@
     </p:spTree>
     <p:extLst>
       <p:ext uri="{BB962C8B-B14F-4D97-AF65-F5344CB8AC3E}">
-        <p14:creationId xmlns:p14="http://schemas.microsoft.com/office/powerpoint/2010/main" val="64647400"/>
+        <p14:creationId xmlns:p14="http://schemas.microsoft.com/office/powerpoint/2010/main" val="25955898"/>
       </p:ext>
     </p:extLst>
   </p:cSld>
   <p:clrMapOvr>
     <a:masterClrMapping/>
   </p:clrMapOvr>
-  <mc:AlternateContent xmlns:mc="http://schemas.openxmlformats.org/markup-compatibility/2006" xmlns:p14="http://schemas.microsoft.com/office/powerpoint/2010/main">
-    <mc:Choice Requires="p14">
-      <p:transition spd="med" p14:dur="700">
+  <mc:AlternateContent xmlns:mc="http://schemas.openxmlformats.org/markup-compatibility/2006">
+    <mc:Choice xmlns:p14="http://schemas.microsoft.com/office/powerpoint/2010/main" Requires="p14">
+      <p:transition spd="med" p14:dur="700" advClick="0">
         <p:fade/>
       </p:transition>
     </mc:Choice>
-    <mc:Fallback xmlns="">
-      <p:transition xmlns:p14="http://schemas.microsoft.com/office/powerpoint/2010/main" spd="med">
+    <mc:Fallback>
+      <p:transition xmlns:p14="http://schemas.microsoft.com/office/powerpoint/2010/main" spd="med" advClick="0">
         <p:fade/>
       </p:transition>
     </mc:Fallback>
@@ -9278,7 +10875,109 @@
       </p:grpSpPr>
       <p:sp>
         <p:nvSpPr>
-          <p:cNvPr id="53251" name="Slide Number Placeholder 3"/>
+          <p:cNvPr id="52226" name="Content Placeholder 2"/>
+          <p:cNvSpPr>
+            <a:spLocks noGrp="1"/>
+          </p:cNvSpPr>
+          <p:nvPr>
+            <p:ph idx="1"/>
+          </p:nvPr>
+        </p:nvSpPr>
+        <p:spPr>
+          <a:xfrm>
+            <a:off x="105840" y="1102395"/>
+            <a:ext cx="8952165" cy="4903454"/>
+          </a:xfrm>
+        </p:spPr>
+        <p:txBody>
+          <a:bodyPr/>
+          <a:lstStyle/>
+          <a:p>
+            <a:pPr>
+              <a:buFontTx/>
+              <a:buNone/>
+            </a:pPr>
+            <a:r>
+              <a:rPr lang="en-US" sz="4000" dirty="0" smtClean="0"/>
+              <a:t>Prove boy optimal by</a:t>
+            </a:r>
+            <a:r>
+              <a:rPr lang="en-US" sz="4000" dirty="0" smtClean="0">
+                <a:solidFill>
+                  <a:srgbClr val="0000CC"/>
+                </a:solidFill>
+              </a:rPr>
+              <a:t> </a:t>
+            </a:r>
+            <a:r>
+              <a:rPr lang="en-US" sz="4000" dirty="0" smtClean="0">
+                <a:solidFill>
+                  <a:srgbClr val="C00000"/>
+                </a:solidFill>
+              </a:rPr>
+              <a:t>contradiction</a:t>
+            </a:r>
+            <a:r>
+              <a:rPr lang="en-US" sz="4000" dirty="0" smtClean="0"/>
+              <a:t>:</a:t>
+            </a:r>
+          </a:p>
+          <a:p>
+            <a:pPr>
+              <a:buFontTx/>
+              <a:buNone/>
+            </a:pPr>
+            <a:r>
+              <a:rPr lang="en-US" sz="4400" dirty="0" smtClean="0"/>
+              <a:t>Suppose Keith does not marry</a:t>
+            </a:r>
+          </a:p>
+          <a:p>
+            <a:pPr>
+              <a:buFontTx/>
+              <a:buNone/>
+            </a:pPr>
+            <a:r>
+              <a:rPr lang="en-US" sz="4400" dirty="0" smtClean="0"/>
+              <a:t>Nicole.  So he must have crossed </a:t>
+            </a:r>
+          </a:p>
+          <a:p>
+            <a:pPr>
+              <a:buFontTx/>
+              <a:buNone/>
+            </a:pPr>
+            <a:r>
+              <a:rPr lang="en-US" sz="4400" dirty="0" smtClean="0"/>
+              <a:t>off Nicole on some earlier  “bad” </a:t>
+            </a:r>
+          </a:p>
+          <a:p>
+            <a:pPr>
+              <a:buFontTx/>
+              <a:buNone/>
+            </a:pPr>
+            <a:r>
+              <a:rPr lang="en-US" sz="4400" dirty="0" smtClean="0"/>
+              <a:t>day.  Assume Keith had the </a:t>
+            </a:r>
+          </a:p>
+          <a:p>
+            <a:pPr>
+              <a:buFontTx/>
+              <a:buNone/>
+            </a:pPr>
+            <a:r>
+              <a:rPr lang="en-US" sz="4400" dirty="0" smtClean="0"/>
+              <a:t>earliest bad day.</a:t>
+            </a:r>
+            <a:endParaRPr lang="en-US" sz="4000" dirty="0" smtClean="0"/>
+          </a:p>
+        </p:txBody>
+      </p:sp>
+      <p:sp>
+        <p:nvSpPr>
+          <p:cNvPr id="52227" name="Slide Number Placeholder 3"/>
           <p:cNvSpPr>
             <a:spLocks noGrp="1"/>
           </p:cNvSpPr>
@@ -9301,7 +11000,7 @@
               <a:rPr lang="en-US" dirty="0" smtClean="0"/>
               <a:t> 7F.</a:t>
             </a:r>
-            <a:fld id="{7F2E48C5-A124-4D02-B5E8-431746CA306C}" type="slidenum">
+            <a:fld id="{65CBEB4F-F3B6-4041-8D9E-EBDA5BFD33E8}" type="slidenum">
               <a:rPr lang="en-US" smtClean="0"/>
               <a:pPr/>
               <a:t>8</a:t>
@@ -9312,7 +11011,7 @@
       </p:sp>
       <p:sp>
         <p:nvSpPr>
-          <p:cNvPr id="53252" name="Rectangle 2"/>
+          <p:cNvPr id="52228" name="Rectangle 2"/>
           <p:cNvSpPr>
             <a:spLocks noGrp="1" noChangeArrowheads="1"/>
           </p:cNvSpPr>
@@ -9346,91 +11045,24 @@
           </a:p>
         </p:txBody>
       </p:sp>
-      <p:sp>
-        <p:nvSpPr>
-          <p:cNvPr id="3" name="Content Placeholder 2"/>
-          <p:cNvSpPr>
-            <a:spLocks noGrp="1"/>
-          </p:cNvSpPr>
-          <p:nvPr>
-            <p:ph idx="1"/>
-          </p:nvPr>
-        </p:nvSpPr>
-        <p:spPr>
-          <a:xfrm>
-            <a:off x="489504" y="999811"/>
-            <a:ext cx="8241191" cy="3269691"/>
-          </a:xfrm>
-        </p:spPr>
-        <p:txBody>
-          <a:bodyPr/>
-          <a:lstStyle/>
-          <a:p>
-            <a:pPr>
-              <a:buFontTx/>
-              <a:buNone/>
-            </a:pPr>
-            <a:r>
-              <a:rPr lang="en-US" sz="4000" dirty="0" smtClean="0"/>
-              <a:t>On his bad day </a:t>
-            </a:r>
-            <a:r>
-              <a:rPr lang="en-US" sz="4000" dirty="0" smtClean="0">
-                <a:solidFill>
-                  <a:srgbClr val="0000CC"/>
-                </a:solidFill>
-              </a:rPr>
-              <a:t>Keith</a:t>
-            </a:r>
-            <a:r>
-              <a:rPr lang="en-US" sz="4000" dirty="0" smtClean="0"/>
-              <a:t> crosses off </a:t>
-            </a:r>
-          </a:p>
-          <a:p>
-            <a:pPr>
-              <a:buFontTx/>
-              <a:buNone/>
-            </a:pPr>
-            <a:r>
-              <a:rPr lang="en-US" sz="4000" dirty="0" smtClean="0"/>
-              <a:t>his optimal girl, </a:t>
-            </a:r>
-            <a:r>
-              <a:rPr lang="en-US" sz="4000" dirty="0" smtClean="0">
-                <a:solidFill>
-                  <a:srgbClr val="0000CC"/>
-                </a:solidFill>
-              </a:rPr>
-              <a:t>Nicole</a:t>
-            </a:r>
-            <a:endParaRPr lang="en-US" sz="4000" dirty="0">
-              <a:solidFill>
-                <a:srgbClr val="000000"/>
-              </a:solidFill>
-              <a:latin typeface="Comic Sans MS" pitchFamily="66" charset="0"/>
-            </a:endParaRPr>
-          </a:p>
-        </p:txBody>
-      </p:sp>
     </p:spTree>
     <p:extLst>
       <p:ext uri="{BB962C8B-B14F-4D97-AF65-F5344CB8AC3E}">
-        <p14:creationId xmlns:p14="http://schemas.microsoft.com/office/powerpoint/2010/main" val="4263271826"/>
+        <p14:creationId xmlns:p14="http://schemas.microsoft.com/office/powerpoint/2010/main" val="64647400"/>
       </p:ext>
     </p:extLst>
   </p:cSld>
   <p:clrMapOvr>
     <a:masterClrMapping/>
   </p:clrMapOvr>
-  <mc:AlternateContent xmlns:mc="http://schemas.openxmlformats.org/markup-compatibility/2006" xmlns:p14="http://schemas.microsoft.com/office/powerpoint/2010/main">
-    <mc:Choice Requires="p14">
-      <p:transition spd="med" p14:dur="700">
+  <mc:AlternateContent xmlns:mc="http://schemas.openxmlformats.org/markup-compatibility/2006">
+    <mc:Choice xmlns:p14="http://schemas.microsoft.com/office/powerpoint/2010/main" Requires="p14">
+      <p:transition spd="med" p14:dur="700" advClick="0">
         <p:fade/>
       </p:transition>
     </mc:Choice>
-    <mc:Fallback xmlns="">
-      <p:transition xmlns:p14="http://schemas.microsoft.com/office/powerpoint/2010/main" spd="med">
+    <mc:Fallback>
+      <p:transition xmlns:p14="http://schemas.microsoft.com/office/powerpoint/2010/main" spd="med" advClick="0">
         <p:fade/>
       </p:transition>
     </mc:Fallback>
@@ -9558,19 +11190,15 @@
             </a:pPr>
             <a:r>
               <a:rPr lang="en-US" sz="4000" dirty="0" smtClean="0"/>
-              <a:t>On his bad day </a:t>
+              <a:t>On</a:t>
             </a:r>
             <a:r>
               <a:rPr lang="en-US" sz="4000" dirty="0" smtClean="0">
                 <a:solidFill>
-                  <a:srgbClr val="0000CC"/>
-                </a:solidFill>
-              </a:rPr>
-              <a:t>Keith</a:t>
-            </a:r>
-            <a:r>
-              <a:rPr lang="en-US" sz="4000" dirty="0" smtClean="0"/>
-              <a:t> crosses off </a:t>
+                  <a:srgbClr val="000000"/>
+                </a:solidFill>
+              </a:rPr>
+              <a:t> his bad day Keith crosses off </a:t>
             </a:r>
           </a:p>
           <a:p>
@@ -9579,59 +11207,12 @@
               <a:buNone/>
             </a:pPr>
             <a:r>
-              <a:rPr lang="en-US" sz="4000" dirty="0" smtClean="0"/>
-              <a:t>his optimal girl, </a:t>
-            </a:r>
-            <a:r>
               <a:rPr lang="en-US" sz="4000" dirty="0" smtClean="0">
                 <a:solidFill>
-                  <a:srgbClr val="0000CC"/>
-                </a:solidFill>
-              </a:rPr>
-              <a:t>Nicole</a:t>
-            </a:r>
-            <a:r>
-              <a:rPr lang="en-US" sz="4000" dirty="0" smtClean="0"/>
-              <a:t>, </a:t>
-            </a:r>
-            <a:r>
-              <a:rPr lang="en-US" sz="4000" dirty="0" smtClean="0">
-                <a:solidFill>
                   <a:srgbClr val="000000"/>
                 </a:solidFill>
-                <a:latin typeface="Comic Sans MS" pitchFamily="66" charset="0"/>
-              </a:rPr>
-              <a:t>because a </a:t>
-            </a:r>
-          </a:p>
-          <a:p>
-            <a:pPr>
-              <a:buFontTx/>
-              <a:buNone/>
-            </a:pPr>
-            <a:r>
-              <a:rPr lang="en-US" sz="4000" dirty="0" smtClean="0">
-                <a:solidFill>
-                  <a:srgbClr val="000000"/>
-                </a:solidFill>
-                <a:latin typeface="Comic Sans MS" pitchFamily="66" charset="0"/>
-              </a:rPr>
-              <a:t>boy she like better is serenading</a:t>
-            </a:r>
-          </a:p>
-          <a:p>
-            <a:pPr>
-              <a:buFontTx/>
-              <a:buNone/>
-            </a:pPr>
-            <a:r>
-              <a:rPr lang="en-US" sz="4000" dirty="0" smtClean="0">
-                <a:solidFill>
-                  <a:srgbClr val="000000"/>
-                </a:solidFill>
-                <a:latin typeface="Comic Sans MS" pitchFamily="66" charset="0"/>
-              </a:rPr>
-              <a:t>her.</a:t>
+              </a:rPr>
+              <a:t>his optimal girl, Nicole</a:t>
             </a:r>
             <a:endParaRPr lang="en-US" sz="4000" dirty="0">
               <a:solidFill>
@@ -9645,21 +11226,21 @@
     </p:spTree>
     <p:extLst>
       <p:ext uri="{BB962C8B-B14F-4D97-AF65-F5344CB8AC3E}">
-        <p14:creationId xmlns:p14="http://schemas.microsoft.com/office/powerpoint/2010/main" val="3356321106"/>
+        <p14:creationId xmlns:p14="http://schemas.microsoft.com/office/powerpoint/2010/main" val="4263271826"/>
       </p:ext>
     </p:extLst>
   </p:cSld>
   <p:clrMapOvr>
     <a:masterClrMapping/>
   </p:clrMapOvr>
-  <mc:AlternateContent xmlns:mc="http://schemas.openxmlformats.org/markup-compatibility/2006" xmlns:p14="http://schemas.microsoft.com/office/powerpoint/2010/main">
-    <mc:Choice Requires="p14">
-      <p:transition spd="med" p14:dur="700">
+  <mc:AlternateContent xmlns:mc="http://schemas.openxmlformats.org/markup-compatibility/2006">
+    <mc:Choice xmlns:p14="http://schemas.microsoft.com/office/powerpoint/2010/main" Requires="p14">
+      <p:transition spd="med" p14:dur="700" advClick="0">
         <p:fade/>
       </p:transition>
     </mc:Choice>
-    <mc:Fallback xmlns="">
-      <p:transition xmlns:p14="http://schemas.microsoft.com/office/powerpoint/2010/main" spd="med">
+    <mc:Fallback>
+      <p:transition xmlns:p14="http://schemas.microsoft.com/office/powerpoint/2010/main" spd="med" advClick="0">
         <p:fade/>
       </p:transition>
     </mc:Fallback>
